--- a/CS310 - Software Engineering/Ch5 - updated.pptx
+++ b/CS310 - Software Engineering/Ch5 - updated.pptx
@@ -6,58 +6,57 @@
     <p:sldMasterId id="2147483696" r:id="rId2"/>
   </p:sldMasterIdLst>
   <p:notesMasterIdLst>
-    <p:notesMasterId r:id="rId49"/>
+    <p:notesMasterId r:id="rId48"/>
   </p:notesMasterIdLst>
   <p:handoutMasterIdLst>
-    <p:handoutMasterId r:id="rId50"/>
+    <p:handoutMasterId r:id="rId49"/>
   </p:handoutMasterIdLst>
   <p:sldIdLst>
     <p:sldId id="256" r:id="rId3"/>
     <p:sldId id="281" r:id="rId4"/>
-    <p:sldId id="313" r:id="rId5"/>
-    <p:sldId id="282" r:id="rId6"/>
-    <p:sldId id="284" r:id="rId7"/>
-    <p:sldId id="285" r:id="rId8"/>
-    <p:sldId id="287" r:id="rId9"/>
-    <p:sldId id="257" r:id="rId10"/>
-    <p:sldId id="289" r:id="rId11"/>
-    <p:sldId id="290" r:id="rId12"/>
-    <p:sldId id="259" r:id="rId13"/>
-    <p:sldId id="261" r:id="rId14"/>
-    <p:sldId id="299" r:id="rId15"/>
-    <p:sldId id="262" r:id="rId16"/>
-    <p:sldId id="263" r:id="rId17"/>
-    <p:sldId id="291" r:id="rId18"/>
-    <p:sldId id="292" r:id="rId19"/>
-    <p:sldId id="264" r:id="rId20"/>
-    <p:sldId id="265" r:id="rId21"/>
-    <p:sldId id="266" r:id="rId22"/>
-    <p:sldId id="310" r:id="rId23"/>
-    <p:sldId id="309" r:id="rId24"/>
-    <p:sldId id="300" r:id="rId25"/>
-    <p:sldId id="301" r:id="rId26"/>
-    <p:sldId id="267" r:id="rId27"/>
-    <p:sldId id="268" r:id="rId28"/>
-    <p:sldId id="293" r:id="rId29"/>
-    <p:sldId id="269" r:id="rId30"/>
-    <p:sldId id="294" r:id="rId31"/>
-    <p:sldId id="295" r:id="rId32"/>
-    <p:sldId id="270" r:id="rId33"/>
-    <p:sldId id="302" r:id="rId34"/>
-    <p:sldId id="278" r:id="rId35"/>
-    <p:sldId id="272" r:id="rId36"/>
-    <p:sldId id="312" r:id="rId37"/>
-    <p:sldId id="311" r:id="rId38"/>
-    <p:sldId id="303" r:id="rId39"/>
-    <p:sldId id="304" r:id="rId40"/>
-    <p:sldId id="297" r:id="rId41"/>
-    <p:sldId id="305" r:id="rId42"/>
-    <p:sldId id="275" r:id="rId43"/>
-    <p:sldId id="276" r:id="rId44"/>
-    <p:sldId id="306" r:id="rId45"/>
-    <p:sldId id="307" r:id="rId46"/>
-    <p:sldId id="308" r:id="rId47"/>
-    <p:sldId id="298" r:id="rId48"/>
+    <p:sldId id="282" r:id="rId5"/>
+    <p:sldId id="284" r:id="rId6"/>
+    <p:sldId id="285" r:id="rId7"/>
+    <p:sldId id="287" r:id="rId8"/>
+    <p:sldId id="257" r:id="rId9"/>
+    <p:sldId id="289" r:id="rId10"/>
+    <p:sldId id="290" r:id="rId11"/>
+    <p:sldId id="259" r:id="rId12"/>
+    <p:sldId id="261" r:id="rId13"/>
+    <p:sldId id="299" r:id="rId14"/>
+    <p:sldId id="262" r:id="rId15"/>
+    <p:sldId id="263" r:id="rId16"/>
+    <p:sldId id="291" r:id="rId17"/>
+    <p:sldId id="292" r:id="rId18"/>
+    <p:sldId id="264" r:id="rId19"/>
+    <p:sldId id="265" r:id="rId20"/>
+    <p:sldId id="266" r:id="rId21"/>
+    <p:sldId id="310" r:id="rId22"/>
+    <p:sldId id="309" r:id="rId23"/>
+    <p:sldId id="300" r:id="rId24"/>
+    <p:sldId id="301" r:id="rId25"/>
+    <p:sldId id="267" r:id="rId26"/>
+    <p:sldId id="268" r:id="rId27"/>
+    <p:sldId id="293" r:id="rId28"/>
+    <p:sldId id="269" r:id="rId29"/>
+    <p:sldId id="294" r:id="rId30"/>
+    <p:sldId id="295" r:id="rId31"/>
+    <p:sldId id="270" r:id="rId32"/>
+    <p:sldId id="302" r:id="rId33"/>
+    <p:sldId id="278" r:id="rId34"/>
+    <p:sldId id="272" r:id="rId35"/>
+    <p:sldId id="312" r:id="rId36"/>
+    <p:sldId id="311" r:id="rId37"/>
+    <p:sldId id="303" r:id="rId38"/>
+    <p:sldId id="304" r:id="rId39"/>
+    <p:sldId id="297" r:id="rId40"/>
+    <p:sldId id="305" r:id="rId41"/>
+    <p:sldId id="275" r:id="rId42"/>
+    <p:sldId id="276" r:id="rId43"/>
+    <p:sldId id="306" r:id="rId44"/>
+    <p:sldId id="307" r:id="rId45"/>
+    <p:sldId id="308" r:id="rId46"/>
+    <p:sldId id="298" r:id="rId47"/>
   </p:sldIdLst>
   <p:sldSz cx="9144000" cy="6858000" type="screen4x3"/>
   <p:notesSz cx="6858000" cy="9144000"/>
@@ -287,7 +286,7 @@
           <a:p>
             <a:fld id="{6CAD25C6-313E-4545-B4B5-AC2334263EEA}" type="datetimeFigureOut">
               <a:rPr lang="en-US" smtClean="0"/>
-              <a:t>3/4/2019</a:t>
+              <a:t>6/30/2019</a:t>
             </a:fld>
             <a:endParaRPr lang="en-US"/>
           </a:p>
@@ -453,7 +452,7 @@
           <a:p>
             <a:fld id="{24D3C50A-ECEA-8349-9BCF-E4AC4170F50E}" type="datetimeFigureOut">
               <a:rPr lang="en-US" smtClean="0"/>
-              <a:t>3/4/2019</a:t>
+              <a:t>6/30/2019</a:t>
             </a:fld>
             <a:endParaRPr lang="en-US"/>
           </a:p>
@@ -858,7 +857,7 @@
             </a:pPr>
             <a:fld id="{7822F52E-DFEC-CF4E-9154-12D1BED15C4B}" type="datetime1">
               <a:rPr lang="en-US" smtClean="0"/>
-              <a:t>3/4/2019</a:t>
+              <a:t>6/30/2019</a:t>
             </a:fld>
             <a:endParaRPr lang="en-US"/>
           </a:p>
@@ -1044,7 +1043,7 @@
             </a:pPr>
             <a:fld id="{A72FE822-76AE-3746-8338-468ADE492E9E}" type="datetime1">
               <a:rPr lang="en-US" smtClean="0"/>
-              <a:t>3/4/2019</a:t>
+              <a:t>6/30/2019</a:t>
             </a:fld>
             <a:endParaRPr lang="en-US"/>
           </a:p>
@@ -1240,7 +1239,7 @@
             </a:pPr>
             <a:fld id="{8DC00C6F-8C67-1B43-80E9-CFE97FD9DFA1}" type="datetime1">
               <a:rPr lang="en-US" smtClean="0"/>
-              <a:t>3/4/2019</a:t>
+              <a:t>6/30/2019</a:t>
             </a:fld>
             <a:endParaRPr lang="en-US"/>
           </a:p>
@@ -1448,7 +1447,7 @@
             </a:pPr>
             <a:fld id="{7822F52E-DFEC-CF4E-9154-12D1BED15C4B}" type="datetime1">
               <a:rPr lang="en-US" smtClean="0"/>
-              <a:t>3/4/2019</a:t>
+              <a:t>6/30/2019</a:t>
             </a:fld>
             <a:endParaRPr lang="en-US"/>
           </a:p>
@@ -1634,7 +1633,7 @@
             </a:pPr>
             <a:fld id="{FFDF728F-A2D9-DE49-9AC0-08E4CCFC3CBD}" type="datetime1">
               <a:rPr lang="en-US" smtClean="0"/>
-              <a:t>3/4/2019</a:t>
+              <a:t>6/30/2019</a:t>
             </a:fld>
             <a:endParaRPr lang="en-US"/>
           </a:p>
@@ -1896,7 +1895,7 @@
             </a:pPr>
             <a:fld id="{B6C57837-DD6D-C848-91B2-CB84389E4898}" type="datetime1">
               <a:rPr lang="en-US" smtClean="0"/>
-              <a:t>3/4/2019</a:t>
+              <a:t>6/30/2019</a:t>
             </a:fld>
             <a:endParaRPr lang="en-US"/>
           </a:p>
@@ -2144,7 +2143,7 @@
             </a:pPr>
             <a:fld id="{D0B8C665-7139-DE43-9391-7A97C447FA1A}" type="datetime1">
               <a:rPr lang="en-US" smtClean="0"/>
-              <a:t>3/4/2019</a:t>
+              <a:t>6/30/2019</a:t>
             </a:fld>
             <a:endParaRPr lang="en-US"/>
           </a:p>
@@ -2527,7 +2526,7 @@
             </a:pPr>
             <a:fld id="{B36C6B15-2585-5C47-A65D-F349E6DD2A9B}" type="datetime1">
               <a:rPr lang="en-US" smtClean="0"/>
-              <a:t>3/4/2019</a:t>
+              <a:t>6/30/2019</a:t>
             </a:fld>
             <a:endParaRPr lang="en-US"/>
           </a:p>
@@ -2661,7 +2660,7 @@
             </a:pPr>
             <a:fld id="{F1CC1C80-1CA0-B74D-B2D0-A4B5EA1E22AD}" type="datetime1">
               <a:rPr lang="en-US" smtClean="0"/>
-              <a:t>3/4/2019</a:t>
+              <a:t>6/30/2019</a:t>
             </a:fld>
             <a:endParaRPr lang="en-US"/>
           </a:p>
@@ -2772,7 +2771,7 @@
             </a:pPr>
             <a:fld id="{8A237EE1-1982-F94A-9074-6B57976F77EF}" type="datetime1">
               <a:rPr lang="en-US" smtClean="0"/>
-              <a:t>3/4/2019</a:t>
+              <a:t>6/30/2019</a:t>
             </a:fld>
             <a:endParaRPr lang="en-US"/>
           </a:p>
@@ -3065,7 +3064,7 @@
             </a:pPr>
             <a:fld id="{C7AB28E7-72C6-6642-A20C-3227154F59A3}" type="datetime1">
               <a:rPr lang="en-US" smtClean="0"/>
-              <a:t>3/4/2019</a:t>
+              <a:t>6/30/2019</a:t>
             </a:fld>
             <a:endParaRPr lang="en-US"/>
           </a:p>
@@ -3273,7 +3272,7 @@
             </a:pPr>
             <a:fld id="{FFDF728F-A2D9-DE49-9AC0-08E4CCFC3CBD}" type="datetime1">
               <a:rPr lang="en-US" smtClean="0"/>
-              <a:t>3/4/2019</a:t>
+              <a:t>6/30/2019</a:t>
             </a:fld>
             <a:endParaRPr lang="en-US"/>
           </a:p>
@@ -3542,7 +3541,7 @@
             </a:pPr>
             <a:fld id="{B2E3FBCA-5989-E440-A1A0-93004286AB6A}" type="datetime1">
               <a:rPr lang="en-US" smtClean="0"/>
-              <a:t>3/4/2019</a:t>
+              <a:t>6/30/2019</a:t>
             </a:fld>
             <a:endParaRPr lang="en-US"/>
           </a:p>
@@ -3728,7 +3727,7 @@
             </a:pPr>
             <a:fld id="{A72FE822-76AE-3746-8338-468ADE492E9E}" type="datetime1">
               <a:rPr lang="en-US" smtClean="0"/>
-              <a:t>3/4/2019</a:t>
+              <a:t>6/30/2019</a:t>
             </a:fld>
             <a:endParaRPr lang="en-US"/>
           </a:p>
@@ -3924,7 +3923,7 @@
             </a:pPr>
             <a:fld id="{8DC00C6F-8C67-1B43-80E9-CFE97FD9DFA1}" type="datetime1">
               <a:rPr lang="en-US" smtClean="0"/>
-              <a:t>3/4/2019</a:t>
+              <a:t>6/30/2019</a:t>
             </a:fld>
             <a:endParaRPr lang="en-US"/>
           </a:p>
@@ -4186,7 +4185,7 @@
             </a:pPr>
             <a:fld id="{B6C57837-DD6D-C848-91B2-CB84389E4898}" type="datetime1">
               <a:rPr lang="en-US" smtClean="0"/>
-              <a:t>3/4/2019</a:t>
+              <a:t>6/30/2019</a:t>
             </a:fld>
             <a:endParaRPr lang="en-US"/>
           </a:p>
@@ -4434,7 +4433,7 @@
             </a:pPr>
             <a:fld id="{D0B8C665-7139-DE43-9391-7A97C447FA1A}" type="datetime1">
               <a:rPr lang="en-US" smtClean="0"/>
-              <a:t>3/4/2019</a:t>
+              <a:t>6/30/2019</a:t>
             </a:fld>
             <a:endParaRPr lang="en-US"/>
           </a:p>
@@ -4817,7 +4816,7 @@
             </a:pPr>
             <a:fld id="{B36C6B15-2585-5C47-A65D-F349E6DD2A9B}" type="datetime1">
               <a:rPr lang="en-US" smtClean="0"/>
-              <a:t>3/4/2019</a:t>
+              <a:t>6/30/2019</a:t>
             </a:fld>
             <a:endParaRPr lang="en-US"/>
           </a:p>
@@ -4951,7 +4950,7 @@
             </a:pPr>
             <a:fld id="{F1CC1C80-1CA0-B74D-B2D0-A4B5EA1E22AD}" type="datetime1">
               <a:rPr lang="en-US" smtClean="0"/>
-              <a:t>3/4/2019</a:t>
+              <a:t>6/30/2019</a:t>
             </a:fld>
             <a:endParaRPr lang="en-US"/>
           </a:p>
@@ -5062,7 +5061,7 @@
             </a:pPr>
             <a:fld id="{8A237EE1-1982-F94A-9074-6B57976F77EF}" type="datetime1">
               <a:rPr lang="en-US" smtClean="0"/>
-              <a:t>3/4/2019</a:t>
+              <a:t>6/30/2019</a:t>
             </a:fld>
             <a:endParaRPr lang="en-US"/>
           </a:p>
@@ -5355,7 +5354,7 @@
             </a:pPr>
             <a:fld id="{C7AB28E7-72C6-6642-A20C-3227154F59A3}" type="datetime1">
               <a:rPr lang="en-US" smtClean="0"/>
-              <a:t>3/4/2019</a:t>
+              <a:t>6/30/2019</a:t>
             </a:fld>
             <a:endParaRPr lang="en-US"/>
           </a:p>
@@ -5624,7 +5623,7 @@
             </a:pPr>
             <a:fld id="{B2E3FBCA-5989-E440-A1A0-93004286AB6A}" type="datetime1">
               <a:rPr lang="en-US" smtClean="0"/>
-              <a:t>3/4/2019</a:t>
+              <a:t>6/30/2019</a:t>
             </a:fld>
             <a:endParaRPr lang="en-US"/>
           </a:p>
@@ -5853,7 +5852,7 @@
             </a:pPr>
             <a:fld id="{7823DC5D-7ACB-A846-A411-E90AA88C6704}" type="datetime1">
               <a:rPr lang="en-US" smtClean="0"/>
-              <a:t>3/4/2019</a:t>
+              <a:t>6/30/2019</a:t>
             </a:fld>
             <a:endParaRPr lang="en-US"/>
           </a:p>
@@ -6410,7 +6409,7 @@
             </a:pPr>
             <a:fld id="{7823DC5D-7ACB-A846-A411-E90AA88C6704}" type="datetime1">
               <a:rPr lang="en-US" smtClean="0"/>
-              <a:t>3/4/2019</a:t>
+              <a:t>6/30/2019</a:t>
             </a:fld>
             <a:endParaRPr lang="en-US"/>
           </a:p>
@@ -7356,7 +7355,7 @@
       </p:grpSpPr>
       <p:sp>
         <p:nvSpPr>
-          <p:cNvPr id="2" name="Title 1"/>
+          <p:cNvPr id="16386" name="Title 1"/>
           <p:cNvSpPr>
             <a:spLocks noGrp="1"/>
           </p:cNvSpPr>
@@ -7372,7 +7371,34 @@
             <a:pPr algn="ctr"/>
             <a:r>
               <a:rPr lang="en-US" dirty="0" smtClean="0"/>
-              <a:t>Use case modeling</a:t>
+              <a:t>Transfer-data use case</a:t>
+            </a:r>
+            <a:r>
+              <a:rPr lang="en-GB" dirty="0" smtClean="0"/>
+              <a:t> </a:t>
+            </a:r>
+            <a:endParaRPr lang="en-US" dirty="0" smtClean="0"/>
+          </a:p>
+        </p:txBody>
+      </p:sp>
+      <p:sp>
+        <p:nvSpPr>
+          <p:cNvPr id="5" name="Content Placeholder 4"/>
+          <p:cNvSpPr>
+            <a:spLocks noGrp="1"/>
+          </p:cNvSpPr>
+          <p:nvPr>
+            <p:ph idx="1"/>
+          </p:nvPr>
+        </p:nvSpPr>
+        <p:spPr/>
+        <p:txBody>
+          <a:bodyPr/>
+          <a:lstStyle/>
+          <a:p>
+            <a:r>
+              <a:rPr lang="en-US" dirty="0" smtClean="0"/>
+              <a:t>A use case in the MHC-PMS</a:t>
             </a:r>
             <a:endParaRPr lang="en-US" dirty="0"/>
           </a:p>
@@ -7380,70 +7406,7 @@
       </p:sp>
       <p:sp>
         <p:nvSpPr>
-          <p:cNvPr id="3" name="Content Placeholder 2"/>
-          <p:cNvSpPr>
-            <a:spLocks noGrp="1"/>
-          </p:cNvSpPr>
-          <p:nvPr>
-            <p:ph idx="1"/>
-          </p:nvPr>
-        </p:nvSpPr>
-        <p:spPr/>
-        <p:txBody>
-          <a:bodyPr>
-            <a:normAutofit fontScale="92500" lnSpcReduction="20000"/>
-          </a:bodyPr>
-          <a:lstStyle/>
-          <a:p>
-            <a:r>
-              <a:rPr lang="en-US" dirty="0" smtClean="0"/>
-              <a:t>Use cases were developed originally to support requirements elicitation and now incorporated into the UML.</a:t>
-            </a:r>
-          </a:p>
-          <a:p>
-            <a:r>
-              <a:rPr lang="en-US" dirty="0" smtClean="0"/>
-              <a:t>Each use case represents a discrete task that involves </a:t>
-            </a:r>
-            <a:r>
-              <a:rPr lang="en-US" b="1" dirty="0" smtClean="0">
-                <a:solidFill>
-                  <a:srgbClr val="C00000"/>
-                </a:solidFill>
-              </a:rPr>
-              <a:t>external</a:t>
-            </a:r>
-            <a:r>
-              <a:rPr lang="en-US" dirty="0" smtClean="0">
-                <a:solidFill>
-                  <a:srgbClr val="C00000"/>
-                </a:solidFill>
-              </a:rPr>
-              <a:t> </a:t>
-            </a:r>
-            <a:r>
-              <a:rPr lang="en-US" dirty="0" smtClean="0"/>
-              <a:t>interaction with a system.</a:t>
-            </a:r>
-          </a:p>
-          <a:p>
-            <a:r>
-              <a:rPr lang="en-US" dirty="0" smtClean="0"/>
-              <a:t>Actors in a use case may be people or other systems.</a:t>
-            </a:r>
-          </a:p>
-          <a:p>
-            <a:r>
-              <a:rPr lang="en-US" dirty="0" smtClean="0"/>
-              <a:t>Represented diagrammatically to provide an overview of the use case and in a more detailed textual form.</a:t>
-            </a:r>
-            <a:endParaRPr lang="en-US" dirty="0"/>
-          </a:p>
-        </p:txBody>
-      </p:sp>
-      <p:sp>
-        <p:nvSpPr>
-          <p:cNvPr id="5" name="Footer Placeholder 4"/>
+          <p:cNvPr id="7" name="Footer Placeholder 6"/>
           <p:cNvSpPr>
             <a:spLocks noGrp="1"/>
           </p:cNvSpPr>
@@ -7469,7 +7432,7 @@
       </p:sp>
       <p:sp>
         <p:nvSpPr>
-          <p:cNvPr id="4" name="Slide Number Placeholder 3"/>
+          <p:cNvPr id="6" name="Slide Number Placeholder 5"/>
           <p:cNvSpPr>
             <a:spLocks noGrp="1"/>
           </p:cNvSpPr>
@@ -7491,144 +7454,6 @@
                 <a:defRPr/>
               </a:pPr>
               <a:t>10</a:t>
-            </a:fld>
-            <a:endParaRPr lang="en-US"/>
-          </a:p>
-        </p:txBody>
-      </p:sp>
-    </p:spTree>
-  </p:cSld>
-  <p:clrMapOvr>
-    <a:masterClrMapping/>
-  </p:clrMapOvr>
-  <p:timing>
-    <p:tnLst>
-      <p:par>
-        <p:cTn id="1" dur="indefinite" restart="never" nodeType="tmRoot"/>
-      </p:par>
-    </p:tnLst>
-  </p:timing>
-</p:sld>
-</file>
-
-<file path=ppt/slides/slide11.xml><?xml version="1.0" encoding="utf-8"?>
-<p:sld xmlns:a="http://schemas.openxmlformats.org/drawingml/2006/main" xmlns:r="http://schemas.openxmlformats.org/officeDocument/2006/relationships" xmlns:p="http://schemas.openxmlformats.org/presentationml/2006/main">
-  <p:cSld>
-    <p:spTree>
-      <p:nvGrpSpPr>
-        <p:cNvPr id="1" name=""/>
-        <p:cNvGrpSpPr/>
-        <p:nvPr/>
-      </p:nvGrpSpPr>
-      <p:grpSpPr>
-        <a:xfrm>
-          <a:off x="0" y="0"/>
-          <a:ext cx="0" cy="0"/>
-          <a:chOff x="0" y="0"/>
-          <a:chExt cx="0" cy="0"/>
-        </a:xfrm>
-      </p:grpSpPr>
-      <p:sp>
-        <p:nvSpPr>
-          <p:cNvPr id="16386" name="Title 1"/>
-          <p:cNvSpPr>
-            <a:spLocks noGrp="1"/>
-          </p:cNvSpPr>
-          <p:nvPr>
-            <p:ph type="title"/>
-          </p:nvPr>
-        </p:nvSpPr>
-        <p:spPr/>
-        <p:txBody>
-          <a:bodyPr/>
-          <a:lstStyle/>
-          <a:p>
-            <a:pPr algn="ctr"/>
-            <a:r>
-              <a:rPr lang="en-US" dirty="0" smtClean="0"/>
-              <a:t>Transfer-data use case</a:t>
-            </a:r>
-            <a:r>
-              <a:rPr lang="en-GB" dirty="0" smtClean="0"/>
-              <a:t> </a:t>
-            </a:r>
-            <a:endParaRPr lang="en-US" dirty="0" smtClean="0"/>
-          </a:p>
-        </p:txBody>
-      </p:sp>
-      <p:sp>
-        <p:nvSpPr>
-          <p:cNvPr id="5" name="Content Placeholder 4"/>
-          <p:cNvSpPr>
-            <a:spLocks noGrp="1"/>
-          </p:cNvSpPr>
-          <p:nvPr>
-            <p:ph idx="1"/>
-          </p:nvPr>
-        </p:nvSpPr>
-        <p:spPr/>
-        <p:txBody>
-          <a:bodyPr/>
-          <a:lstStyle/>
-          <a:p>
-            <a:r>
-              <a:rPr lang="en-US" dirty="0" smtClean="0"/>
-              <a:t>A use case in the MHC-PMS</a:t>
-            </a:r>
-            <a:endParaRPr lang="en-US" dirty="0"/>
-          </a:p>
-        </p:txBody>
-      </p:sp>
-      <p:sp>
-        <p:nvSpPr>
-          <p:cNvPr id="7" name="Footer Placeholder 6"/>
-          <p:cNvSpPr>
-            <a:spLocks noGrp="1"/>
-          </p:cNvSpPr>
-          <p:nvPr>
-            <p:ph type="ftr" sz="quarter" idx="11"/>
-          </p:nvPr>
-        </p:nvSpPr>
-        <p:spPr/>
-        <p:txBody>
-          <a:bodyPr/>
-          <a:lstStyle/>
-          <a:p>
-            <a:pPr>
-              <a:defRPr/>
-            </a:pPr>
-            <a:r>
-              <a:rPr lang="en-US" smtClean="0"/>
-              <a:t>Chapter 5 System modeling</a:t>
-            </a:r>
-            <a:endParaRPr lang="en-US"/>
-          </a:p>
-        </p:txBody>
-      </p:sp>
-      <p:sp>
-        <p:nvSpPr>
-          <p:cNvPr id="6" name="Slide Number Placeholder 5"/>
-          <p:cNvSpPr>
-            <a:spLocks noGrp="1"/>
-          </p:cNvSpPr>
-          <p:nvPr>
-            <p:ph type="sldNum" sz="quarter" idx="12"/>
-          </p:nvPr>
-        </p:nvSpPr>
-        <p:spPr/>
-        <p:txBody>
-          <a:bodyPr/>
-          <a:lstStyle/>
-          <a:p>
-            <a:pPr>
-              <a:defRPr/>
-            </a:pPr>
-            <a:fld id="{DEC9DA09-039A-A841-BA90-58CFCFBF8E01}" type="slidenum">
-              <a:rPr lang="en-US" smtClean="0"/>
-              <a:pPr>
-                <a:defRPr/>
-              </a:pPr>
-              <a:t>11</a:t>
             </a:fld>
             <a:endParaRPr lang="en-US"/>
           </a:p>
@@ -7673,7 +7498,7 @@
 </p:sld>
 </file>
 
-<file path=ppt/slides/slide12.xml><?xml version="1.0" encoding="utf-8"?>
+<file path=ppt/slides/slide11.xml><?xml version="1.0" encoding="utf-8"?>
 <p:sld xmlns:a="http://schemas.openxmlformats.org/drawingml/2006/main" xmlns:r="http://schemas.openxmlformats.org/officeDocument/2006/relationships" xmlns:p="http://schemas.openxmlformats.org/presentationml/2006/main">
   <p:cSld>
     <p:spTree>
@@ -7773,7 +7598,7 @@
               <a:pPr>
                 <a:defRPr/>
               </a:pPr>
-              <a:t>12</a:t>
+              <a:t>11</a:t>
             </a:fld>
             <a:endParaRPr lang="en-US"/>
           </a:p>
@@ -7818,6 +7643,159 @@
 </p:sld>
 </file>
 
+<file path=ppt/slides/slide12.xml><?xml version="1.0" encoding="utf-8"?>
+<p:sld xmlns:a="http://schemas.openxmlformats.org/drawingml/2006/main" xmlns:r="http://schemas.openxmlformats.org/officeDocument/2006/relationships" xmlns:p="http://schemas.openxmlformats.org/presentationml/2006/main">
+  <p:cSld>
+    <p:spTree>
+      <p:nvGrpSpPr>
+        <p:cNvPr id="1" name=""/>
+        <p:cNvGrpSpPr/>
+        <p:nvPr/>
+      </p:nvGrpSpPr>
+      <p:grpSpPr>
+        <a:xfrm>
+          <a:off x="0" y="0"/>
+          <a:ext cx="0" cy="0"/>
+          <a:chOff x="0" y="0"/>
+          <a:chExt cx="0" cy="0"/>
+        </a:xfrm>
+      </p:grpSpPr>
+      <p:sp>
+        <p:nvSpPr>
+          <p:cNvPr id="2" name="Title 1"/>
+          <p:cNvSpPr>
+            <a:spLocks noGrp="1"/>
+          </p:cNvSpPr>
+          <p:nvPr>
+            <p:ph type="title"/>
+          </p:nvPr>
+        </p:nvSpPr>
+        <p:spPr/>
+        <p:txBody>
+          <a:bodyPr/>
+          <a:lstStyle/>
+          <a:p>
+            <a:r>
+              <a:rPr lang="en-US" dirty="0" smtClean="0"/>
+              <a:t>Sequence diagrams</a:t>
+            </a:r>
+            <a:endParaRPr lang="en-US" dirty="0"/>
+          </a:p>
+        </p:txBody>
+      </p:sp>
+      <p:sp>
+        <p:nvSpPr>
+          <p:cNvPr id="3" name="Content Placeholder 2"/>
+          <p:cNvSpPr>
+            <a:spLocks noGrp="1"/>
+          </p:cNvSpPr>
+          <p:nvPr>
+            <p:ph idx="1"/>
+          </p:nvPr>
+        </p:nvSpPr>
+        <p:spPr/>
+        <p:txBody>
+          <a:bodyPr>
+            <a:normAutofit fontScale="77500" lnSpcReduction="20000"/>
+          </a:bodyPr>
+          <a:lstStyle/>
+          <a:p>
+            <a:r>
+              <a:rPr lang="en-US" dirty="0" smtClean="0"/>
+              <a:t>Sequence diagrams are part of the UML and are used to model the interactions between the actors and the objects within a system.</a:t>
+            </a:r>
+          </a:p>
+          <a:p>
+            <a:r>
+              <a:rPr lang="en-US" dirty="0" smtClean="0"/>
+              <a:t>A sequence diagram shows the sequence of interactions that take place during a particular use case or use case instance.</a:t>
+            </a:r>
+          </a:p>
+          <a:p>
+            <a:r>
+              <a:rPr lang="en-US" dirty="0" smtClean="0"/>
+              <a:t>The objects and actors involved are listed along the top of the diagram, with a dotted line drawn vertically from these. </a:t>
+            </a:r>
+          </a:p>
+          <a:p>
+            <a:r>
+              <a:rPr lang="en-US" dirty="0" smtClean="0"/>
+              <a:t>Interactions between objects are indicated by annotated arrows.  </a:t>
+            </a:r>
+            <a:endParaRPr lang="en-US" dirty="0"/>
+          </a:p>
+        </p:txBody>
+      </p:sp>
+      <p:sp>
+        <p:nvSpPr>
+          <p:cNvPr id="5" name="Footer Placeholder 4"/>
+          <p:cNvSpPr>
+            <a:spLocks noGrp="1"/>
+          </p:cNvSpPr>
+          <p:nvPr>
+            <p:ph type="ftr" sz="quarter" idx="11"/>
+          </p:nvPr>
+        </p:nvSpPr>
+        <p:spPr/>
+        <p:txBody>
+          <a:bodyPr/>
+          <a:lstStyle/>
+          <a:p>
+            <a:pPr>
+              <a:defRPr/>
+            </a:pPr>
+            <a:r>
+              <a:rPr lang="en-US" smtClean="0"/>
+              <a:t>Chapter 5 System modeling</a:t>
+            </a:r>
+            <a:endParaRPr lang="en-US"/>
+          </a:p>
+        </p:txBody>
+      </p:sp>
+      <p:sp>
+        <p:nvSpPr>
+          <p:cNvPr id="4" name="Slide Number Placeholder 3"/>
+          <p:cNvSpPr>
+            <a:spLocks noGrp="1"/>
+          </p:cNvSpPr>
+          <p:nvPr>
+            <p:ph type="sldNum" sz="quarter" idx="12"/>
+          </p:nvPr>
+        </p:nvSpPr>
+        <p:spPr/>
+        <p:txBody>
+          <a:bodyPr/>
+          <a:lstStyle/>
+          <a:p>
+            <a:pPr>
+              <a:defRPr/>
+            </a:pPr>
+            <a:fld id="{DEC9DA09-039A-A841-BA90-58CFCFBF8E01}" type="slidenum">
+              <a:rPr lang="en-US" smtClean="0"/>
+              <a:pPr>
+                <a:defRPr/>
+              </a:pPr>
+              <a:t>12</a:t>
+            </a:fld>
+            <a:endParaRPr lang="en-US"/>
+          </a:p>
+        </p:txBody>
+      </p:sp>
+    </p:spTree>
+  </p:cSld>
+  <p:clrMapOvr>
+    <a:masterClrMapping/>
+  </p:clrMapOvr>
+  <p:timing>
+    <p:tnLst>
+      <p:par>
+        <p:cTn id="1" dur="indefinite" restart="never" nodeType="tmRoot"/>
+      </p:par>
+    </p:tnLst>
+  </p:timing>
+</p:sld>
+</file>
+
 <file path=ppt/slides/slide13.xml><?xml version="1.0" encoding="utf-8"?>
 <p:sld xmlns:a="http://schemas.openxmlformats.org/drawingml/2006/main" xmlns:r="http://schemas.openxmlformats.org/officeDocument/2006/relationships" xmlns:p="http://schemas.openxmlformats.org/presentationml/2006/main">
   <p:cSld>
@@ -7837,7 +7815,7 @@
       </p:grpSpPr>
       <p:sp>
         <p:nvSpPr>
-          <p:cNvPr id="2" name="Title 1"/>
+          <p:cNvPr id="19458" name="Title 1"/>
           <p:cNvSpPr>
             <a:spLocks noGrp="1"/>
           </p:cNvSpPr>
@@ -7845,65 +7823,33 @@
             <p:ph type="title"/>
           </p:nvPr>
         </p:nvSpPr>
-        <p:spPr/>
-        <p:txBody>
-          <a:bodyPr/>
-          <a:lstStyle/>
-          <a:p>
-            <a:r>
-              <a:rPr lang="en-US" dirty="0" smtClean="0"/>
-              <a:t>Sequence diagrams</a:t>
-            </a:r>
-            <a:endParaRPr lang="en-US" dirty="0"/>
-          </a:p>
-        </p:txBody>
-      </p:sp>
-      <p:sp>
-        <p:nvSpPr>
-          <p:cNvPr id="3" name="Content Placeholder 2"/>
-          <p:cNvSpPr>
-            <a:spLocks noGrp="1"/>
-          </p:cNvSpPr>
-          <p:nvPr>
-            <p:ph idx="1"/>
-          </p:nvPr>
-        </p:nvSpPr>
-        <p:spPr/>
+        <p:spPr>
+          <a:xfrm>
+            <a:off x="0" y="365126"/>
+            <a:ext cx="9144000" cy="1325563"/>
+          </a:xfrm>
+        </p:spPr>
         <p:txBody>
           <a:bodyPr>
-            <a:normAutofit fontScale="77500" lnSpcReduction="20000"/>
+            <a:normAutofit/>
           </a:bodyPr>
           <a:lstStyle/>
           <a:p>
             <a:r>
-              <a:rPr lang="en-US" dirty="0" smtClean="0"/>
-              <a:t>Sequence diagrams are part of the UML and are used to model the interactions between the actors and the objects within a system.</a:t>
-            </a:r>
-          </a:p>
-          <a:p>
-            <a:r>
-              <a:rPr lang="en-US" dirty="0" smtClean="0"/>
-              <a:t>A sequence diagram shows the sequence of interactions that take place during a particular use case or use case instance.</a:t>
-            </a:r>
-          </a:p>
-          <a:p>
-            <a:r>
-              <a:rPr lang="en-US" dirty="0" smtClean="0"/>
-              <a:t>The objects and actors involved are listed along the top of the diagram, with a dotted line drawn vertically from these. </a:t>
-            </a:r>
-          </a:p>
-          <a:p>
-            <a:r>
-              <a:rPr lang="en-US" dirty="0" smtClean="0"/>
-              <a:t>Interactions between objects are indicated by annotated arrows.  </a:t>
-            </a:r>
-            <a:endParaRPr lang="en-US" dirty="0"/>
-          </a:p>
-        </p:txBody>
-      </p:sp>
-      <p:sp>
-        <p:nvSpPr>
-          <p:cNvPr id="5" name="Footer Placeholder 4"/>
+              <a:rPr lang="en-US" sz="4000" dirty="0" smtClean="0"/>
+              <a:t>Sequence diagram for View patient information</a:t>
+            </a:r>
+            <a:r>
+              <a:rPr lang="en-GB" sz="4000" dirty="0" smtClean="0"/>
+              <a:t> </a:t>
+            </a:r>
+            <a:endParaRPr lang="en-US" sz="4000" dirty="0" smtClean="0"/>
+          </a:p>
+        </p:txBody>
+      </p:sp>
+      <p:sp>
+        <p:nvSpPr>
+          <p:cNvPr id="6" name="Footer Placeholder 5"/>
           <p:cNvSpPr>
             <a:spLocks noGrp="1"/>
           </p:cNvSpPr>
@@ -7929,7 +7875,7 @@
       </p:sp>
       <p:sp>
         <p:nvSpPr>
-          <p:cNvPr id="4" name="Slide Number Placeholder 3"/>
+          <p:cNvPr id="5" name="Slide Number Placeholder 4"/>
           <p:cNvSpPr>
             <a:spLocks noGrp="1"/>
           </p:cNvSpPr>
@@ -7945,7 +7891,7 @@
             <a:pPr>
               <a:defRPr/>
             </a:pPr>
-            <a:fld id="{DEC9DA09-039A-A841-BA90-58CFCFBF8E01}" type="slidenum">
+            <a:fld id="{964AD586-7C25-0244-A129-E014CC0A164A}" type="slidenum">
               <a:rPr lang="en-US" smtClean="0"/>
               <a:pPr>
                 <a:defRPr/>
@@ -7953,6 +7899,87 @@
               <a:t>13</a:t>
             </a:fld>
             <a:endParaRPr lang="en-US"/>
+          </a:p>
+        </p:txBody>
+      </p:sp>
+      <p:pic>
+        <p:nvPicPr>
+          <p:cNvPr id="2" name="Picture 1"/>
+          <p:cNvPicPr>
+            <a:picLocks noChangeAspect="1"/>
+          </p:cNvPicPr>
+          <p:nvPr/>
+        </p:nvPicPr>
+        <p:blipFill>
+          <a:blip r:embed="rId2"/>
+          <a:stretch>
+            <a:fillRect/>
+          </a:stretch>
+        </p:blipFill>
+        <p:spPr>
+          <a:xfrm>
+            <a:off x="1057836" y="1534946"/>
+            <a:ext cx="7079316" cy="5186530"/>
+          </a:xfrm>
+          <a:prstGeom prst="rect">
+            <a:avLst/>
+          </a:prstGeom>
+        </p:spPr>
+      </p:pic>
+      <p:sp>
+        <p:nvSpPr>
+          <p:cNvPr id="3" name="Rounded Rectangular Callout 2"/>
+          <p:cNvSpPr/>
+          <p:nvPr/>
+        </p:nvSpPr>
+        <p:spPr>
+          <a:xfrm>
+            <a:off x="247345" y="3382965"/>
+            <a:ext cx="1620982" cy="823117"/>
+          </a:xfrm>
+          <a:prstGeom prst="wedgeRoundRectCallout">
+            <a:avLst>
+              <a:gd name="adj1" fmla="val 40040"/>
+              <a:gd name="adj2" fmla="val 99552"/>
+              <a:gd name="adj3" fmla="val 16667"/>
+            </a:avLst>
+          </a:prstGeom>
+          <a:noFill/>
+        </p:spPr>
+        <p:style>
+          <a:lnRef idx="2">
+            <a:schemeClr val="accent1">
+              <a:shade val="50000"/>
+            </a:schemeClr>
+          </a:lnRef>
+          <a:fillRef idx="1">
+            <a:schemeClr val="accent1"/>
+          </a:fillRef>
+          <a:effectRef idx="0">
+            <a:schemeClr val="accent1"/>
+          </a:effectRef>
+          <a:fontRef idx="minor">
+            <a:schemeClr val="lt1"/>
+          </a:fontRef>
+        </p:style>
+        <p:txBody>
+          <a:bodyPr rtlCol="0" anchor="ctr"/>
+          <a:lstStyle/>
+          <a:p>
+            <a:pPr algn="ctr"/>
+            <a:r>
+              <a:rPr lang="en-US" dirty="0" smtClean="0">
+                <a:solidFill>
+                  <a:schemeClr val="tx1"/>
+                </a:solidFill>
+              </a:rPr>
+              <a:t>Alternative scenario </a:t>
+            </a:r>
+            <a:endParaRPr lang="en-US" dirty="0">
+              <a:solidFill>
+                <a:schemeClr val="tx1"/>
+              </a:solidFill>
+            </a:endParaRPr>
           </a:p>
         </p:txBody>
       </p:sp>
@@ -7990,151 +8017,6 @@
       </p:grpSpPr>
       <p:sp>
         <p:nvSpPr>
-          <p:cNvPr id="19458" name="Title 1"/>
-          <p:cNvSpPr>
-            <a:spLocks noGrp="1"/>
-          </p:cNvSpPr>
-          <p:nvPr>
-            <p:ph type="title"/>
-          </p:nvPr>
-        </p:nvSpPr>
-        <p:spPr>
-          <a:xfrm>
-            <a:off x="0" y="365126"/>
-            <a:ext cx="9144000" cy="1325563"/>
-          </a:xfrm>
-        </p:spPr>
-        <p:txBody>
-          <a:bodyPr>
-            <a:normAutofit/>
-          </a:bodyPr>
-          <a:lstStyle/>
-          <a:p>
-            <a:r>
-              <a:rPr lang="en-US" sz="4000" dirty="0" smtClean="0"/>
-              <a:t>Sequence diagram for View patient information</a:t>
-            </a:r>
-            <a:r>
-              <a:rPr lang="en-GB" sz="4000" dirty="0" smtClean="0"/>
-              <a:t> </a:t>
-            </a:r>
-            <a:endParaRPr lang="en-US" sz="4000" dirty="0" smtClean="0"/>
-          </a:p>
-        </p:txBody>
-      </p:sp>
-      <p:sp>
-        <p:nvSpPr>
-          <p:cNvPr id="6" name="Footer Placeholder 5"/>
-          <p:cNvSpPr>
-            <a:spLocks noGrp="1"/>
-          </p:cNvSpPr>
-          <p:nvPr>
-            <p:ph type="ftr" sz="quarter" idx="11"/>
-          </p:nvPr>
-        </p:nvSpPr>
-        <p:spPr/>
-        <p:txBody>
-          <a:bodyPr/>
-          <a:lstStyle/>
-          <a:p>
-            <a:pPr>
-              <a:defRPr/>
-            </a:pPr>
-            <a:r>
-              <a:rPr lang="en-US" smtClean="0"/>
-              <a:t>Chapter 5 System modeling</a:t>
-            </a:r>
-            <a:endParaRPr lang="en-US"/>
-          </a:p>
-        </p:txBody>
-      </p:sp>
-      <p:sp>
-        <p:nvSpPr>
-          <p:cNvPr id="5" name="Slide Number Placeholder 4"/>
-          <p:cNvSpPr>
-            <a:spLocks noGrp="1"/>
-          </p:cNvSpPr>
-          <p:nvPr>
-            <p:ph type="sldNum" sz="quarter" idx="12"/>
-          </p:nvPr>
-        </p:nvSpPr>
-        <p:spPr/>
-        <p:txBody>
-          <a:bodyPr/>
-          <a:lstStyle/>
-          <a:p>
-            <a:pPr>
-              <a:defRPr/>
-            </a:pPr>
-            <a:fld id="{964AD586-7C25-0244-A129-E014CC0A164A}" type="slidenum">
-              <a:rPr lang="en-US" smtClean="0"/>
-              <a:pPr>
-                <a:defRPr/>
-              </a:pPr>
-              <a:t>14</a:t>
-            </a:fld>
-            <a:endParaRPr lang="en-US"/>
-          </a:p>
-        </p:txBody>
-      </p:sp>
-      <p:pic>
-        <p:nvPicPr>
-          <p:cNvPr id="2" name="Picture 1"/>
-          <p:cNvPicPr>
-            <a:picLocks noChangeAspect="1"/>
-          </p:cNvPicPr>
-          <p:nvPr/>
-        </p:nvPicPr>
-        <p:blipFill>
-          <a:blip r:embed="rId2"/>
-          <a:stretch>
-            <a:fillRect/>
-          </a:stretch>
-        </p:blipFill>
-        <p:spPr>
-          <a:xfrm>
-            <a:off x="1057836" y="1534946"/>
-            <a:ext cx="7079316" cy="5186530"/>
-          </a:xfrm>
-          <a:prstGeom prst="rect">
-            <a:avLst/>
-          </a:prstGeom>
-        </p:spPr>
-      </p:pic>
-    </p:spTree>
-  </p:cSld>
-  <p:clrMapOvr>
-    <a:masterClrMapping/>
-  </p:clrMapOvr>
-  <p:timing>
-    <p:tnLst>
-      <p:par>
-        <p:cTn id="1" dur="indefinite" restart="never" nodeType="tmRoot"/>
-      </p:par>
-    </p:tnLst>
-  </p:timing>
-</p:sld>
-</file>
-
-<file path=ppt/slides/slide15.xml><?xml version="1.0" encoding="utf-8"?>
-<p:sld xmlns:a="http://schemas.openxmlformats.org/drawingml/2006/main" xmlns:r="http://schemas.openxmlformats.org/officeDocument/2006/relationships" xmlns:p="http://schemas.openxmlformats.org/presentationml/2006/main">
-  <p:cSld>
-    <p:spTree>
-      <p:nvGrpSpPr>
-        <p:cNvPr id="1" name=""/>
-        <p:cNvGrpSpPr/>
-        <p:nvPr/>
-      </p:nvGrpSpPr>
-      <p:grpSpPr>
-        <a:xfrm>
-          <a:off x="0" y="0"/>
-          <a:ext cx="0" cy="0"/>
-          <a:chOff x="0" y="0"/>
-          <a:chExt cx="0" cy="0"/>
-        </a:xfrm>
-      </p:grpSpPr>
-      <p:sp>
-        <p:nvSpPr>
           <p:cNvPr id="20482" name="Title 1"/>
           <p:cNvSpPr>
             <a:spLocks noGrp="1"/>
@@ -8217,7 +8099,7 @@
               <a:pPr>
                 <a:defRPr/>
               </a:pPr>
-              <a:t>15</a:t>
+              <a:t>14</a:t>
             </a:fld>
             <a:endParaRPr lang="en-US"/>
           </a:p>
@@ -8262,6 +8144,153 @@
 </p:sld>
 </file>
 
+<file path=ppt/slides/slide15.xml><?xml version="1.0" encoding="utf-8"?>
+<p:sld xmlns:a="http://schemas.openxmlformats.org/drawingml/2006/main" xmlns:r="http://schemas.openxmlformats.org/officeDocument/2006/relationships" xmlns:p="http://schemas.openxmlformats.org/presentationml/2006/main">
+  <p:cSld>
+    <p:spTree>
+      <p:nvGrpSpPr>
+        <p:cNvPr id="1" name=""/>
+        <p:cNvGrpSpPr/>
+        <p:nvPr/>
+      </p:nvGrpSpPr>
+      <p:grpSpPr>
+        <a:xfrm>
+          <a:off x="0" y="0"/>
+          <a:ext cx="0" cy="0"/>
+          <a:chOff x="0" y="0"/>
+          <a:chExt cx="0" cy="0"/>
+        </a:xfrm>
+      </p:grpSpPr>
+      <p:sp>
+        <p:nvSpPr>
+          <p:cNvPr id="2" name="Title 1"/>
+          <p:cNvSpPr>
+            <a:spLocks noGrp="1"/>
+          </p:cNvSpPr>
+          <p:nvPr>
+            <p:ph type="title"/>
+          </p:nvPr>
+        </p:nvSpPr>
+        <p:spPr/>
+        <p:txBody>
+          <a:bodyPr/>
+          <a:lstStyle/>
+          <a:p>
+            <a:r>
+              <a:rPr lang="en-US" dirty="0" smtClean="0"/>
+              <a:t>Structural models</a:t>
+            </a:r>
+            <a:endParaRPr lang="en-US" dirty="0"/>
+          </a:p>
+        </p:txBody>
+      </p:sp>
+      <p:sp>
+        <p:nvSpPr>
+          <p:cNvPr id="3" name="Content Placeholder 2"/>
+          <p:cNvSpPr>
+            <a:spLocks noGrp="1"/>
+          </p:cNvSpPr>
+          <p:nvPr>
+            <p:ph idx="1"/>
+          </p:nvPr>
+        </p:nvSpPr>
+        <p:spPr/>
+        <p:txBody>
+          <a:bodyPr>
+            <a:normAutofit fontScale="85000" lnSpcReduction="20000"/>
+          </a:bodyPr>
+          <a:lstStyle/>
+          <a:p>
+            <a:r>
+              <a:rPr lang="en-US" dirty="0" smtClean="0"/>
+              <a:t>Structural models of software display the organization of a system in terms of the components that make up that system and their relationships. </a:t>
+            </a:r>
+          </a:p>
+          <a:p>
+            <a:r>
+              <a:rPr lang="en-US" dirty="0" smtClean="0"/>
+              <a:t>Structural models may be static models, which show the structure of the system design, or dynamic models, which show the organization of the system when it is executing. </a:t>
+            </a:r>
+          </a:p>
+          <a:p>
+            <a:r>
+              <a:rPr lang="en-US" dirty="0" smtClean="0"/>
+              <a:t>You create structural models of a system when you are discussing and designing the system architecture. </a:t>
+            </a:r>
+            <a:endParaRPr lang="en-US" dirty="0"/>
+          </a:p>
+        </p:txBody>
+      </p:sp>
+      <p:sp>
+        <p:nvSpPr>
+          <p:cNvPr id="5" name="Footer Placeholder 4"/>
+          <p:cNvSpPr>
+            <a:spLocks noGrp="1"/>
+          </p:cNvSpPr>
+          <p:nvPr>
+            <p:ph type="ftr" sz="quarter" idx="11"/>
+          </p:nvPr>
+        </p:nvSpPr>
+        <p:spPr/>
+        <p:txBody>
+          <a:bodyPr/>
+          <a:lstStyle/>
+          <a:p>
+            <a:pPr>
+              <a:defRPr/>
+            </a:pPr>
+            <a:r>
+              <a:rPr lang="en-US" smtClean="0"/>
+              <a:t>Chapter 5 System modeling</a:t>
+            </a:r>
+            <a:endParaRPr lang="en-US"/>
+          </a:p>
+        </p:txBody>
+      </p:sp>
+      <p:sp>
+        <p:nvSpPr>
+          <p:cNvPr id="4" name="Slide Number Placeholder 3"/>
+          <p:cNvSpPr>
+            <a:spLocks noGrp="1"/>
+          </p:cNvSpPr>
+          <p:nvPr>
+            <p:ph type="sldNum" sz="quarter" idx="12"/>
+          </p:nvPr>
+        </p:nvSpPr>
+        <p:spPr/>
+        <p:txBody>
+          <a:bodyPr/>
+          <a:lstStyle/>
+          <a:p>
+            <a:pPr>
+              <a:defRPr/>
+            </a:pPr>
+            <a:fld id="{DEC9DA09-039A-A841-BA90-58CFCFBF8E01}" type="slidenum">
+              <a:rPr lang="en-US" smtClean="0"/>
+              <a:pPr>
+                <a:defRPr/>
+              </a:pPr>
+              <a:t>15</a:t>
+            </a:fld>
+            <a:endParaRPr lang="en-US"/>
+          </a:p>
+        </p:txBody>
+      </p:sp>
+    </p:spTree>
+  </p:cSld>
+  <p:clrMapOvr>
+    <a:masterClrMapping/>
+  </p:clrMapOvr>
+  <p:timing>
+    <p:tnLst>
+      <p:par>
+        <p:cTn id="1" dur="indefinite" restart="never" nodeType="tmRoot"/>
+      </p:par>
+    </p:tnLst>
+  </p:timing>
+</p:sld>
+</file>
+
 <file path=ppt/slides/slide16.xml><?xml version="1.0" encoding="utf-8"?>
 <p:sld xmlns:a="http://schemas.openxmlformats.org/drawingml/2006/main" xmlns:r="http://schemas.openxmlformats.org/officeDocument/2006/relationships" xmlns:p="http://schemas.openxmlformats.org/presentationml/2006/main">
   <p:cSld>
@@ -8296,7 +8325,7 @@
           <a:p>
             <a:r>
               <a:rPr lang="en-US" dirty="0" smtClean="0"/>
-              <a:t>Structural models</a:t>
+              <a:t>Class diagrams</a:t>
             </a:r>
             <a:endParaRPr lang="en-US" dirty="0"/>
           </a:p>
@@ -8315,25 +8344,35 @@
         <p:spPr/>
         <p:txBody>
           <a:bodyPr>
-            <a:normAutofit fontScale="85000" lnSpcReduction="20000"/>
+            <a:normAutofit fontScale="70000" lnSpcReduction="20000"/>
           </a:bodyPr>
           <a:lstStyle/>
           <a:p>
             <a:r>
               <a:rPr lang="en-US" dirty="0" smtClean="0"/>
-              <a:t>Structural models of software display the organization of a system in terms of the components that make up that system and their relationships. </a:t>
+              <a:t>Class diagrams are used when developing an object-oriented system model to show the classes in a system and the associations between these classes. </a:t>
             </a:r>
           </a:p>
           <a:p>
             <a:r>
               <a:rPr lang="en-US" dirty="0" smtClean="0"/>
-              <a:t>Structural models may be static models, which show the structure of the system design, or dynamic models, which show the organization of the system when it is executing. </a:t>
+              <a:t>An object class can be thought of as a general definition of one kind of system object. </a:t>
             </a:r>
           </a:p>
           <a:p>
             <a:r>
               <a:rPr lang="en-US" dirty="0" smtClean="0"/>
-              <a:t>You create structural models of a system when you are discussing and designing the system architecture. </a:t>
+              <a:t>An association is a link between classes that indicates that there is some relationship between these classes.</a:t>
+            </a:r>
+            <a:r>
+              <a:rPr lang="en-GB" dirty="0" smtClean="0"/>
+              <a:t> </a:t>
+            </a:r>
+          </a:p>
+          <a:p>
+            <a:r>
+              <a:rPr lang="en-US" dirty="0" smtClean="0"/>
+              <a:t>When you are developing models during the early stages of the software engineering process, objects represent something in the real world, such as a patient, a prescription, doctor, etc. </a:t>
             </a:r>
             <a:endParaRPr lang="en-US" dirty="0"/>
           </a:p>
@@ -8428,7 +8467,7 @@
       </p:grpSpPr>
       <p:sp>
         <p:nvSpPr>
-          <p:cNvPr id="2" name="Title 1"/>
+          <p:cNvPr id="21506" name="Title 1"/>
           <p:cNvSpPr>
             <a:spLocks noGrp="1"/>
           </p:cNvSpPr>
@@ -8438,67 +8477,26 @@
         </p:nvSpPr>
         <p:spPr/>
         <p:txBody>
-          <a:bodyPr/>
+          <a:bodyPr>
+            <a:normAutofit fontScale="90000"/>
+          </a:bodyPr>
           <a:lstStyle/>
           <a:p>
             <a:r>
               <a:rPr lang="en-US" dirty="0" smtClean="0"/>
-              <a:t>Class diagrams</a:t>
-            </a:r>
-            <a:endParaRPr lang="en-US" dirty="0"/>
-          </a:p>
-        </p:txBody>
-      </p:sp>
-      <p:sp>
-        <p:nvSpPr>
-          <p:cNvPr id="3" name="Content Placeholder 2"/>
-          <p:cNvSpPr>
-            <a:spLocks noGrp="1"/>
-          </p:cNvSpPr>
-          <p:nvPr>
-            <p:ph idx="1"/>
-          </p:nvPr>
-        </p:nvSpPr>
-        <p:spPr/>
-        <p:txBody>
-          <a:bodyPr>
-            <a:normAutofit fontScale="70000" lnSpcReduction="20000"/>
-          </a:bodyPr>
-          <a:lstStyle/>
-          <a:p>
-            <a:r>
-              <a:rPr lang="en-US" dirty="0" smtClean="0"/>
-              <a:t>Class diagrams are used when developing an object-oriented system model to show the classes in a system and the associations between these classes. </a:t>
-            </a:r>
-          </a:p>
-          <a:p>
-            <a:r>
-              <a:rPr lang="en-US" dirty="0" smtClean="0"/>
-              <a:t>An object class can be thought of as a general definition of one kind of system object. </a:t>
-            </a:r>
-          </a:p>
-          <a:p>
-            <a:r>
-              <a:rPr lang="en-US" dirty="0" smtClean="0"/>
-              <a:t>An association is a link between classes that indicates that there is some relationship between these classes.</a:t>
+              <a:t>UML classes and association</a:t>
             </a:r>
             <a:r>
               <a:rPr lang="en-GB" dirty="0" smtClean="0"/>
               <a:t> </a:t>
             </a:r>
-          </a:p>
-          <a:p>
-            <a:r>
-              <a:rPr lang="en-US" dirty="0" smtClean="0"/>
-              <a:t>When you are developing models during the early stages of the software engineering process, objects represent something in the real world, such as a patient, a prescription, doctor, etc. </a:t>
-            </a:r>
-            <a:endParaRPr lang="en-US" dirty="0"/>
-          </a:p>
-        </p:txBody>
-      </p:sp>
-      <p:sp>
-        <p:nvSpPr>
-          <p:cNvPr id="5" name="Footer Placeholder 4"/>
+            <a:endParaRPr lang="en-US" dirty="0" smtClean="0"/>
+          </a:p>
+        </p:txBody>
+      </p:sp>
+      <p:sp>
+        <p:nvSpPr>
+          <p:cNvPr id="6" name="Footer Placeholder 5"/>
           <p:cNvSpPr>
             <a:spLocks noGrp="1"/>
           </p:cNvSpPr>
@@ -8524,7 +8522,7 @@
       </p:sp>
       <p:sp>
         <p:nvSpPr>
-          <p:cNvPr id="4" name="Slide Number Placeholder 3"/>
+          <p:cNvPr id="5" name="Slide Number Placeholder 4"/>
           <p:cNvSpPr>
             <a:spLocks noGrp="1"/>
           </p:cNvSpPr>
@@ -8540,128 +8538,12 @@
             <a:pPr>
               <a:defRPr/>
             </a:pPr>
-            <a:fld id="{DEC9DA09-039A-A841-BA90-58CFCFBF8E01}" type="slidenum">
+            <a:fld id="{964AD586-7C25-0244-A129-E014CC0A164A}" type="slidenum">
               <a:rPr lang="en-US" smtClean="0"/>
               <a:pPr>
                 <a:defRPr/>
               </a:pPr>
               <a:t>17</a:t>
-            </a:fld>
-            <a:endParaRPr lang="en-US"/>
-          </a:p>
-        </p:txBody>
-      </p:sp>
-    </p:spTree>
-  </p:cSld>
-  <p:clrMapOvr>
-    <a:masterClrMapping/>
-  </p:clrMapOvr>
-  <p:timing>
-    <p:tnLst>
-      <p:par>
-        <p:cTn id="1" dur="indefinite" restart="never" nodeType="tmRoot"/>
-      </p:par>
-    </p:tnLst>
-  </p:timing>
-</p:sld>
-</file>
-
-<file path=ppt/slides/slide18.xml><?xml version="1.0" encoding="utf-8"?>
-<p:sld xmlns:a="http://schemas.openxmlformats.org/drawingml/2006/main" xmlns:r="http://schemas.openxmlformats.org/officeDocument/2006/relationships" xmlns:p="http://schemas.openxmlformats.org/presentationml/2006/main">
-  <p:cSld>
-    <p:spTree>
-      <p:nvGrpSpPr>
-        <p:cNvPr id="1" name=""/>
-        <p:cNvGrpSpPr/>
-        <p:nvPr/>
-      </p:nvGrpSpPr>
-      <p:grpSpPr>
-        <a:xfrm>
-          <a:off x="0" y="0"/>
-          <a:ext cx="0" cy="0"/>
-          <a:chOff x="0" y="0"/>
-          <a:chExt cx="0" cy="0"/>
-        </a:xfrm>
-      </p:grpSpPr>
-      <p:sp>
-        <p:nvSpPr>
-          <p:cNvPr id="21506" name="Title 1"/>
-          <p:cNvSpPr>
-            <a:spLocks noGrp="1"/>
-          </p:cNvSpPr>
-          <p:nvPr>
-            <p:ph type="title"/>
-          </p:nvPr>
-        </p:nvSpPr>
-        <p:spPr/>
-        <p:txBody>
-          <a:bodyPr>
-            <a:normAutofit fontScale="90000"/>
-          </a:bodyPr>
-          <a:lstStyle/>
-          <a:p>
-            <a:r>
-              <a:rPr lang="en-US" dirty="0" smtClean="0"/>
-              <a:t>UML classes and association</a:t>
-            </a:r>
-            <a:r>
-              <a:rPr lang="en-GB" dirty="0" smtClean="0"/>
-              <a:t> </a:t>
-            </a:r>
-            <a:endParaRPr lang="en-US" dirty="0" smtClean="0"/>
-          </a:p>
-        </p:txBody>
-      </p:sp>
-      <p:sp>
-        <p:nvSpPr>
-          <p:cNvPr id="6" name="Footer Placeholder 5"/>
-          <p:cNvSpPr>
-            <a:spLocks noGrp="1"/>
-          </p:cNvSpPr>
-          <p:nvPr>
-            <p:ph type="ftr" sz="quarter" idx="11"/>
-          </p:nvPr>
-        </p:nvSpPr>
-        <p:spPr/>
-        <p:txBody>
-          <a:bodyPr/>
-          <a:lstStyle/>
-          <a:p>
-            <a:pPr>
-              <a:defRPr/>
-            </a:pPr>
-            <a:r>
-              <a:rPr lang="en-US" smtClean="0"/>
-              <a:t>Chapter 5 System modeling</a:t>
-            </a:r>
-            <a:endParaRPr lang="en-US"/>
-          </a:p>
-        </p:txBody>
-      </p:sp>
-      <p:sp>
-        <p:nvSpPr>
-          <p:cNvPr id="5" name="Slide Number Placeholder 4"/>
-          <p:cNvSpPr>
-            <a:spLocks noGrp="1"/>
-          </p:cNvSpPr>
-          <p:nvPr>
-            <p:ph type="sldNum" sz="quarter" idx="12"/>
-          </p:nvPr>
-        </p:nvSpPr>
-        <p:spPr/>
-        <p:txBody>
-          <a:bodyPr/>
-          <a:lstStyle/>
-          <a:p>
-            <a:pPr>
-              <a:defRPr/>
-            </a:pPr>
-            <a:fld id="{964AD586-7C25-0244-A129-E014CC0A164A}" type="slidenum">
-              <a:rPr lang="en-US" smtClean="0"/>
-              <a:pPr>
-                <a:defRPr/>
-              </a:pPr>
-              <a:t>18</a:t>
             </a:fld>
             <a:endParaRPr lang="en-US"/>
           </a:p>
@@ -8706,7 +8588,7 @@
 </p:sld>
 </file>
 
-<file path=ppt/slides/slide19.xml><?xml version="1.0" encoding="utf-8"?>
+<file path=ppt/slides/slide18.xml><?xml version="1.0" encoding="utf-8"?>
 <p:sld xmlns:a="http://schemas.openxmlformats.org/drawingml/2006/main" xmlns:r="http://schemas.openxmlformats.org/officeDocument/2006/relationships" xmlns:p="http://schemas.openxmlformats.org/presentationml/2006/main">
   <p:cSld>
     <p:spTree>
@@ -8801,7 +8683,7 @@
               <a:pPr>
                 <a:defRPr/>
               </a:pPr>
-              <a:t>19</a:t>
+              <a:t>18</a:t>
             </a:fld>
             <a:endParaRPr lang="en-US"/>
           </a:p>
@@ -8846,7 +8728,7 @@
 </p:sld>
 </file>
 
-<file path=ppt/slides/slide2.xml><?xml version="1.0" encoding="utf-8"?>
+<file path=ppt/slides/slide19.xml><?xml version="1.0" encoding="utf-8"?>
 <p:sld xmlns:a="http://schemas.openxmlformats.org/drawingml/2006/main" xmlns:r="http://schemas.openxmlformats.org/officeDocument/2006/relationships" xmlns:p="http://schemas.openxmlformats.org/presentationml/2006/main">
   <p:cSld>
     <p:spTree>
@@ -8865,7 +8747,7 @@
       </p:grpSpPr>
       <p:sp>
         <p:nvSpPr>
-          <p:cNvPr id="2" name="Title 1"/>
+          <p:cNvPr id="23554" name="Title 1"/>
           <p:cNvSpPr>
             <a:spLocks noGrp="1"/>
           </p:cNvSpPr>
@@ -8878,72 +8760,22 @@
           <a:bodyPr/>
           <a:lstStyle/>
           <a:p>
+            <a:pPr algn="ctr"/>
             <a:r>
               <a:rPr lang="en-US" dirty="0" smtClean="0"/>
-              <a:t>Topics covered</a:t>
-            </a:r>
-            <a:endParaRPr lang="en-US" dirty="0"/>
-          </a:p>
-        </p:txBody>
-      </p:sp>
-      <p:sp>
-        <p:nvSpPr>
-          <p:cNvPr id="3" name="Content Placeholder 2"/>
-          <p:cNvSpPr>
-            <a:spLocks noGrp="1"/>
-          </p:cNvSpPr>
-          <p:nvPr>
-            <p:ph idx="1"/>
-          </p:nvPr>
-        </p:nvSpPr>
-        <p:spPr/>
-        <p:txBody>
-          <a:bodyPr/>
-          <a:lstStyle/>
-          <a:p>
-            <a:r>
-              <a:rPr lang="en-US" dirty="0" smtClean="0"/>
-              <a:t>Context models</a:t>
-            </a:r>
-            <a:endParaRPr lang="en-GB" dirty="0" smtClean="0"/>
-          </a:p>
-          <a:p>
-            <a:r>
-              <a:rPr lang="en-US" dirty="0" smtClean="0"/>
-              <a:t>Interaction models</a:t>
-            </a:r>
-            <a:endParaRPr lang="en-GB" dirty="0" smtClean="0"/>
-          </a:p>
-          <a:p>
-            <a:r>
-              <a:rPr lang="en-US" dirty="0" smtClean="0"/>
-              <a:t>Structural models</a:t>
-            </a:r>
-            <a:endParaRPr lang="en-GB" dirty="0" smtClean="0"/>
-          </a:p>
-          <a:p>
-            <a:r>
-              <a:rPr lang="en-US" dirty="0" smtClean="0"/>
-              <a:t>Behavioral models</a:t>
-            </a:r>
-            <a:endParaRPr lang="en-GB" dirty="0" smtClean="0"/>
-          </a:p>
-          <a:p>
-            <a:r>
-              <a:rPr lang="en-US" dirty="0" smtClean="0"/>
-              <a:t>Model-driven engineering</a:t>
+              <a:t>The Consultation class</a:t>
             </a:r>
             <a:r>
               <a:rPr lang="en-GB" dirty="0" smtClean="0"/>
               <a:t> </a:t>
             </a:r>
-            <a:endParaRPr lang="en-US" dirty="0"/>
-          </a:p>
-        </p:txBody>
-      </p:sp>
-      <p:sp>
-        <p:nvSpPr>
-          <p:cNvPr id="5" name="Footer Placeholder 4"/>
+            <a:endParaRPr lang="en-US" dirty="0" smtClean="0"/>
+          </a:p>
+        </p:txBody>
+      </p:sp>
+      <p:sp>
+        <p:nvSpPr>
+          <p:cNvPr id="6" name="Footer Placeholder 5"/>
           <p:cNvSpPr>
             <a:spLocks noGrp="1"/>
           </p:cNvSpPr>
@@ -8969,7 +8801,7 @@
       </p:sp>
       <p:sp>
         <p:nvSpPr>
-          <p:cNvPr id="4" name="Slide Number Placeholder 3"/>
+          <p:cNvPr id="5" name="Slide Number Placeholder 4"/>
           <p:cNvSpPr>
             <a:spLocks noGrp="1"/>
           </p:cNvSpPr>
@@ -8985,127 +8817,12 @@
             <a:pPr>
               <a:defRPr/>
             </a:pPr>
-            <a:fld id="{DEC9DA09-039A-A841-BA90-58CFCFBF8E01}" type="slidenum">
+            <a:fld id="{964AD586-7C25-0244-A129-E014CC0A164A}" type="slidenum">
               <a:rPr lang="en-US" smtClean="0"/>
               <a:pPr>
                 <a:defRPr/>
               </a:pPr>
-              <a:t>2</a:t>
-            </a:fld>
-            <a:endParaRPr lang="en-US"/>
-          </a:p>
-        </p:txBody>
-      </p:sp>
-    </p:spTree>
-  </p:cSld>
-  <p:clrMapOvr>
-    <a:masterClrMapping/>
-  </p:clrMapOvr>
-  <p:timing>
-    <p:tnLst>
-      <p:par>
-        <p:cTn id="1" dur="indefinite" restart="never" nodeType="tmRoot"/>
-      </p:par>
-    </p:tnLst>
-  </p:timing>
-</p:sld>
-</file>
-
-<file path=ppt/slides/slide20.xml><?xml version="1.0" encoding="utf-8"?>
-<p:sld xmlns:a="http://schemas.openxmlformats.org/drawingml/2006/main" xmlns:r="http://schemas.openxmlformats.org/officeDocument/2006/relationships" xmlns:p="http://schemas.openxmlformats.org/presentationml/2006/main">
-  <p:cSld>
-    <p:spTree>
-      <p:nvGrpSpPr>
-        <p:cNvPr id="1" name=""/>
-        <p:cNvGrpSpPr/>
-        <p:nvPr/>
-      </p:nvGrpSpPr>
-      <p:grpSpPr>
-        <a:xfrm>
-          <a:off x="0" y="0"/>
-          <a:ext cx="0" cy="0"/>
-          <a:chOff x="0" y="0"/>
-          <a:chExt cx="0" cy="0"/>
-        </a:xfrm>
-      </p:grpSpPr>
-      <p:sp>
-        <p:nvSpPr>
-          <p:cNvPr id="23554" name="Title 1"/>
-          <p:cNvSpPr>
-            <a:spLocks noGrp="1"/>
-          </p:cNvSpPr>
-          <p:nvPr>
-            <p:ph type="title"/>
-          </p:nvPr>
-        </p:nvSpPr>
-        <p:spPr/>
-        <p:txBody>
-          <a:bodyPr/>
-          <a:lstStyle/>
-          <a:p>
-            <a:pPr algn="ctr"/>
-            <a:r>
-              <a:rPr lang="en-US" dirty="0" smtClean="0"/>
-              <a:t>The Consultation class</a:t>
-            </a:r>
-            <a:r>
-              <a:rPr lang="en-GB" dirty="0" smtClean="0"/>
-              <a:t> </a:t>
-            </a:r>
-            <a:endParaRPr lang="en-US" dirty="0" smtClean="0"/>
-          </a:p>
-        </p:txBody>
-      </p:sp>
-      <p:sp>
-        <p:nvSpPr>
-          <p:cNvPr id="6" name="Footer Placeholder 5"/>
-          <p:cNvSpPr>
-            <a:spLocks noGrp="1"/>
-          </p:cNvSpPr>
-          <p:nvPr>
-            <p:ph type="ftr" sz="quarter" idx="11"/>
-          </p:nvPr>
-        </p:nvSpPr>
-        <p:spPr/>
-        <p:txBody>
-          <a:bodyPr/>
-          <a:lstStyle/>
-          <a:p>
-            <a:pPr>
-              <a:defRPr/>
-            </a:pPr>
-            <a:r>
-              <a:rPr lang="en-US" smtClean="0"/>
-              <a:t>Chapter 5 System modeling</a:t>
-            </a:r>
-            <a:endParaRPr lang="en-US"/>
-          </a:p>
-        </p:txBody>
-      </p:sp>
-      <p:sp>
-        <p:nvSpPr>
-          <p:cNvPr id="5" name="Slide Number Placeholder 4"/>
-          <p:cNvSpPr>
-            <a:spLocks noGrp="1"/>
-          </p:cNvSpPr>
-          <p:nvPr>
-            <p:ph type="sldNum" sz="quarter" idx="12"/>
-          </p:nvPr>
-        </p:nvSpPr>
-        <p:spPr/>
-        <p:txBody>
-          <a:bodyPr/>
-          <a:lstStyle/>
-          <a:p>
-            <a:pPr>
-              <a:defRPr/>
-            </a:pPr>
-            <a:fld id="{964AD586-7C25-0244-A129-E014CC0A164A}" type="slidenum">
-              <a:rPr lang="en-US" smtClean="0"/>
-              <a:pPr>
-                <a:defRPr/>
-              </a:pPr>
-              <a:t>20</a:t>
+              <a:t>19</a:t>
             </a:fld>
             <a:endParaRPr lang="en-US"/>
           </a:p>
@@ -9150,6 +8867,339 @@
 </p:sld>
 </file>
 
+<file path=ppt/slides/slide2.xml><?xml version="1.0" encoding="utf-8"?>
+<p:sld xmlns:a="http://schemas.openxmlformats.org/drawingml/2006/main" xmlns:r="http://schemas.openxmlformats.org/officeDocument/2006/relationships" xmlns:p="http://schemas.openxmlformats.org/presentationml/2006/main">
+  <p:cSld>
+    <p:spTree>
+      <p:nvGrpSpPr>
+        <p:cNvPr id="1" name=""/>
+        <p:cNvGrpSpPr/>
+        <p:nvPr/>
+      </p:nvGrpSpPr>
+      <p:grpSpPr>
+        <a:xfrm>
+          <a:off x="0" y="0"/>
+          <a:ext cx="0" cy="0"/>
+          <a:chOff x="0" y="0"/>
+          <a:chExt cx="0" cy="0"/>
+        </a:xfrm>
+      </p:grpSpPr>
+      <p:sp>
+        <p:nvSpPr>
+          <p:cNvPr id="2" name="Title 1"/>
+          <p:cNvSpPr>
+            <a:spLocks noGrp="1"/>
+          </p:cNvSpPr>
+          <p:nvPr>
+            <p:ph type="title"/>
+          </p:nvPr>
+        </p:nvSpPr>
+        <p:spPr/>
+        <p:txBody>
+          <a:bodyPr/>
+          <a:lstStyle/>
+          <a:p>
+            <a:r>
+              <a:rPr lang="en-US" dirty="0" smtClean="0"/>
+              <a:t>Topics covered</a:t>
+            </a:r>
+            <a:endParaRPr lang="en-US" dirty="0"/>
+          </a:p>
+        </p:txBody>
+      </p:sp>
+      <p:sp>
+        <p:nvSpPr>
+          <p:cNvPr id="3" name="Content Placeholder 2"/>
+          <p:cNvSpPr>
+            <a:spLocks noGrp="1"/>
+          </p:cNvSpPr>
+          <p:nvPr>
+            <p:ph idx="1"/>
+          </p:nvPr>
+        </p:nvSpPr>
+        <p:spPr/>
+        <p:txBody>
+          <a:bodyPr/>
+          <a:lstStyle/>
+          <a:p>
+            <a:r>
+              <a:rPr lang="en-US" dirty="0" smtClean="0"/>
+              <a:t>Context models</a:t>
+            </a:r>
+            <a:endParaRPr lang="en-GB" dirty="0" smtClean="0"/>
+          </a:p>
+          <a:p>
+            <a:r>
+              <a:rPr lang="en-US" dirty="0" smtClean="0"/>
+              <a:t>Interaction models</a:t>
+            </a:r>
+            <a:endParaRPr lang="en-GB" dirty="0" smtClean="0"/>
+          </a:p>
+          <a:p>
+            <a:r>
+              <a:rPr lang="en-US" dirty="0" smtClean="0"/>
+              <a:t>Structural models</a:t>
+            </a:r>
+            <a:endParaRPr lang="en-GB" dirty="0" smtClean="0"/>
+          </a:p>
+          <a:p>
+            <a:r>
+              <a:rPr lang="en-US" dirty="0" smtClean="0"/>
+              <a:t>Behavioral models</a:t>
+            </a:r>
+            <a:endParaRPr lang="en-GB" dirty="0" smtClean="0"/>
+          </a:p>
+          <a:p>
+            <a:r>
+              <a:rPr lang="en-US" dirty="0" smtClean="0"/>
+              <a:t>Model-driven engineering</a:t>
+            </a:r>
+            <a:r>
+              <a:rPr lang="en-GB" dirty="0" smtClean="0"/>
+              <a:t> </a:t>
+            </a:r>
+            <a:endParaRPr lang="en-US" dirty="0"/>
+          </a:p>
+        </p:txBody>
+      </p:sp>
+      <p:sp>
+        <p:nvSpPr>
+          <p:cNvPr id="5" name="Footer Placeholder 4"/>
+          <p:cNvSpPr>
+            <a:spLocks noGrp="1"/>
+          </p:cNvSpPr>
+          <p:nvPr>
+            <p:ph type="ftr" sz="quarter" idx="11"/>
+          </p:nvPr>
+        </p:nvSpPr>
+        <p:spPr/>
+        <p:txBody>
+          <a:bodyPr/>
+          <a:lstStyle/>
+          <a:p>
+            <a:pPr>
+              <a:defRPr/>
+            </a:pPr>
+            <a:r>
+              <a:rPr lang="en-US" smtClean="0"/>
+              <a:t>Chapter 5 System modeling</a:t>
+            </a:r>
+            <a:endParaRPr lang="en-US"/>
+          </a:p>
+        </p:txBody>
+      </p:sp>
+      <p:sp>
+        <p:nvSpPr>
+          <p:cNvPr id="4" name="Slide Number Placeholder 3"/>
+          <p:cNvSpPr>
+            <a:spLocks noGrp="1"/>
+          </p:cNvSpPr>
+          <p:nvPr>
+            <p:ph type="sldNum" sz="quarter" idx="12"/>
+          </p:nvPr>
+        </p:nvSpPr>
+        <p:spPr/>
+        <p:txBody>
+          <a:bodyPr/>
+          <a:lstStyle/>
+          <a:p>
+            <a:pPr>
+              <a:defRPr/>
+            </a:pPr>
+            <a:fld id="{DEC9DA09-039A-A841-BA90-58CFCFBF8E01}" type="slidenum">
+              <a:rPr lang="en-US" smtClean="0"/>
+              <a:pPr>
+                <a:defRPr/>
+              </a:pPr>
+              <a:t>2</a:t>
+            </a:fld>
+            <a:endParaRPr lang="en-US"/>
+          </a:p>
+        </p:txBody>
+      </p:sp>
+    </p:spTree>
+  </p:cSld>
+  <p:clrMapOvr>
+    <a:masterClrMapping/>
+  </p:clrMapOvr>
+  <p:timing>
+    <p:tnLst>
+      <p:par>
+        <p:cTn id="1" dur="indefinite" restart="never" nodeType="tmRoot"/>
+      </p:par>
+    </p:tnLst>
+  </p:timing>
+</p:sld>
+</file>
+
+<file path=ppt/slides/slide20.xml><?xml version="1.0" encoding="utf-8"?>
+<p:sld xmlns:a="http://schemas.openxmlformats.org/drawingml/2006/main" xmlns:r="http://schemas.openxmlformats.org/officeDocument/2006/relationships" xmlns:p="http://schemas.openxmlformats.org/presentationml/2006/main">
+  <p:cSld>
+    <p:spTree>
+      <p:nvGrpSpPr>
+        <p:cNvPr id="1" name=""/>
+        <p:cNvGrpSpPr/>
+        <p:nvPr/>
+      </p:nvGrpSpPr>
+      <p:grpSpPr>
+        <a:xfrm>
+          <a:off x="0" y="0"/>
+          <a:ext cx="0" cy="0"/>
+          <a:chOff x="0" y="0"/>
+          <a:chExt cx="0" cy="0"/>
+        </a:xfrm>
+      </p:grpSpPr>
+      <p:sp>
+        <p:nvSpPr>
+          <p:cNvPr id="2" name="Title 1"/>
+          <p:cNvSpPr>
+            <a:spLocks noGrp="1"/>
+          </p:cNvSpPr>
+          <p:nvPr>
+            <p:ph type="title"/>
+          </p:nvPr>
+        </p:nvSpPr>
+        <p:spPr/>
+        <p:txBody>
+          <a:bodyPr/>
+          <a:lstStyle/>
+          <a:p>
+            <a:r>
+              <a:rPr lang="en-US" dirty="0" smtClean="0"/>
+              <a:t>Key points</a:t>
+            </a:r>
+            <a:endParaRPr lang="en-US" dirty="0"/>
+          </a:p>
+        </p:txBody>
+      </p:sp>
+      <p:sp>
+        <p:nvSpPr>
+          <p:cNvPr id="5" name="Content Placeholder 4"/>
+          <p:cNvSpPr>
+            <a:spLocks noGrp="1"/>
+          </p:cNvSpPr>
+          <p:nvPr>
+            <p:ph idx="1"/>
+          </p:nvPr>
+        </p:nvSpPr>
+        <p:spPr/>
+        <p:txBody>
+          <a:bodyPr/>
+          <a:lstStyle/>
+          <a:p>
+            <a:r>
+              <a:rPr lang="en-GB" sz="2000" dirty="0" smtClean="0"/>
+              <a:t>A model is an abstract view of a system that ignores system details. Complementary system models can be developed to show the system’s context, interactions, structure and </a:t>
+            </a:r>
+            <a:r>
+              <a:rPr lang="en-GB" sz="2000" dirty="0" err="1" smtClean="0"/>
+              <a:t>behavior</a:t>
+            </a:r>
+            <a:r>
+              <a:rPr lang="en-GB" sz="2000" dirty="0" smtClean="0"/>
+              <a:t>.</a:t>
+            </a:r>
+          </a:p>
+          <a:p>
+            <a:r>
+              <a:rPr lang="en-GB" sz="2000" dirty="0" smtClean="0"/>
+              <a:t>Context models show how a system that is being </a:t>
+            </a:r>
+            <a:r>
+              <a:rPr lang="en-US" sz="2000" dirty="0" smtClean="0"/>
+              <a:t>modeled is positioned in an environment with other systems and processes. </a:t>
+            </a:r>
+            <a:endParaRPr lang="en-GB" sz="2000" dirty="0" smtClean="0"/>
+          </a:p>
+          <a:p>
+            <a:r>
+              <a:rPr lang="en-US" sz="2000" dirty="0" smtClean="0"/>
+              <a:t>Use case diagrams and sequence diagrams are used to describe the interactions between users and systems in the system being designed. Use cases describe interactions between a system and external actors; sequence diagrams add more information to these by showing interactions between system objects.</a:t>
+            </a:r>
+            <a:endParaRPr lang="en-GB" sz="2000" dirty="0" smtClean="0"/>
+          </a:p>
+          <a:p>
+            <a:r>
+              <a:rPr lang="en-US" sz="2000" dirty="0" smtClean="0"/>
+              <a:t>Structural models show the organization and architecture of a system. Class diagrams are used to define the static structure of classes in a system and their associations.</a:t>
+            </a:r>
+            <a:endParaRPr lang="en-GB" sz="2000" dirty="0" smtClean="0"/>
+          </a:p>
+          <a:p>
+            <a:endParaRPr lang="en-US" dirty="0"/>
+          </a:p>
+        </p:txBody>
+      </p:sp>
+      <p:sp>
+        <p:nvSpPr>
+          <p:cNvPr id="3" name="Footer Placeholder 2"/>
+          <p:cNvSpPr>
+            <a:spLocks noGrp="1"/>
+          </p:cNvSpPr>
+          <p:nvPr>
+            <p:ph type="ftr" sz="quarter" idx="11"/>
+          </p:nvPr>
+        </p:nvSpPr>
+        <p:spPr/>
+        <p:txBody>
+          <a:bodyPr/>
+          <a:lstStyle/>
+          <a:p>
+            <a:pPr>
+              <a:defRPr/>
+            </a:pPr>
+            <a:r>
+              <a:rPr lang="en-US" smtClean="0"/>
+              <a:t>Chapter 5 System modeling</a:t>
+            </a:r>
+            <a:endParaRPr lang="en-US"/>
+          </a:p>
+        </p:txBody>
+      </p:sp>
+      <p:sp>
+        <p:nvSpPr>
+          <p:cNvPr id="4" name="Slide Number Placeholder 3"/>
+          <p:cNvSpPr>
+            <a:spLocks noGrp="1"/>
+          </p:cNvSpPr>
+          <p:nvPr>
+            <p:ph type="sldNum" sz="quarter" idx="12"/>
+          </p:nvPr>
+        </p:nvSpPr>
+        <p:spPr/>
+        <p:txBody>
+          <a:bodyPr/>
+          <a:lstStyle/>
+          <a:p>
+            <a:pPr>
+              <a:defRPr/>
+            </a:pPr>
+            <a:fld id="{964AD586-7C25-0244-A129-E014CC0A164A}" type="slidenum">
+              <a:rPr lang="en-US" smtClean="0"/>
+              <a:pPr>
+                <a:defRPr/>
+              </a:pPr>
+              <a:t>20</a:t>
+            </a:fld>
+            <a:endParaRPr lang="en-US"/>
+          </a:p>
+        </p:txBody>
+      </p:sp>
+    </p:spTree>
+  </p:cSld>
+  <p:clrMapOvr>
+    <a:masterClrMapping/>
+  </p:clrMapOvr>
+  <p:timing>
+    <p:tnLst>
+      <p:par>
+        <p:cTn id="1" dur="indefinite" restart="never" nodeType="tmRoot"/>
+      </p:par>
+    </p:tnLst>
+  </p:timing>
+</p:sld>
+</file>
+
 <file path=ppt/slides/slide21.xml><?xml version="1.0" encoding="utf-8"?>
 <p:sld xmlns:a="http://schemas.openxmlformats.org/drawingml/2006/main" xmlns:r="http://schemas.openxmlformats.org/officeDocument/2006/relationships" xmlns:p="http://schemas.openxmlformats.org/presentationml/2006/main">
   <p:cSld>
@@ -9169,7 +9219,7 @@
       </p:grpSpPr>
       <p:sp>
         <p:nvSpPr>
-          <p:cNvPr id="2" name="Title 1"/>
+          <p:cNvPr id="13314" name="Title 3"/>
           <p:cNvSpPr>
             <a:spLocks noGrp="1"/>
           </p:cNvSpPr>
@@ -9177,14 +9227,51 @@
             <p:ph type="title"/>
           </p:nvPr>
         </p:nvSpPr>
-        <p:spPr/>
-        <p:txBody>
-          <a:bodyPr/>
+        <p:spPr>
+          <a:xfrm>
+            <a:off x="457200" y="1993900"/>
+            <a:ext cx="7293232" cy="1143000"/>
+          </a:xfrm>
+        </p:spPr>
+        <p:txBody>
+          <a:bodyPr>
+            <a:normAutofit fontScale="90000"/>
+          </a:bodyPr>
           <a:lstStyle/>
           <a:p>
             <a:r>
               <a:rPr lang="en-US" dirty="0" smtClean="0"/>
-              <a:t>Key points</a:t>
+              <a:t>Chapter 5 – System Modeling</a:t>
+            </a:r>
+          </a:p>
+        </p:txBody>
+      </p:sp>
+      <p:sp>
+        <p:nvSpPr>
+          <p:cNvPr id="4" name="Content Placeholder 3"/>
+          <p:cNvSpPr>
+            <a:spLocks noGrp="1"/>
+          </p:cNvSpPr>
+          <p:nvPr>
+            <p:ph idx="1"/>
+          </p:nvPr>
+        </p:nvSpPr>
+        <p:spPr>
+          <a:xfrm>
+            <a:off x="457200" y="3632200"/>
+            <a:ext cx="8229600" cy="2493963"/>
+          </a:xfrm>
+        </p:spPr>
+        <p:txBody>
+          <a:bodyPr/>
+          <a:lstStyle/>
+          <a:p>
+            <a:pPr algn="ctr">
+              <a:buNone/>
+            </a:pPr>
+            <a:r>
+              <a:rPr lang="en-US" dirty="0" smtClean="0"/>
+              <a:t>Lecture 2</a:t>
             </a:r>
             <a:endParaRPr lang="en-US" dirty="0"/>
           </a:p>
@@ -9192,65 +9279,7 @@
       </p:sp>
       <p:sp>
         <p:nvSpPr>
-          <p:cNvPr id="5" name="Content Placeholder 4"/>
-          <p:cNvSpPr>
-            <a:spLocks noGrp="1"/>
-          </p:cNvSpPr>
-          <p:nvPr>
-            <p:ph idx="1"/>
-          </p:nvPr>
-        </p:nvSpPr>
-        <p:spPr/>
-        <p:txBody>
-          <a:bodyPr/>
-          <a:lstStyle/>
-          <a:p>
-            <a:r>
-              <a:rPr lang="en-GB" sz="2000" dirty="0" smtClean="0"/>
-              <a:t>A model is an abstract view of a system that ignores system details. Complementary system models can be developed to show the system’s context, interactions, structure and </a:t>
-            </a:r>
-            <a:r>
-              <a:rPr lang="en-GB" sz="2000" dirty="0" err="1" smtClean="0"/>
-              <a:t>behavior</a:t>
-            </a:r>
-            <a:r>
-              <a:rPr lang="en-GB" sz="2000" dirty="0" smtClean="0"/>
-              <a:t>.</a:t>
-            </a:r>
-          </a:p>
-          <a:p>
-            <a:r>
-              <a:rPr lang="en-GB" sz="2000" dirty="0" smtClean="0"/>
-              <a:t>Context models show how a system that is being </a:t>
-            </a:r>
-            <a:r>
-              <a:rPr lang="en-US" sz="2000" dirty="0" smtClean="0"/>
-              <a:t>modeled is positioned in an environment with other systems and processes. </a:t>
-            </a:r>
-            <a:endParaRPr lang="en-GB" sz="2000" dirty="0" smtClean="0"/>
-          </a:p>
-          <a:p>
-            <a:r>
-              <a:rPr lang="en-US" sz="2000" dirty="0" smtClean="0"/>
-              <a:t>Use case diagrams and sequence diagrams are used to describe the interactions between users and systems in the system being designed. Use cases describe interactions between a system and external actors; sequence diagrams add more information to these by showing interactions between system objects.</a:t>
-            </a:r>
-            <a:endParaRPr lang="en-GB" sz="2000" dirty="0" smtClean="0"/>
-          </a:p>
-          <a:p>
-            <a:r>
-              <a:rPr lang="en-US" sz="2000" dirty="0" smtClean="0"/>
-              <a:t>Structural models show the organization and architecture of a system. Class diagrams are used to define the static structure of classes in a system and their associations.</a:t>
-            </a:r>
-            <a:endParaRPr lang="en-GB" sz="2000" dirty="0" smtClean="0"/>
-          </a:p>
-          <a:p>
-            <a:endParaRPr lang="en-US" dirty="0"/>
-          </a:p>
-        </p:txBody>
-      </p:sp>
-      <p:sp>
-        <p:nvSpPr>
-          <p:cNvPr id="3" name="Footer Placeholder 2"/>
+          <p:cNvPr id="6" name="Footer Placeholder 5"/>
           <p:cNvSpPr>
             <a:spLocks noGrp="1"/>
           </p:cNvSpPr>
@@ -9276,7 +9305,7 @@
       </p:sp>
       <p:sp>
         <p:nvSpPr>
-          <p:cNvPr id="4" name="Slide Number Placeholder 3"/>
+          <p:cNvPr id="5" name="Slide Number Placeholder 4"/>
           <p:cNvSpPr>
             <a:spLocks noGrp="1"/>
           </p:cNvSpPr>
@@ -9292,7 +9321,7 @@
             <a:pPr>
               <a:defRPr/>
             </a:pPr>
-            <a:fld id="{964AD586-7C25-0244-A129-E014CC0A164A}" type="slidenum">
+            <a:fld id="{DEC9DA09-039A-A841-BA90-58CFCFBF8E01}" type="slidenum">
               <a:rPr lang="en-US" smtClean="0"/>
               <a:pPr>
                 <a:defRPr/>
@@ -9337,7 +9366,7 @@
       </p:grpSpPr>
       <p:sp>
         <p:nvSpPr>
-          <p:cNvPr id="13314" name="Title 3"/>
+          <p:cNvPr id="2" name="Title 1"/>
           <p:cNvSpPr>
             <a:spLocks noGrp="1"/>
           </p:cNvSpPr>
@@ -9345,51 +9374,51 @@
             <p:ph type="title"/>
           </p:nvPr>
         </p:nvSpPr>
-        <p:spPr>
-          <a:xfrm>
-            <a:off x="457200" y="1993900"/>
-            <a:ext cx="7293232" cy="1143000"/>
-          </a:xfrm>
-        </p:spPr>
+        <p:spPr/>
+        <p:txBody>
+          <a:bodyPr/>
+          <a:lstStyle/>
+          <a:p>
+            <a:r>
+              <a:rPr lang="en-US" dirty="0" smtClean="0"/>
+              <a:t>Generalization</a:t>
+            </a:r>
+            <a:endParaRPr lang="en-US" dirty="0"/>
+          </a:p>
+        </p:txBody>
+      </p:sp>
+      <p:sp>
+        <p:nvSpPr>
+          <p:cNvPr id="5" name="Content Placeholder 4"/>
+          <p:cNvSpPr>
+            <a:spLocks noGrp="1"/>
+          </p:cNvSpPr>
+          <p:nvPr>
+            <p:ph idx="1"/>
+          </p:nvPr>
+        </p:nvSpPr>
+        <p:spPr/>
         <p:txBody>
           <a:bodyPr>
-            <a:normAutofit fontScale="90000"/>
+            <a:normAutofit fontScale="85000" lnSpcReduction="20000"/>
           </a:bodyPr>
           <a:lstStyle/>
           <a:p>
             <a:r>
               <a:rPr lang="en-US" dirty="0" smtClean="0"/>
-              <a:t>Chapter 5 – System Modeling</a:t>
-            </a:r>
-          </a:p>
-        </p:txBody>
-      </p:sp>
-      <p:sp>
-        <p:nvSpPr>
-          <p:cNvPr id="4" name="Content Placeholder 3"/>
-          <p:cNvSpPr>
-            <a:spLocks noGrp="1"/>
-          </p:cNvSpPr>
-          <p:nvPr>
-            <p:ph idx="1"/>
-          </p:nvPr>
-        </p:nvSpPr>
-        <p:spPr>
-          <a:xfrm>
-            <a:off x="457200" y="3632200"/>
-            <a:ext cx="8229600" cy="2493963"/>
-          </a:xfrm>
-        </p:spPr>
-        <p:txBody>
-          <a:bodyPr/>
-          <a:lstStyle/>
-          <a:p>
-            <a:pPr algn="ctr">
-              <a:buNone/>
-            </a:pPr>
+              <a:t>Generalization is an everyday technique that we use to manage complexity. </a:t>
+            </a:r>
+          </a:p>
+          <a:p>
             <a:r>
               <a:rPr lang="en-US" dirty="0" smtClean="0"/>
-              <a:t>Lecture 2</a:t>
+              <a:t>Rather than learn the detailed characteristics of every entity that we experience, we place these entities in more general classes (animals, cars, houses, etc.) and learn the characteristics of these classes. </a:t>
+            </a:r>
+          </a:p>
+          <a:p>
+            <a:r>
+              <a:rPr lang="en-US" dirty="0" smtClean="0"/>
+              <a:t>This allows us to infer that different members of these classes have some common characteristics e.g. squirrels and rats are rodents. </a:t>
             </a:r>
             <a:endParaRPr lang="en-US" dirty="0"/>
           </a:p>
@@ -9397,7 +9426,7 @@
       </p:sp>
       <p:sp>
         <p:nvSpPr>
-          <p:cNvPr id="6" name="Footer Placeholder 5"/>
+          <p:cNvPr id="3" name="Footer Placeholder 2"/>
           <p:cNvSpPr>
             <a:spLocks noGrp="1"/>
           </p:cNvSpPr>
@@ -9423,7 +9452,7 @@
       </p:sp>
       <p:sp>
         <p:nvSpPr>
-          <p:cNvPr id="5" name="Slide Number Placeholder 4"/>
+          <p:cNvPr id="4" name="Slide Number Placeholder 3"/>
           <p:cNvSpPr>
             <a:spLocks noGrp="1"/>
           </p:cNvSpPr>
@@ -9439,7 +9468,7 @@
             <a:pPr>
               <a:defRPr/>
             </a:pPr>
-            <a:fld id="{DEC9DA09-039A-A841-BA90-58CFCFBF8E01}" type="slidenum">
+            <a:fld id="{964AD586-7C25-0244-A129-E014CC0A164A}" type="slidenum">
               <a:rPr lang="en-US" smtClean="0"/>
               <a:pPr>
                 <a:defRPr/>
@@ -9507,7 +9536,7 @@
       </p:sp>
       <p:sp>
         <p:nvSpPr>
-          <p:cNvPr id="5" name="Content Placeholder 4"/>
+          <p:cNvPr id="3" name="Content Placeholder 2"/>
           <p:cNvSpPr>
             <a:spLocks noGrp="1"/>
           </p:cNvSpPr>
@@ -9517,26 +9546,68 @@
         </p:nvSpPr>
         <p:spPr/>
         <p:txBody>
-          <a:bodyPr>
-            <a:normAutofit fontScale="85000" lnSpcReduction="20000"/>
-          </a:bodyPr>
-          <a:lstStyle/>
-          <a:p>
+          <a:bodyPr/>
+          <a:lstStyle/>
+          <a:p>
+            <a:r>
+              <a:rPr lang="en-US" sz="2100" dirty="0" smtClean="0"/>
+              <a:t>In modeling systems, it is often useful to examine the classes in a system to see if there is scope for generalization. If changes are proposed, then you do not have to look at all classes in the system to see if they are affected by the change. </a:t>
+            </a:r>
+          </a:p>
+          <a:p>
+            <a:r>
+              <a:rPr lang="en-US" sz="2100" dirty="0" smtClean="0"/>
+              <a:t>In object-oriented languages, such as Java, generalization is implemented using the class inheritance mechanisms built into the language.</a:t>
+            </a:r>
+            <a:r>
+              <a:rPr lang="en-GB" sz="2100" dirty="0" smtClean="0"/>
+              <a:t> </a:t>
+            </a:r>
+          </a:p>
+          <a:p>
+            <a:r>
+              <a:rPr lang="en-US" sz="2100" dirty="0" smtClean="0"/>
+              <a:t>In a generalization, the attributes and operations associated with higher-level classes are also associated with the lower-level classes.</a:t>
+            </a:r>
+          </a:p>
+          <a:p>
+            <a:r>
+              <a:rPr lang="en-US" sz="2100" dirty="0" smtClean="0"/>
+              <a:t> The lower-level classes are subclasses inherit the attributes and operations from their </a:t>
+            </a:r>
+            <a:r>
+              <a:rPr lang="en-US" sz="2100" dirty="0" err="1" smtClean="0"/>
+              <a:t>superclasses</a:t>
+            </a:r>
+            <a:r>
+              <a:rPr lang="en-US" sz="2100" dirty="0" smtClean="0"/>
+              <a:t>. These lower-level classes then add more specific attributes and operations. </a:t>
+            </a:r>
+            <a:endParaRPr lang="en-US" sz="2100" dirty="0"/>
+          </a:p>
+        </p:txBody>
+      </p:sp>
+      <p:sp>
+        <p:nvSpPr>
+          <p:cNvPr id="4" name="Footer Placeholder 3"/>
+          <p:cNvSpPr>
+            <a:spLocks noGrp="1"/>
+          </p:cNvSpPr>
+          <p:nvPr>
+            <p:ph type="ftr" sz="quarter" idx="11"/>
+          </p:nvPr>
+        </p:nvSpPr>
+        <p:spPr/>
+        <p:txBody>
+          <a:bodyPr/>
+          <a:lstStyle/>
+          <a:p>
+            <a:pPr>
+              <a:defRPr/>
+            </a:pPr>
             <a:r>
               <a:rPr lang="en-US" dirty="0" smtClean="0"/>
-              <a:t>Generalization is an everyday technique that we use to manage complexity. </a:t>
-            </a:r>
-          </a:p>
-          <a:p>
-            <a:r>
-              <a:rPr lang="en-US" dirty="0" smtClean="0"/>
-              <a:t>Rather than learn the detailed characteristics of every entity that we experience, we place these entities in more general classes (animals, cars, houses, etc.) and learn the characteristics of these classes. </a:t>
-            </a:r>
-          </a:p>
-          <a:p>
-            <a:r>
-              <a:rPr lang="en-US" dirty="0" smtClean="0"/>
-              <a:t>This allows us to infer that different members of these classes have some common characteristics e.g. squirrels and rats are rodents. </a:t>
+              <a:t>Chapter 5 System modeling</a:t>
             </a:r>
             <a:endParaRPr lang="en-US" dirty="0"/>
           </a:p>
@@ -9544,33 +9615,7 @@
       </p:sp>
       <p:sp>
         <p:nvSpPr>
-          <p:cNvPr id="3" name="Footer Placeholder 2"/>
-          <p:cNvSpPr>
-            <a:spLocks noGrp="1"/>
-          </p:cNvSpPr>
-          <p:nvPr>
-            <p:ph type="ftr" sz="quarter" idx="11"/>
-          </p:nvPr>
-        </p:nvSpPr>
-        <p:spPr/>
-        <p:txBody>
-          <a:bodyPr/>
-          <a:lstStyle/>
-          <a:p>
-            <a:pPr>
-              <a:defRPr/>
-            </a:pPr>
-            <a:r>
-              <a:rPr lang="en-US" smtClean="0"/>
-              <a:t>Chapter 5 System modeling</a:t>
-            </a:r>
-            <a:endParaRPr lang="en-US"/>
-          </a:p>
-        </p:txBody>
-      </p:sp>
-      <p:sp>
-        <p:nvSpPr>
-          <p:cNvPr id="4" name="Slide Number Placeholder 3"/>
+          <p:cNvPr id="5" name="Slide Number Placeholder 4"/>
           <p:cNvSpPr>
             <a:spLocks noGrp="1"/>
           </p:cNvSpPr>
@@ -9586,7 +9631,7 @@
             <a:pPr>
               <a:defRPr/>
             </a:pPr>
-            <a:fld id="{964AD586-7C25-0244-A129-E014CC0A164A}" type="slidenum">
+            <a:fld id="{DEC9DA09-039A-A841-BA90-58CFCFBF8E01}" type="slidenum">
               <a:rPr lang="en-US" smtClean="0"/>
               <a:pPr>
                 <a:defRPr/>
@@ -9631,7 +9676,7 @@
       </p:grpSpPr>
       <p:sp>
         <p:nvSpPr>
-          <p:cNvPr id="2" name="Title 1"/>
+          <p:cNvPr id="24578" name="Title 1"/>
           <p:cNvSpPr>
             <a:spLocks noGrp="1"/>
           </p:cNvSpPr>
@@ -9641,73 +9686,27 @@
         </p:nvSpPr>
         <p:spPr/>
         <p:txBody>
-          <a:bodyPr/>
-          <a:lstStyle/>
-          <a:p>
+          <a:bodyPr>
+            <a:normAutofit fontScale="90000"/>
+          </a:bodyPr>
+          <a:lstStyle/>
+          <a:p>
+            <a:pPr algn="ctr"/>
             <a:r>
               <a:rPr lang="en-US" dirty="0" smtClean="0"/>
-              <a:t>Generalization</a:t>
-            </a:r>
-            <a:endParaRPr lang="en-US" dirty="0"/>
-          </a:p>
-        </p:txBody>
-      </p:sp>
-      <p:sp>
-        <p:nvSpPr>
-          <p:cNvPr id="3" name="Content Placeholder 2"/>
-          <p:cNvSpPr>
-            <a:spLocks noGrp="1"/>
-          </p:cNvSpPr>
-          <p:nvPr>
-            <p:ph idx="1"/>
-          </p:nvPr>
-        </p:nvSpPr>
-        <p:spPr/>
-        <p:txBody>
-          <a:bodyPr/>
-          <a:lstStyle/>
-          <a:p>
-            <a:r>
-              <a:rPr lang="en-US" sz="2100" dirty="0" smtClean="0"/>
-              <a:t>In modeling systems, it is often useful to examine the classes in a system to see if there is scope for generalization. If changes are proposed, then you do not have to look at all classes in the system to see if they are affected by the change. </a:t>
-            </a:r>
-          </a:p>
-          <a:p>
-            <a:r>
-              <a:rPr lang="en-US" sz="2100" dirty="0" smtClean="0"/>
-              <a:t>In object-oriented languages, such as Java, generalization is implemented using the class inheritance mechanisms built into the language.</a:t>
-            </a:r>
-            <a:r>
-              <a:rPr lang="en-GB" sz="2100" dirty="0" smtClean="0"/>
+              <a:t>A generalization hierarchy</a:t>
+            </a:r>
+            <a:r>
+              <a:rPr lang="en-GB" dirty="0" smtClean="0"/>
               <a:t> </a:t>
             </a:r>
-          </a:p>
-          <a:p>
-            <a:r>
-              <a:rPr lang="en-US" sz="2100" dirty="0" smtClean="0"/>
-              <a:t>In a generalization, the attributes and operations associated with higher-level classes are also associated with the lower-level classes.</a:t>
-            </a:r>
-          </a:p>
-          <a:p>
-            <a:r>
-              <a:rPr lang="en-US" sz="2100" dirty="0" smtClean="0"/>
-              <a:t> The lower-level classes are subclasses inherit the attributes and operations from their </a:t>
-            </a:r>
-            <a:r>
-              <a:rPr lang="en-US" sz="2100" dirty="0" err="1" smtClean="0"/>
-              <a:t>superclasses</a:t>
-            </a:r>
-            <a:r>
-              <a:rPr lang="en-US" sz="2100" dirty="0" smtClean="0"/>
-              <a:t>. These lower-level classes then add more specific attributes and operations. </a:t>
-            </a:r>
-            <a:endParaRPr lang="en-US" sz="2100" dirty="0"/>
-          </a:p>
-        </p:txBody>
-      </p:sp>
-      <p:sp>
-        <p:nvSpPr>
-          <p:cNvPr id="4" name="Footer Placeholder 3"/>
+            <a:endParaRPr lang="en-US" dirty="0" smtClean="0"/>
+          </a:p>
+        </p:txBody>
+      </p:sp>
+      <p:sp>
+        <p:nvSpPr>
+          <p:cNvPr id="6" name="Footer Placeholder 5"/>
           <p:cNvSpPr>
             <a:spLocks noGrp="1"/>
           </p:cNvSpPr>
@@ -9724,10 +9723,10 @@
               <a:defRPr/>
             </a:pPr>
             <a:r>
-              <a:rPr lang="en-US" dirty="0" smtClean="0"/>
+              <a:rPr lang="en-US" smtClean="0"/>
               <a:t>Chapter 5 System modeling</a:t>
             </a:r>
-            <a:endParaRPr lang="en-US" dirty="0"/>
+            <a:endParaRPr lang="en-US"/>
           </a:p>
         </p:txBody>
       </p:sp>
@@ -9749,129 +9748,12 @@
             <a:pPr>
               <a:defRPr/>
             </a:pPr>
-            <a:fld id="{DEC9DA09-039A-A841-BA90-58CFCFBF8E01}" type="slidenum">
+            <a:fld id="{964AD586-7C25-0244-A129-E014CC0A164A}" type="slidenum">
               <a:rPr lang="en-US" smtClean="0"/>
               <a:pPr>
                 <a:defRPr/>
               </a:pPr>
               <a:t>24</a:t>
-            </a:fld>
-            <a:endParaRPr lang="en-US"/>
-          </a:p>
-        </p:txBody>
-      </p:sp>
-    </p:spTree>
-  </p:cSld>
-  <p:clrMapOvr>
-    <a:masterClrMapping/>
-  </p:clrMapOvr>
-  <p:timing>
-    <p:tnLst>
-      <p:par>
-        <p:cTn id="1" dur="indefinite" restart="never" nodeType="tmRoot"/>
-      </p:par>
-    </p:tnLst>
-  </p:timing>
-</p:sld>
-</file>
-
-<file path=ppt/slides/slide25.xml><?xml version="1.0" encoding="utf-8"?>
-<p:sld xmlns:a="http://schemas.openxmlformats.org/drawingml/2006/main" xmlns:r="http://schemas.openxmlformats.org/officeDocument/2006/relationships" xmlns:p="http://schemas.openxmlformats.org/presentationml/2006/main">
-  <p:cSld>
-    <p:spTree>
-      <p:nvGrpSpPr>
-        <p:cNvPr id="1" name=""/>
-        <p:cNvGrpSpPr/>
-        <p:nvPr/>
-      </p:nvGrpSpPr>
-      <p:grpSpPr>
-        <a:xfrm>
-          <a:off x="0" y="0"/>
-          <a:ext cx="0" cy="0"/>
-          <a:chOff x="0" y="0"/>
-          <a:chExt cx="0" cy="0"/>
-        </a:xfrm>
-      </p:grpSpPr>
-      <p:sp>
-        <p:nvSpPr>
-          <p:cNvPr id="24578" name="Title 1"/>
-          <p:cNvSpPr>
-            <a:spLocks noGrp="1"/>
-          </p:cNvSpPr>
-          <p:nvPr>
-            <p:ph type="title"/>
-          </p:nvPr>
-        </p:nvSpPr>
-        <p:spPr/>
-        <p:txBody>
-          <a:bodyPr>
-            <a:normAutofit fontScale="90000"/>
-          </a:bodyPr>
-          <a:lstStyle/>
-          <a:p>
-            <a:pPr algn="ctr"/>
-            <a:r>
-              <a:rPr lang="en-US" dirty="0" smtClean="0"/>
-              <a:t>A generalization hierarchy</a:t>
-            </a:r>
-            <a:r>
-              <a:rPr lang="en-GB" dirty="0" smtClean="0"/>
-              <a:t> </a:t>
-            </a:r>
-            <a:endParaRPr lang="en-US" dirty="0" smtClean="0"/>
-          </a:p>
-        </p:txBody>
-      </p:sp>
-      <p:sp>
-        <p:nvSpPr>
-          <p:cNvPr id="6" name="Footer Placeholder 5"/>
-          <p:cNvSpPr>
-            <a:spLocks noGrp="1"/>
-          </p:cNvSpPr>
-          <p:nvPr>
-            <p:ph type="ftr" sz="quarter" idx="11"/>
-          </p:nvPr>
-        </p:nvSpPr>
-        <p:spPr/>
-        <p:txBody>
-          <a:bodyPr/>
-          <a:lstStyle/>
-          <a:p>
-            <a:pPr>
-              <a:defRPr/>
-            </a:pPr>
-            <a:r>
-              <a:rPr lang="en-US" smtClean="0"/>
-              <a:t>Chapter 5 System modeling</a:t>
-            </a:r>
-            <a:endParaRPr lang="en-US"/>
-          </a:p>
-        </p:txBody>
-      </p:sp>
-      <p:sp>
-        <p:nvSpPr>
-          <p:cNvPr id="5" name="Slide Number Placeholder 4"/>
-          <p:cNvSpPr>
-            <a:spLocks noGrp="1"/>
-          </p:cNvSpPr>
-          <p:nvPr>
-            <p:ph type="sldNum" sz="quarter" idx="12"/>
-          </p:nvPr>
-        </p:nvSpPr>
-        <p:spPr/>
-        <p:txBody>
-          <a:bodyPr/>
-          <a:lstStyle/>
-          <a:p>
-            <a:pPr>
-              <a:defRPr/>
-            </a:pPr>
-            <a:fld id="{964AD586-7C25-0244-A129-E014CC0A164A}" type="slidenum">
-              <a:rPr lang="en-US" smtClean="0"/>
-              <a:pPr>
-                <a:defRPr/>
-              </a:pPr>
-              <a:t>25</a:t>
             </a:fld>
             <a:endParaRPr lang="en-US"/>
           </a:p>
@@ -9916,7 +9798,7 @@
 </p:sld>
 </file>
 
-<file path=ppt/slides/slide26.xml><?xml version="1.0" encoding="utf-8"?>
+<file path=ppt/slides/slide25.xml><?xml version="1.0" encoding="utf-8"?>
 <p:sld xmlns:a="http://schemas.openxmlformats.org/drawingml/2006/main" xmlns:r="http://schemas.openxmlformats.org/officeDocument/2006/relationships" xmlns:p="http://schemas.openxmlformats.org/presentationml/2006/main">
   <p:cSld>
     <p:spTree>
@@ -10012,7 +9894,7 @@
               <a:pPr>
                 <a:defRPr/>
               </a:pPr>
-              <a:t>26</a:t>
+              <a:t>25</a:t>
             </a:fld>
             <a:endParaRPr lang="en-US"/>
           </a:p>
@@ -10057,6 +9939,162 @@
 </p:sld>
 </file>
 
+<file path=ppt/slides/slide26.xml><?xml version="1.0" encoding="utf-8"?>
+<p:sld xmlns:a="http://schemas.openxmlformats.org/drawingml/2006/main" xmlns:r="http://schemas.openxmlformats.org/officeDocument/2006/relationships" xmlns:p="http://schemas.openxmlformats.org/presentationml/2006/main">
+  <p:cSld>
+    <p:spTree>
+      <p:nvGrpSpPr>
+        <p:cNvPr id="1" name=""/>
+        <p:cNvGrpSpPr/>
+        <p:nvPr/>
+      </p:nvGrpSpPr>
+      <p:grpSpPr>
+        <a:xfrm>
+          <a:off x="0" y="0"/>
+          <a:ext cx="0" cy="0"/>
+          <a:chOff x="0" y="0"/>
+          <a:chExt cx="0" cy="0"/>
+        </a:xfrm>
+      </p:grpSpPr>
+      <p:sp>
+        <p:nvSpPr>
+          <p:cNvPr id="25602" name="Rectangle 2"/>
+          <p:cNvSpPr>
+            <a:spLocks noGrp="1" noChangeArrowheads="1"/>
+          </p:cNvSpPr>
+          <p:nvPr>
+            <p:ph type="title"/>
+          </p:nvPr>
+        </p:nvSpPr>
+        <p:spPr>
+          <a:noFill/>
+          <a:ln/>
+        </p:spPr>
+        <p:txBody>
+          <a:bodyPr lIns="90487" tIns="44450" rIns="90487" bIns="44450">
+            <a:normAutofit fontScale="90000"/>
+          </a:bodyPr>
+          <a:lstStyle/>
+          <a:p>
+            <a:r>
+              <a:rPr lang="en-GB" dirty="0"/>
+              <a:t>Object</a:t>
+            </a:r>
+            <a:r>
+              <a:rPr lang="en-GB" dirty="0" smtClean="0"/>
+              <a:t> class aggregation models</a:t>
+            </a:r>
+            <a:endParaRPr lang="en-GB" dirty="0"/>
+          </a:p>
+        </p:txBody>
+      </p:sp>
+      <p:sp>
+        <p:nvSpPr>
+          <p:cNvPr id="25603" name="Rectangle 3"/>
+          <p:cNvSpPr>
+            <a:spLocks noGrp="1" noChangeArrowheads="1"/>
+          </p:cNvSpPr>
+          <p:nvPr>
+            <p:ph idx="1"/>
+          </p:nvPr>
+        </p:nvSpPr>
+        <p:spPr>
+          <a:noFill/>
+          <a:ln/>
+        </p:spPr>
+        <p:txBody>
+          <a:bodyPr lIns="90487" tIns="44450" rIns="90487" bIns="44450"/>
+          <a:lstStyle/>
+          <a:p>
+            <a:r>
+              <a:rPr lang="en-GB" dirty="0"/>
+              <a:t>An aggregation model shows how classes that are collections are composed of other classes.</a:t>
+            </a:r>
+          </a:p>
+          <a:p>
+            <a:r>
+              <a:rPr lang="en-GB" dirty="0"/>
+              <a:t>Aggregation models are similar to the part-of relationship in semantic data models</a:t>
+            </a:r>
+            <a:r>
+              <a:rPr lang="en-GB" dirty="0" smtClean="0"/>
+              <a:t>. </a:t>
+            </a:r>
+            <a:endParaRPr lang="en-GB" dirty="0"/>
+          </a:p>
+        </p:txBody>
+      </p:sp>
+      <p:sp>
+        <p:nvSpPr>
+          <p:cNvPr id="5" name="Footer Placeholder 4"/>
+          <p:cNvSpPr>
+            <a:spLocks noGrp="1"/>
+          </p:cNvSpPr>
+          <p:nvPr>
+            <p:ph type="ftr" sz="quarter" idx="11"/>
+          </p:nvPr>
+        </p:nvSpPr>
+        <p:spPr/>
+        <p:txBody>
+          <a:bodyPr/>
+          <a:lstStyle/>
+          <a:p>
+            <a:pPr>
+              <a:defRPr/>
+            </a:pPr>
+            <a:r>
+              <a:rPr lang="en-US" smtClean="0"/>
+              <a:t>Chapter 5 System modeling</a:t>
+            </a:r>
+            <a:endParaRPr lang="en-US"/>
+          </a:p>
+        </p:txBody>
+      </p:sp>
+      <p:sp>
+        <p:nvSpPr>
+          <p:cNvPr id="4" name="Slide Number Placeholder 3"/>
+          <p:cNvSpPr>
+            <a:spLocks noGrp="1"/>
+          </p:cNvSpPr>
+          <p:nvPr>
+            <p:ph type="sldNum" sz="quarter" idx="12"/>
+          </p:nvPr>
+        </p:nvSpPr>
+        <p:spPr/>
+        <p:txBody>
+          <a:bodyPr/>
+          <a:lstStyle/>
+          <a:p>
+            <a:pPr>
+              <a:defRPr/>
+            </a:pPr>
+            <a:fld id="{DEC9DA09-039A-A841-BA90-58CFCFBF8E01}" type="slidenum">
+              <a:rPr lang="en-US" smtClean="0"/>
+              <a:pPr>
+                <a:defRPr/>
+              </a:pPr>
+              <a:t>26</a:t>
+            </a:fld>
+            <a:endParaRPr lang="en-US"/>
+          </a:p>
+        </p:txBody>
+      </p:sp>
+    </p:spTree>
+  </p:cSld>
+  <p:clrMapOvr>
+    <a:masterClrMapping/>
+  </p:clrMapOvr>
+  <p:transition/>
+  <p:timing>
+    <p:tnLst>
+      <p:par>
+        <p:cTn id="1" dur="indefinite" restart="never" nodeType="tmRoot"/>
+      </p:par>
+    </p:tnLst>
+  </p:timing>
+</p:sld>
+</file>
+
 <file path=ppt/slides/slide27.xml><?xml version="1.0" encoding="utf-8"?>
 <p:sld xmlns:a="http://schemas.openxmlformats.org/drawingml/2006/main" xmlns:r="http://schemas.openxmlformats.org/officeDocument/2006/relationships" xmlns:p="http://schemas.openxmlformats.org/presentationml/2006/main">
   <p:cSld>
@@ -10076,75 +10114,37 @@
       </p:grpSpPr>
       <p:sp>
         <p:nvSpPr>
-          <p:cNvPr id="25602" name="Rectangle 2"/>
-          <p:cNvSpPr>
-            <a:spLocks noGrp="1" noChangeArrowheads="1"/>
+          <p:cNvPr id="26626" name="Title 1"/>
+          <p:cNvSpPr>
+            <a:spLocks noGrp="1"/>
           </p:cNvSpPr>
           <p:nvPr>
             <p:ph type="title"/>
           </p:nvPr>
         </p:nvSpPr>
-        <p:spPr>
-          <a:noFill/>
-          <a:ln/>
-        </p:spPr>
-        <p:txBody>
-          <a:bodyPr lIns="90487" tIns="44450" rIns="90487" bIns="44450">
+        <p:spPr/>
+        <p:txBody>
+          <a:bodyPr>
             <a:normAutofit fontScale="90000"/>
           </a:bodyPr>
           <a:lstStyle/>
           <a:p>
-            <a:r>
-              <a:rPr lang="en-GB" dirty="0"/>
-              <a:t>Object</a:t>
+            <a:pPr algn="ctr"/>
+            <a:r>
+              <a:rPr lang="en-US" dirty="0" smtClean="0"/>
+              <a:t>The aggregation association</a:t>
             </a:r>
             <a:r>
               <a:rPr lang="en-GB" dirty="0" smtClean="0"/>
-              <a:t> class aggregation models</a:t>
-            </a:r>
-            <a:endParaRPr lang="en-GB" dirty="0"/>
-          </a:p>
-        </p:txBody>
-      </p:sp>
-      <p:sp>
-        <p:nvSpPr>
-          <p:cNvPr id="25603" name="Rectangle 3"/>
-          <p:cNvSpPr>
-            <a:spLocks noGrp="1" noChangeArrowheads="1"/>
-          </p:cNvSpPr>
-          <p:nvPr>
-            <p:ph idx="1"/>
-          </p:nvPr>
-        </p:nvSpPr>
-        <p:spPr>
-          <a:noFill/>
-          <a:ln/>
-        </p:spPr>
-        <p:txBody>
-          <a:bodyPr lIns="90487" tIns="44450" rIns="90487" bIns="44450"/>
-          <a:lstStyle/>
-          <a:p>
-            <a:r>
-              <a:rPr lang="en-GB" dirty="0"/>
-              <a:t>An aggregation model shows how classes that are collections are composed of other classes.</a:t>
-            </a:r>
-          </a:p>
-          <a:p>
-            <a:r>
-              <a:rPr lang="en-GB" dirty="0"/>
-              <a:t>Aggregation models are similar to the part-of relationship in semantic data models</a:t>
-            </a:r>
-            <a:r>
-              <a:rPr lang="en-GB" dirty="0" smtClean="0"/>
-              <a:t>. </a:t>
-            </a:r>
-            <a:endParaRPr lang="en-GB" dirty="0"/>
-          </a:p>
-        </p:txBody>
-      </p:sp>
-      <p:sp>
-        <p:nvSpPr>
-          <p:cNvPr id="5" name="Footer Placeholder 4"/>
+              <a:t> </a:t>
+            </a:r>
+            <a:endParaRPr lang="en-US" dirty="0" smtClean="0"/>
+          </a:p>
+        </p:txBody>
+      </p:sp>
+      <p:sp>
+        <p:nvSpPr>
+          <p:cNvPr id="6" name="Footer Placeholder 5"/>
           <p:cNvSpPr>
             <a:spLocks noGrp="1"/>
           </p:cNvSpPr>
@@ -10170,7 +10170,7 @@
       </p:sp>
       <p:sp>
         <p:nvSpPr>
-          <p:cNvPr id="4" name="Slide Number Placeholder 3"/>
+          <p:cNvPr id="5" name="Slide Number Placeholder 4"/>
           <p:cNvSpPr>
             <a:spLocks noGrp="1"/>
           </p:cNvSpPr>
@@ -10186,130 +10186,12 @@
             <a:pPr>
               <a:defRPr/>
             </a:pPr>
-            <a:fld id="{DEC9DA09-039A-A841-BA90-58CFCFBF8E01}" type="slidenum">
+            <a:fld id="{964AD586-7C25-0244-A129-E014CC0A164A}" type="slidenum">
               <a:rPr lang="en-US" smtClean="0"/>
               <a:pPr>
                 <a:defRPr/>
               </a:pPr>
               <a:t>27</a:t>
-            </a:fld>
-            <a:endParaRPr lang="en-US"/>
-          </a:p>
-        </p:txBody>
-      </p:sp>
-    </p:spTree>
-  </p:cSld>
-  <p:clrMapOvr>
-    <a:masterClrMapping/>
-  </p:clrMapOvr>
-  <p:transition/>
-  <p:timing>
-    <p:tnLst>
-      <p:par>
-        <p:cTn id="1" dur="indefinite" restart="never" nodeType="tmRoot"/>
-      </p:par>
-    </p:tnLst>
-  </p:timing>
-</p:sld>
-</file>
-
-<file path=ppt/slides/slide28.xml><?xml version="1.0" encoding="utf-8"?>
-<p:sld xmlns:a="http://schemas.openxmlformats.org/drawingml/2006/main" xmlns:r="http://schemas.openxmlformats.org/officeDocument/2006/relationships" xmlns:p="http://schemas.openxmlformats.org/presentationml/2006/main">
-  <p:cSld>
-    <p:spTree>
-      <p:nvGrpSpPr>
-        <p:cNvPr id="1" name=""/>
-        <p:cNvGrpSpPr/>
-        <p:nvPr/>
-      </p:nvGrpSpPr>
-      <p:grpSpPr>
-        <a:xfrm>
-          <a:off x="0" y="0"/>
-          <a:ext cx="0" cy="0"/>
-          <a:chOff x="0" y="0"/>
-          <a:chExt cx="0" cy="0"/>
-        </a:xfrm>
-      </p:grpSpPr>
-      <p:sp>
-        <p:nvSpPr>
-          <p:cNvPr id="26626" name="Title 1"/>
-          <p:cNvSpPr>
-            <a:spLocks noGrp="1"/>
-          </p:cNvSpPr>
-          <p:nvPr>
-            <p:ph type="title"/>
-          </p:nvPr>
-        </p:nvSpPr>
-        <p:spPr/>
-        <p:txBody>
-          <a:bodyPr>
-            <a:normAutofit fontScale="90000"/>
-          </a:bodyPr>
-          <a:lstStyle/>
-          <a:p>
-            <a:pPr algn="ctr"/>
-            <a:r>
-              <a:rPr lang="en-US" dirty="0" smtClean="0"/>
-              <a:t>The aggregation association</a:t>
-            </a:r>
-            <a:r>
-              <a:rPr lang="en-GB" dirty="0" smtClean="0"/>
-              <a:t> </a:t>
-            </a:r>
-            <a:endParaRPr lang="en-US" dirty="0" smtClean="0"/>
-          </a:p>
-        </p:txBody>
-      </p:sp>
-      <p:sp>
-        <p:nvSpPr>
-          <p:cNvPr id="6" name="Footer Placeholder 5"/>
-          <p:cNvSpPr>
-            <a:spLocks noGrp="1"/>
-          </p:cNvSpPr>
-          <p:nvPr>
-            <p:ph type="ftr" sz="quarter" idx="11"/>
-          </p:nvPr>
-        </p:nvSpPr>
-        <p:spPr/>
-        <p:txBody>
-          <a:bodyPr/>
-          <a:lstStyle/>
-          <a:p>
-            <a:pPr>
-              <a:defRPr/>
-            </a:pPr>
-            <a:r>
-              <a:rPr lang="en-US" smtClean="0"/>
-              <a:t>Chapter 5 System modeling</a:t>
-            </a:r>
-            <a:endParaRPr lang="en-US"/>
-          </a:p>
-        </p:txBody>
-      </p:sp>
-      <p:sp>
-        <p:nvSpPr>
-          <p:cNvPr id="5" name="Slide Number Placeholder 4"/>
-          <p:cNvSpPr>
-            <a:spLocks noGrp="1"/>
-          </p:cNvSpPr>
-          <p:nvPr>
-            <p:ph type="sldNum" sz="quarter" idx="12"/>
-          </p:nvPr>
-        </p:nvSpPr>
-        <p:spPr/>
-        <p:txBody>
-          <a:bodyPr/>
-          <a:lstStyle/>
-          <a:p>
-            <a:pPr>
-              <a:defRPr/>
-            </a:pPr>
-            <a:fld id="{964AD586-7C25-0244-A129-E014CC0A164A}" type="slidenum">
-              <a:rPr lang="en-US" smtClean="0"/>
-              <a:pPr>
-                <a:defRPr/>
-              </a:pPr>
-              <a:t>28</a:t>
             </a:fld>
             <a:endParaRPr lang="en-US"/>
           </a:p>
@@ -10354,6 +10236,182 @@
 </p:sld>
 </file>
 
+<file path=ppt/slides/slide28.xml><?xml version="1.0" encoding="utf-8"?>
+<p:sld xmlns:a="http://schemas.openxmlformats.org/drawingml/2006/main" xmlns:r="http://schemas.openxmlformats.org/officeDocument/2006/relationships" xmlns:p="http://schemas.openxmlformats.org/presentationml/2006/main">
+  <p:cSld>
+    <p:spTree>
+      <p:nvGrpSpPr>
+        <p:cNvPr id="1" name=""/>
+        <p:cNvGrpSpPr/>
+        <p:nvPr/>
+      </p:nvGrpSpPr>
+      <p:grpSpPr>
+        <a:xfrm>
+          <a:off x="0" y="0"/>
+          <a:ext cx="0" cy="0"/>
+          <a:chOff x="0" y="0"/>
+          <a:chExt cx="0" cy="0"/>
+        </a:xfrm>
+      </p:grpSpPr>
+      <p:sp>
+        <p:nvSpPr>
+          <p:cNvPr id="2" name="Title 1"/>
+          <p:cNvSpPr>
+            <a:spLocks noGrp="1"/>
+          </p:cNvSpPr>
+          <p:nvPr>
+            <p:ph type="title"/>
+          </p:nvPr>
+        </p:nvSpPr>
+        <p:spPr/>
+        <p:txBody>
+          <a:bodyPr/>
+          <a:lstStyle/>
+          <a:p>
+            <a:r>
+              <a:rPr lang="en-US" dirty="0" smtClean="0"/>
+              <a:t>Behavioral models</a:t>
+            </a:r>
+            <a:endParaRPr lang="en-US" dirty="0"/>
+          </a:p>
+        </p:txBody>
+      </p:sp>
+      <p:sp>
+        <p:nvSpPr>
+          <p:cNvPr id="3" name="Content Placeholder 2"/>
+          <p:cNvSpPr>
+            <a:spLocks noGrp="1"/>
+          </p:cNvSpPr>
+          <p:nvPr>
+            <p:ph idx="1"/>
+          </p:nvPr>
+        </p:nvSpPr>
+        <p:spPr/>
+        <p:txBody>
+          <a:bodyPr>
+            <a:normAutofit fontScale="77500" lnSpcReduction="20000"/>
+          </a:bodyPr>
+          <a:lstStyle/>
+          <a:p>
+            <a:r>
+              <a:rPr lang="en-US" dirty="0" smtClean="0"/>
+              <a:t>Behavioral models are models of the dynamic behavior of a system as it is executing. They show what happens or what is supposed to happen when a system responds to a stimulus from its environment. </a:t>
+            </a:r>
+          </a:p>
+          <a:p>
+            <a:r>
+              <a:rPr lang="en-US" dirty="0" smtClean="0"/>
+              <a:t>You can think of these stimuli as being of two types:</a:t>
+            </a:r>
+            <a:endParaRPr lang="en-GB" dirty="0" smtClean="0"/>
+          </a:p>
+          <a:p>
+            <a:pPr lvl="1"/>
+            <a:r>
+              <a:rPr lang="en-US" dirty="0" smtClean="0">
+                <a:solidFill>
+                  <a:srgbClr val="FF0000"/>
+                </a:solidFill>
+              </a:rPr>
+              <a:t>Data </a:t>
+            </a:r>
+            <a:r>
+              <a:rPr lang="en-US" dirty="0" smtClean="0"/>
+              <a:t>Some data arrives that has to be processed by the system.</a:t>
+            </a:r>
+            <a:endParaRPr lang="en-GB" dirty="0" smtClean="0"/>
+          </a:p>
+          <a:p>
+            <a:pPr lvl="1"/>
+            <a:r>
+              <a:rPr lang="en-US" dirty="0" smtClean="0">
+                <a:solidFill>
+                  <a:srgbClr val="FF0000"/>
+                </a:solidFill>
+              </a:rPr>
+              <a:t>Events </a:t>
+            </a:r>
+            <a:r>
+              <a:rPr lang="en-US" dirty="0" smtClean="0"/>
+              <a:t>Some event happens that triggers system processing. Events may have associated data, although this is not always the case.</a:t>
+            </a:r>
+            <a:endParaRPr lang="en-GB" dirty="0" smtClean="0"/>
+          </a:p>
+          <a:p>
+            <a:endParaRPr lang="en-US" dirty="0"/>
+          </a:p>
+        </p:txBody>
+      </p:sp>
+      <p:sp>
+        <p:nvSpPr>
+          <p:cNvPr id="5" name="Footer Placeholder 4"/>
+          <p:cNvSpPr>
+            <a:spLocks noGrp="1"/>
+          </p:cNvSpPr>
+          <p:nvPr>
+            <p:ph type="ftr" sz="quarter" idx="11"/>
+          </p:nvPr>
+        </p:nvSpPr>
+        <p:spPr/>
+        <p:txBody>
+          <a:bodyPr/>
+          <a:lstStyle/>
+          <a:p>
+            <a:pPr>
+              <a:defRPr/>
+            </a:pPr>
+            <a:r>
+              <a:rPr lang="en-US" smtClean="0"/>
+              <a:t>Chapter 5 System modeling</a:t>
+            </a:r>
+            <a:endParaRPr lang="en-US"/>
+          </a:p>
+        </p:txBody>
+      </p:sp>
+      <p:sp>
+        <p:nvSpPr>
+          <p:cNvPr id="4" name="Slide Number Placeholder 3"/>
+          <p:cNvSpPr>
+            <a:spLocks noGrp="1"/>
+          </p:cNvSpPr>
+          <p:nvPr>
+            <p:ph type="sldNum" sz="quarter" idx="12"/>
+          </p:nvPr>
+        </p:nvSpPr>
+        <p:spPr/>
+        <p:txBody>
+          <a:bodyPr/>
+          <a:lstStyle/>
+          <a:p>
+            <a:pPr>
+              <a:defRPr/>
+            </a:pPr>
+            <a:fld id="{DEC9DA09-039A-A841-BA90-58CFCFBF8E01}" type="slidenum">
+              <a:rPr lang="en-US" smtClean="0"/>
+              <a:pPr>
+                <a:defRPr/>
+              </a:pPr>
+              <a:t>28</a:t>
+            </a:fld>
+            <a:endParaRPr lang="en-US"/>
+          </a:p>
+        </p:txBody>
+      </p:sp>
+    </p:spTree>
+  </p:cSld>
+  <p:clrMapOvr>
+    <a:masterClrMapping/>
+  </p:clrMapOvr>
+  <p:timing>
+    <p:tnLst>
+      <p:par>
+        <p:cTn id="1" dur="indefinite" restart="never" nodeType="tmRoot"/>
+      </p:par>
+    </p:tnLst>
+  </p:timing>
+</p:sld>
+</file>
+
 <file path=ppt/slides/slide29.xml><?xml version="1.0" encoding="utf-8"?>
 <p:sld xmlns:a="http://schemas.openxmlformats.org/drawingml/2006/main" xmlns:r="http://schemas.openxmlformats.org/officeDocument/2006/relationships" xmlns:p="http://schemas.openxmlformats.org/presentationml/2006/main">
   <p:cSld>
@@ -10388,7 +10446,7 @@
           <a:p>
             <a:r>
               <a:rPr lang="en-US" dirty="0" smtClean="0"/>
-              <a:t>Behavioral models</a:t>
+              <a:t>Data-driven modeling</a:t>
             </a:r>
             <a:endParaRPr lang="en-US" dirty="0"/>
           </a:p>
@@ -10407,55 +10465,26 @@
         <p:spPr/>
         <p:txBody>
           <a:bodyPr>
-            <a:normAutofit fontScale="77500" lnSpcReduction="20000"/>
+            <a:normAutofit fontScale="85000" lnSpcReduction="20000"/>
           </a:bodyPr>
           <a:lstStyle/>
           <a:p>
             <a:r>
               <a:rPr lang="en-US" dirty="0" smtClean="0"/>
-              <a:t>Behavioral models are models of the dynamic behavior of a system as it is executing. They show what happens or what is supposed to happen when a system responds to a stimulus from its environment. </a:t>
+              <a:t>Many business systems are data-processing systems that are primarily driven by data. They are controlled by the data input to the system, with relatively little external event processing. </a:t>
             </a:r>
           </a:p>
           <a:p>
             <a:r>
               <a:rPr lang="en-US" dirty="0" smtClean="0"/>
-              <a:t>You can think of these stimuli as being of two types:</a:t>
-            </a:r>
-            <a:endParaRPr lang="en-GB" dirty="0" smtClean="0"/>
-          </a:p>
-          <a:p>
-            <a:pPr lvl="1"/>
-            <a:r>
-              <a:rPr lang="en-US" dirty="0" smtClean="0">
-                <a:solidFill>
-                  <a:srgbClr val="FF0000"/>
-                </a:solidFill>
-              </a:rPr>
-              <a:t>Data </a:t>
-            </a:r>
+              <a:t>Data-driven models show the sequence of actions involved in processing input data and generating an associated output. </a:t>
+            </a:r>
+          </a:p>
+          <a:p>
             <a:r>
               <a:rPr lang="en-US" dirty="0" smtClean="0"/>
-              <a:t>Some data arrives that has to be processed by the system.</a:t>
-            </a:r>
-            <a:endParaRPr lang="en-GB" dirty="0" smtClean="0"/>
-          </a:p>
-          <a:p>
-            <a:pPr lvl="1"/>
-            <a:r>
-              <a:rPr lang="en-US" dirty="0" smtClean="0">
-                <a:solidFill>
-                  <a:srgbClr val="FF0000"/>
-                </a:solidFill>
-              </a:rPr>
-              <a:t>Events </a:t>
-            </a:r>
-            <a:r>
-              <a:rPr lang="en-US" dirty="0" smtClean="0"/>
-              <a:t>Some event happens that triggers system processing. Events may have associated data, although this is not always the case.</a:t>
-            </a:r>
-            <a:endParaRPr lang="en-GB" dirty="0" smtClean="0"/>
-          </a:p>
-          <a:p>
+              <a:t>They are particularly useful during the analysis of requirements as they can be used to show end-to-end processing in a system. </a:t>
+            </a:r>
             <a:endParaRPr lang="en-US" dirty="0"/>
           </a:p>
         </p:txBody>
@@ -10563,16 +10592,16 @@
           <a:lstStyle/>
           <a:p>
             <a:r>
-              <a:rPr lang="en-CA" dirty="0" smtClean="0"/>
-              <a:t>Before we start</a:t>
-            </a:r>
-            <a:endParaRPr lang="en-CA" dirty="0"/>
-          </a:p>
-        </p:txBody>
-      </p:sp>
-      <p:sp>
-        <p:nvSpPr>
-          <p:cNvPr id="4" name="Footer Placeholder 3"/>
+              <a:rPr lang="en-US" dirty="0" smtClean="0"/>
+              <a:t>System modeling</a:t>
+            </a:r>
+            <a:endParaRPr lang="en-US" dirty="0"/>
+          </a:p>
+        </p:txBody>
+      </p:sp>
+      <p:sp>
+        <p:nvSpPr>
+          <p:cNvPr id="5" name="Footer Placeholder 4"/>
           <p:cNvSpPr>
             <a:spLocks noGrp="1"/>
           </p:cNvSpPr>
@@ -10598,7 +10627,7 @@
       </p:sp>
       <p:sp>
         <p:nvSpPr>
-          <p:cNvPr id="5" name="Slide Number Placeholder 4"/>
+          <p:cNvPr id="4" name="Slide Number Placeholder 3"/>
           <p:cNvSpPr>
             <a:spLocks noGrp="1"/>
           </p:cNvSpPr>
@@ -10625,57 +10654,187 @@
           </a:p>
         </p:txBody>
       </p:sp>
-      <p:pic>
-        <p:nvPicPr>
-          <p:cNvPr id="1026" name="Picture 2" descr="Related image"/>
-          <p:cNvPicPr>
-            <a:picLocks noChangeAspect="1" noChangeArrowheads="1"/>
-          </p:cNvPicPr>
+      <p:sp>
+        <p:nvSpPr>
+          <p:cNvPr id="12" name="Rectangle 11"/>
+          <p:cNvSpPr/>
           <p:nvPr/>
-        </p:nvPicPr>
-        <p:blipFill>
-          <a:blip r:embed="rId2">
-            <a:extLst>
-              <a:ext uri="{28A0092B-C50C-407E-A947-70E740481C1C}">
-                <a14:useLocalDpi xmlns:a14="http://schemas.microsoft.com/office/drawing/2010/main" val="0"/>
-              </a:ext>
-            </a:extLst>
-          </a:blip>
-          <a:srcRect/>
-          <a:stretch>
-            <a:fillRect/>
-          </a:stretch>
-        </p:blipFill>
-        <p:spPr bwMode="auto">
+        </p:nvSpPr>
+        <p:spPr>
           <a:xfrm>
-            <a:off x="1294161" y="2408238"/>
-            <a:ext cx="7023778" cy="3696727"/>
+            <a:off x="510989" y="2200523"/>
+            <a:ext cx="2330824" cy="3173505"/>
           </a:xfrm>
           <a:prstGeom prst="rect">
             <a:avLst/>
           </a:prstGeom>
-          <a:noFill/>
-          <a:extLst>
-            <a:ext uri="{909E8E84-426E-40DD-AFC4-6F175D3DCCD1}">
-              <a14:hiddenFill xmlns:a14="http://schemas.microsoft.com/office/drawing/2010/main">
-                <a:solidFill>
-                  <a:srgbClr val="FFFFFF"/>
-                </a:solidFill>
-              </a14:hiddenFill>
-            </a:ext>
-          </a:extLst>
+          <a:solidFill>
+            <a:schemeClr val="accent1">
+              <a:lumMod val="75000"/>
+            </a:schemeClr>
+          </a:solidFill>
+          <a:effectLst>
+            <a:outerShdw blurRad="50800" dist="38100" algn="l" rotWithShape="0">
+              <a:prstClr val="black">
+                <a:alpha val="40000"/>
+              </a:prstClr>
+            </a:outerShdw>
+          </a:effectLst>
         </p:spPr>
-      </p:pic>
+        <p:style>
+          <a:lnRef idx="2">
+            <a:schemeClr val="accent1">
+              <a:shade val="50000"/>
+            </a:schemeClr>
+          </a:lnRef>
+          <a:fillRef idx="1">
+            <a:schemeClr val="accent1"/>
+          </a:fillRef>
+          <a:effectRef idx="0">
+            <a:schemeClr val="accent1"/>
+          </a:effectRef>
+          <a:fontRef idx="minor">
+            <a:schemeClr val="lt1"/>
+          </a:fontRef>
+        </p:style>
+        <p:txBody>
+          <a:bodyPr rtlCol="0" anchor="ctr"/>
+          <a:lstStyle/>
+          <a:p>
+            <a:pPr algn="ctr"/>
+            <a:r>
+              <a:rPr lang="en-US" dirty="0"/>
+              <a:t>System modeling is the process of developing abstract models of a system, with each model presenting a different view or perspective of that system. </a:t>
+            </a:r>
+          </a:p>
+          <a:p>
+            <a:pPr algn="ctr"/>
+            <a:endParaRPr lang="en-CA" dirty="0"/>
+          </a:p>
+        </p:txBody>
+      </p:sp>
+      <p:sp>
+        <p:nvSpPr>
+          <p:cNvPr id="13" name="Rectangle 12"/>
+          <p:cNvSpPr/>
+          <p:nvPr/>
+        </p:nvSpPr>
+        <p:spPr>
+          <a:xfrm>
+            <a:off x="3146615" y="2200523"/>
+            <a:ext cx="2330824" cy="3173505"/>
+          </a:xfrm>
+          <a:prstGeom prst="rect">
+            <a:avLst/>
+          </a:prstGeom>
+          <a:solidFill>
+            <a:schemeClr val="accent1">
+              <a:lumMod val="75000"/>
+            </a:schemeClr>
+          </a:solidFill>
+          <a:effectLst>
+            <a:outerShdw blurRad="50800" dist="38100" algn="l" rotWithShape="0">
+              <a:prstClr val="black">
+                <a:alpha val="40000"/>
+              </a:prstClr>
+            </a:outerShdw>
+          </a:effectLst>
+        </p:spPr>
+        <p:style>
+          <a:lnRef idx="2">
+            <a:schemeClr val="accent1">
+              <a:shade val="50000"/>
+            </a:schemeClr>
+          </a:lnRef>
+          <a:fillRef idx="1">
+            <a:schemeClr val="accent1"/>
+          </a:fillRef>
+          <a:effectRef idx="0">
+            <a:schemeClr val="accent1"/>
+          </a:effectRef>
+          <a:fontRef idx="minor">
+            <a:schemeClr val="lt1"/>
+          </a:fontRef>
+        </p:style>
+        <p:txBody>
+          <a:bodyPr rtlCol="0" anchor="ctr"/>
+          <a:lstStyle/>
+          <a:p>
+            <a:pPr algn="ctr"/>
+            <a:r>
+              <a:rPr lang="en-US" dirty="0"/>
+              <a:t>System modeling has now come to mean representing a system using some kind of graphical notation, which is now almost always based on notations in the Unified Modeling Language (UML). </a:t>
+            </a:r>
+          </a:p>
+        </p:txBody>
+      </p:sp>
+      <p:sp>
+        <p:nvSpPr>
+          <p:cNvPr id="14" name="Rectangle 13"/>
+          <p:cNvSpPr/>
+          <p:nvPr/>
+        </p:nvSpPr>
+        <p:spPr>
+          <a:xfrm>
+            <a:off x="5871886" y="2200523"/>
+            <a:ext cx="2330824" cy="3173505"/>
+          </a:xfrm>
+          <a:prstGeom prst="rect">
+            <a:avLst/>
+          </a:prstGeom>
+          <a:solidFill>
+            <a:schemeClr val="accent1">
+              <a:lumMod val="75000"/>
+            </a:schemeClr>
+          </a:solidFill>
+          <a:effectLst>
+            <a:outerShdw blurRad="50800" dist="38100" algn="l" rotWithShape="0">
+              <a:prstClr val="black">
+                <a:alpha val="40000"/>
+              </a:prstClr>
+            </a:outerShdw>
+          </a:effectLst>
+        </p:spPr>
+        <p:style>
+          <a:lnRef idx="2">
+            <a:schemeClr val="accent1">
+              <a:shade val="50000"/>
+            </a:schemeClr>
+          </a:lnRef>
+          <a:fillRef idx="1">
+            <a:schemeClr val="accent1"/>
+          </a:fillRef>
+          <a:effectRef idx="0">
+            <a:schemeClr val="accent1"/>
+          </a:effectRef>
+          <a:fontRef idx="minor">
+            <a:schemeClr val="lt1"/>
+          </a:fontRef>
+        </p:style>
+        <p:txBody>
+          <a:bodyPr rtlCol="0" anchor="ctr"/>
+          <a:lstStyle/>
+          <a:p>
+            <a:pPr algn="ctr"/>
+            <a:r>
+              <a:rPr lang="en-GB" dirty="0"/>
+              <a:t>System modelling helps the analyst to understand the functionality of the system and models are used to communicate with customers.</a:t>
+            </a:r>
+          </a:p>
+        </p:txBody>
+      </p:sp>
     </p:spTree>
-    <p:extLst>
-      <p:ext uri="{BB962C8B-B14F-4D97-AF65-F5344CB8AC3E}">
-        <p14:creationId xmlns:p14="http://schemas.microsoft.com/office/powerpoint/2010/main" val="2140245984"/>
-      </p:ext>
-    </p:extLst>
   </p:cSld>
   <p:clrMapOvr>
     <a:masterClrMapping/>
   </p:clrMapOvr>
+  <p:timing>
+    <p:tnLst>
+      <p:par>
+        <p:cTn id="1" dur="indefinite" restart="never" nodeType="tmRoot"/>
+      </p:par>
+    </p:tnLst>
+  </p:timing>
 </p:sld>
 </file>
 
@@ -10698,7 +10857,7 @@
       </p:grpSpPr>
       <p:sp>
         <p:nvSpPr>
-          <p:cNvPr id="2" name="Title 1"/>
+          <p:cNvPr id="27650" name="Title 1"/>
           <p:cNvSpPr>
             <a:spLocks noGrp="1"/>
           </p:cNvSpPr>
@@ -10708,57 +10867,27 @@
         </p:nvSpPr>
         <p:spPr/>
         <p:txBody>
-          <a:bodyPr/>
-          <a:lstStyle/>
-          <a:p>
+          <a:bodyPr>
+            <a:normAutofit fontScale="90000"/>
+          </a:bodyPr>
+          <a:lstStyle/>
+          <a:p>
+            <a:pPr algn="ctr"/>
             <a:r>
               <a:rPr lang="en-US" dirty="0" smtClean="0"/>
-              <a:t>Data-driven modeling</a:t>
-            </a:r>
-            <a:endParaRPr lang="en-US" dirty="0"/>
-          </a:p>
-        </p:txBody>
-      </p:sp>
-      <p:sp>
-        <p:nvSpPr>
-          <p:cNvPr id="3" name="Content Placeholder 2"/>
-          <p:cNvSpPr>
-            <a:spLocks noGrp="1"/>
-          </p:cNvSpPr>
-          <p:nvPr>
-            <p:ph idx="1"/>
-          </p:nvPr>
-        </p:nvSpPr>
-        <p:spPr/>
-        <p:txBody>
-          <a:bodyPr>
-            <a:normAutofit fontScale="85000" lnSpcReduction="20000"/>
-          </a:bodyPr>
-          <a:lstStyle/>
-          <a:p>
-            <a:r>
-              <a:rPr lang="en-US" dirty="0" smtClean="0"/>
-              <a:t>Many business systems are data-processing systems that are primarily driven by data. They are controlled by the data input to the system, with relatively little external event processing. </a:t>
-            </a:r>
-          </a:p>
-          <a:p>
-            <a:r>
-              <a:rPr lang="en-US" dirty="0" smtClean="0"/>
-              <a:t>Data-driven models show the sequence of actions involved in processing input data and generating an associated output. </a:t>
-            </a:r>
-          </a:p>
-          <a:p>
-            <a:r>
-              <a:rPr lang="en-US" dirty="0" smtClean="0"/>
-              <a:t>They are particularly useful during the analysis of requirements as they can be used to show end-to-end processing in a system. </a:t>
-            </a:r>
-            <a:endParaRPr lang="en-US" dirty="0"/>
-          </a:p>
-        </p:txBody>
-      </p:sp>
-      <p:sp>
-        <p:nvSpPr>
-          <p:cNvPr id="5" name="Footer Placeholder 4"/>
+              <a:t>An activity model of the insulin pump’s operation</a:t>
+            </a:r>
+            <a:r>
+              <a:rPr lang="en-GB" dirty="0" smtClean="0"/>
+              <a:t> </a:t>
+            </a:r>
+            <a:endParaRPr lang="en-US" dirty="0" smtClean="0"/>
+          </a:p>
+        </p:txBody>
+      </p:sp>
+      <p:sp>
+        <p:nvSpPr>
+          <p:cNvPr id="6" name="Footer Placeholder 5"/>
           <p:cNvSpPr>
             <a:spLocks noGrp="1"/>
           </p:cNvSpPr>
@@ -10784,7 +10913,7 @@
       </p:sp>
       <p:sp>
         <p:nvSpPr>
-          <p:cNvPr id="4" name="Slide Number Placeholder 3"/>
+          <p:cNvPr id="5" name="Slide Number Placeholder 4"/>
           <p:cNvSpPr>
             <a:spLocks noGrp="1"/>
           </p:cNvSpPr>
@@ -10800,129 +10929,12 @@
             <a:pPr>
               <a:defRPr/>
             </a:pPr>
-            <a:fld id="{DEC9DA09-039A-A841-BA90-58CFCFBF8E01}" type="slidenum">
+            <a:fld id="{964AD586-7C25-0244-A129-E014CC0A164A}" type="slidenum">
               <a:rPr lang="en-US" smtClean="0"/>
               <a:pPr>
                 <a:defRPr/>
               </a:pPr>
               <a:t>30</a:t>
-            </a:fld>
-            <a:endParaRPr lang="en-US"/>
-          </a:p>
-        </p:txBody>
-      </p:sp>
-    </p:spTree>
-  </p:cSld>
-  <p:clrMapOvr>
-    <a:masterClrMapping/>
-  </p:clrMapOvr>
-  <p:timing>
-    <p:tnLst>
-      <p:par>
-        <p:cTn id="1" dur="indefinite" restart="never" nodeType="tmRoot"/>
-      </p:par>
-    </p:tnLst>
-  </p:timing>
-</p:sld>
-</file>
-
-<file path=ppt/slides/slide31.xml><?xml version="1.0" encoding="utf-8"?>
-<p:sld xmlns:a="http://schemas.openxmlformats.org/drawingml/2006/main" xmlns:r="http://schemas.openxmlformats.org/officeDocument/2006/relationships" xmlns:p="http://schemas.openxmlformats.org/presentationml/2006/main">
-  <p:cSld>
-    <p:spTree>
-      <p:nvGrpSpPr>
-        <p:cNvPr id="1" name=""/>
-        <p:cNvGrpSpPr/>
-        <p:nvPr/>
-      </p:nvGrpSpPr>
-      <p:grpSpPr>
-        <a:xfrm>
-          <a:off x="0" y="0"/>
-          <a:ext cx="0" cy="0"/>
-          <a:chOff x="0" y="0"/>
-          <a:chExt cx="0" cy="0"/>
-        </a:xfrm>
-      </p:grpSpPr>
-      <p:sp>
-        <p:nvSpPr>
-          <p:cNvPr id="27650" name="Title 1"/>
-          <p:cNvSpPr>
-            <a:spLocks noGrp="1"/>
-          </p:cNvSpPr>
-          <p:nvPr>
-            <p:ph type="title"/>
-          </p:nvPr>
-        </p:nvSpPr>
-        <p:spPr/>
-        <p:txBody>
-          <a:bodyPr>
-            <a:normAutofit fontScale="90000"/>
-          </a:bodyPr>
-          <a:lstStyle/>
-          <a:p>
-            <a:pPr algn="ctr"/>
-            <a:r>
-              <a:rPr lang="en-US" dirty="0" smtClean="0"/>
-              <a:t>An activity model of the insulin pump’s operation</a:t>
-            </a:r>
-            <a:r>
-              <a:rPr lang="en-GB" dirty="0" smtClean="0"/>
-              <a:t> </a:t>
-            </a:r>
-            <a:endParaRPr lang="en-US" dirty="0" smtClean="0"/>
-          </a:p>
-        </p:txBody>
-      </p:sp>
-      <p:sp>
-        <p:nvSpPr>
-          <p:cNvPr id="6" name="Footer Placeholder 5"/>
-          <p:cNvSpPr>
-            <a:spLocks noGrp="1"/>
-          </p:cNvSpPr>
-          <p:nvPr>
-            <p:ph type="ftr" sz="quarter" idx="11"/>
-          </p:nvPr>
-        </p:nvSpPr>
-        <p:spPr/>
-        <p:txBody>
-          <a:bodyPr/>
-          <a:lstStyle/>
-          <a:p>
-            <a:pPr>
-              <a:defRPr/>
-            </a:pPr>
-            <a:r>
-              <a:rPr lang="en-US" smtClean="0"/>
-              <a:t>Chapter 5 System modeling</a:t>
-            </a:r>
-            <a:endParaRPr lang="en-US"/>
-          </a:p>
-        </p:txBody>
-      </p:sp>
-      <p:sp>
-        <p:nvSpPr>
-          <p:cNvPr id="5" name="Slide Number Placeholder 4"/>
-          <p:cNvSpPr>
-            <a:spLocks noGrp="1"/>
-          </p:cNvSpPr>
-          <p:nvPr>
-            <p:ph type="sldNum" sz="quarter" idx="12"/>
-          </p:nvPr>
-        </p:nvSpPr>
-        <p:spPr/>
-        <p:txBody>
-          <a:bodyPr/>
-          <a:lstStyle/>
-          <a:p>
-            <a:pPr>
-              <a:defRPr/>
-            </a:pPr>
-            <a:fld id="{964AD586-7C25-0244-A129-E014CC0A164A}" type="slidenum">
-              <a:rPr lang="en-US" smtClean="0"/>
-              <a:pPr>
-                <a:defRPr/>
-              </a:pPr>
-              <a:t>31</a:t>
             </a:fld>
             <a:endParaRPr lang="en-US"/>
           </a:p>
@@ -10967,6 +10979,166 @@
 </p:sld>
 </file>
 
+<file path=ppt/slides/slide31.xml><?xml version="1.0" encoding="utf-8"?>
+<p:sld xmlns:a="http://schemas.openxmlformats.org/drawingml/2006/main" xmlns:r="http://schemas.openxmlformats.org/officeDocument/2006/relationships" xmlns:p="http://schemas.openxmlformats.org/presentationml/2006/main">
+  <p:cSld>
+    <p:spTree>
+      <p:nvGrpSpPr>
+        <p:cNvPr id="1" name=""/>
+        <p:cNvGrpSpPr/>
+        <p:nvPr/>
+      </p:nvGrpSpPr>
+      <p:grpSpPr>
+        <a:xfrm>
+          <a:off x="0" y="0"/>
+          <a:ext cx="0" cy="0"/>
+          <a:chOff x="0" y="0"/>
+          <a:chExt cx="0" cy="0"/>
+        </a:xfrm>
+      </p:grpSpPr>
+      <p:sp>
+        <p:nvSpPr>
+          <p:cNvPr id="2" name="Title 1"/>
+          <p:cNvSpPr>
+            <a:spLocks noGrp="1"/>
+          </p:cNvSpPr>
+          <p:nvPr>
+            <p:ph type="title"/>
+          </p:nvPr>
+        </p:nvSpPr>
+        <p:spPr/>
+        <p:txBody>
+          <a:bodyPr/>
+          <a:lstStyle/>
+          <a:p>
+            <a:r>
+              <a:rPr lang="en-US" dirty="0" smtClean="0"/>
+              <a:t>Event-driven modeling</a:t>
+            </a:r>
+            <a:endParaRPr lang="en-US" dirty="0"/>
+          </a:p>
+        </p:txBody>
+      </p:sp>
+      <p:sp>
+        <p:nvSpPr>
+          <p:cNvPr id="5" name="Content Placeholder 4"/>
+          <p:cNvSpPr>
+            <a:spLocks noGrp="1"/>
+          </p:cNvSpPr>
+          <p:nvPr>
+            <p:ph idx="1"/>
+          </p:nvPr>
+        </p:nvSpPr>
+        <p:spPr/>
+        <p:txBody>
+          <a:bodyPr>
+            <a:normAutofit fontScale="85000" lnSpcReduction="20000"/>
+          </a:bodyPr>
+          <a:lstStyle/>
+          <a:p>
+            <a:r>
+              <a:rPr lang="en-US" dirty="0" smtClean="0"/>
+              <a:t>Real-time systems are often event-driven, with minimal data processing. For example, a landline phone switching system responds to events such as ‘receiver off hook’ by</a:t>
+            </a:r>
+            <a:r>
+              <a:rPr lang="en-GB" dirty="0" smtClean="0"/>
+              <a:t> </a:t>
+            </a:r>
+            <a:r>
+              <a:rPr lang="en-US" dirty="0" smtClean="0"/>
+              <a:t>generating a dial tone.</a:t>
+            </a:r>
+            <a:r>
+              <a:rPr lang="en-GB" dirty="0" smtClean="0"/>
+              <a:t> </a:t>
+            </a:r>
+            <a:endParaRPr lang="en-US" dirty="0" smtClean="0"/>
+          </a:p>
+          <a:p>
+            <a:r>
+              <a:rPr lang="en-US" dirty="0" smtClean="0"/>
+              <a:t>Event-driven modeling shows how a system responds to external and internal events. </a:t>
+            </a:r>
+          </a:p>
+          <a:p>
+            <a:r>
+              <a:rPr lang="en-US" dirty="0" smtClean="0"/>
+              <a:t>It is based on the assumption that a system has a finite number of states and that events (stimuli) may cause a transition from one state to another. </a:t>
+            </a:r>
+            <a:endParaRPr lang="en-US" dirty="0"/>
+          </a:p>
+        </p:txBody>
+      </p:sp>
+      <p:sp>
+        <p:nvSpPr>
+          <p:cNvPr id="3" name="Footer Placeholder 2"/>
+          <p:cNvSpPr>
+            <a:spLocks noGrp="1"/>
+          </p:cNvSpPr>
+          <p:nvPr>
+            <p:ph type="ftr" sz="quarter" idx="11"/>
+          </p:nvPr>
+        </p:nvSpPr>
+        <p:spPr/>
+        <p:txBody>
+          <a:bodyPr/>
+          <a:lstStyle/>
+          <a:p>
+            <a:pPr>
+              <a:defRPr/>
+            </a:pPr>
+            <a:r>
+              <a:rPr lang="en-US" smtClean="0"/>
+              <a:t>Chapter 5 System modeling</a:t>
+            </a:r>
+            <a:endParaRPr lang="en-US"/>
+          </a:p>
+        </p:txBody>
+      </p:sp>
+      <p:sp>
+        <p:nvSpPr>
+          <p:cNvPr id="4" name="Slide Number Placeholder 3"/>
+          <p:cNvSpPr>
+            <a:spLocks noGrp="1"/>
+          </p:cNvSpPr>
+          <p:nvPr>
+            <p:ph type="sldNum" sz="quarter" idx="12"/>
+          </p:nvPr>
+        </p:nvSpPr>
+        <p:spPr/>
+        <p:txBody>
+          <a:bodyPr/>
+          <a:lstStyle/>
+          <a:p>
+            <a:pPr>
+              <a:defRPr/>
+            </a:pPr>
+            <a:fld id="{964AD586-7C25-0244-A129-E014CC0A164A}" type="slidenum">
+              <a:rPr lang="en-US" smtClean="0"/>
+              <a:pPr>
+                <a:defRPr/>
+              </a:pPr>
+              <a:t>31</a:t>
+            </a:fld>
+            <a:endParaRPr lang="en-US"/>
+          </a:p>
+        </p:txBody>
+      </p:sp>
+    </p:spTree>
+  </p:cSld>
+  <p:clrMapOvr>
+    <a:masterClrMapping/>
+  </p:clrMapOvr>
+  <p:timing>
+    <p:tnLst>
+      <p:par>
+        <p:cTn id="1" dur="indefinite" restart="never" nodeType="tmRoot"/>
+      </p:par>
+    </p:tnLst>
+  </p:timing>
+</p:sld>
+</file>
+
 <file path=ppt/slides/slide32.xml><?xml version="1.0" encoding="utf-8"?>
 <p:sld xmlns:a="http://schemas.openxmlformats.org/drawingml/2006/main" xmlns:r="http://schemas.openxmlformats.org/officeDocument/2006/relationships" xmlns:p="http://schemas.openxmlformats.org/presentationml/2006/main">
   <p:cSld>
@@ -10986,9 +11158,9 @@
       </p:grpSpPr>
       <p:sp>
         <p:nvSpPr>
-          <p:cNvPr id="2" name="Title 1"/>
-          <p:cNvSpPr>
-            <a:spLocks noGrp="1"/>
+          <p:cNvPr id="56322" name="Rectangle 2"/>
+          <p:cNvSpPr>
+            <a:spLocks noGrp="1" noChangeArrowheads="1"/>
           </p:cNvSpPr>
           <p:nvPr>
             <p:ph type="title"/>
@@ -11000,18 +11172,17 @@
           <a:lstStyle/>
           <a:p>
             <a:r>
-              <a:rPr lang="en-US" dirty="0" smtClean="0"/>
-              <a:t>Event-driven modeling</a:t>
-            </a:r>
-            <a:endParaRPr lang="en-US" dirty="0"/>
-          </a:p>
-        </p:txBody>
-      </p:sp>
-      <p:sp>
-        <p:nvSpPr>
-          <p:cNvPr id="5" name="Content Placeholder 4"/>
-          <p:cNvSpPr>
-            <a:spLocks noGrp="1"/>
+              <a:rPr lang="en-GB"/>
+              <a:t>State machine models</a:t>
+            </a:r>
+          </a:p>
+        </p:txBody>
+      </p:sp>
+      <p:sp>
+        <p:nvSpPr>
+          <p:cNvPr id="56323" name="Rectangle 3"/>
+          <p:cNvSpPr>
+            <a:spLocks noGrp="1" noChangeArrowheads="1"/>
           </p:cNvSpPr>
           <p:nvPr>
             <p:ph idx="1"/>
@@ -11020,46 +11191,37 @@
         <p:spPr/>
         <p:txBody>
           <a:bodyPr>
-            <a:normAutofit fontScale="85000" lnSpcReduction="20000"/>
+            <a:noAutofit/>
           </a:bodyPr>
           <a:lstStyle/>
           <a:p>
             <a:r>
-              <a:rPr lang="en-US" dirty="0" smtClean="0"/>
-              <a:t>Real-time systems are often event-driven, with minimal data processing. For example, a landline phone switching system responds to events such as ‘receiver off hook’ by</a:t>
-            </a:r>
-            <a:r>
-              <a:rPr lang="en-GB" dirty="0" smtClean="0"/>
-              <a:t> </a:t>
-            </a:r>
-            <a:r>
-              <a:rPr lang="en-US" dirty="0" smtClean="0"/>
-              <a:t>generating a dial tone.</a:t>
-            </a:r>
-            <a:r>
-              <a:rPr lang="en-GB" dirty="0" smtClean="0"/>
-              <a:t> </a:t>
-            </a:r>
-            <a:endParaRPr lang="en-US" dirty="0" smtClean="0"/>
-          </a:p>
-          <a:p>
-            <a:r>
-              <a:rPr lang="en-US" dirty="0" smtClean="0"/>
-              <a:t>Event-driven modeling shows how a system responds to external and internal events. </a:t>
-            </a:r>
-          </a:p>
-          <a:p>
-            <a:r>
-              <a:rPr lang="en-US" dirty="0" smtClean="0"/>
-              <a:t>It is based on the assumption that a system has a finite number of states and that events (stimuli) may cause a transition from one state to another. </a:t>
-            </a:r>
-            <a:endParaRPr lang="en-US" dirty="0"/>
-          </a:p>
-        </p:txBody>
-      </p:sp>
-      <p:sp>
-        <p:nvSpPr>
-          <p:cNvPr id="3" name="Footer Placeholder 2"/>
+              <a:rPr lang="en-GB" sz="2800" dirty="0"/>
+              <a:t>These model the behaviour of the system in response to external and internal events.</a:t>
+            </a:r>
+          </a:p>
+          <a:p>
+            <a:r>
+              <a:rPr lang="en-GB" sz="2800" dirty="0"/>
+              <a:t>They show the system’s responses to stimuli so are often used for modelling real-time systems.</a:t>
+            </a:r>
+          </a:p>
+          <a:p>
+            <a:r>
+              <a:rPr lang="en-GB" sz="2800" dirty="0"/>
+              <a:t>State machine models show system states as nodes and events as arcs between these nodes. When an event occurs, the system moves from one state to another</a:t>
+            </a:r>
+            <a:r>
+              <a:rPr lang="en-GB" sz="2800" dirty="0" smtClean="0"/>
+              <a:t>.</a:t>
+            </a:r>
+            <a:endParaRPr lang="en-GB" sz="2800" dirty="0"/>
+          </a:p>
+        </p:txBody>
+      </p:sp>
+      <p:sp>
+        <p:nvSpPr>
+          <p:cNvPr id="5" name="Footer Placeholder 4"/>
           <p:cNvSpPr>
             <a:spLocks noGrp="1"/>
           </p:cNvSpPr>
@@ -11101,7 +11263,7 @@
             <a:pPr>
               <a:defRPr/>
             </a:pPr>
-            <a:fld id="{964AD586-7C25-0244-A129-E014CC0A164A}" type="slidenum">
+            <a:fld id="{DEC9DA09-039A-A841-BA90-58CFCFBF8E01}" type="slidenum">
               <a:rPr lang="en-US" smtClean="0"/>
               <a:pPr>
                 <a:defRPr/>
@@ -11146,156 +11308,6 @@
       </p:grpSpPr>
       <p:sp>
         <p:nvSpPr>
-          <p:cNvPr id="56322" name="Rectangle 2"/>
-          <p:cNvSpPr>
-            <a:spLocks noGrp="1" noChangeArrowheads="1"/>
-          </p:cNvSpPr>
-          <p:nvPr>
-            <p:ph type="title"/>
-          </p:nvPr>
-        </p:nvSpPr>
-        <p:spPr/>
-        <p:txBody>
-          <a:bodyPr/>
-          <a:lstStyle/>
-          <a:p>
-            <a:r>
-              <a:rPr lang="en-GB"/>
-              <a:t>State machine models</a:t>
-            </a:r>
-          </a:p>
-        </p:txBody>
-      </p:sp>
-      <p:sp>
-        <p:nvSpPr>
-          <p:cNvPr id="56323" name="Rectangle 3"/>
-          <p:cNvSpPr>
-            <a:spLocks noGrp="1" noChangeArrowheads="1"/>
-          </p:cNvSpPr>
-          <p:nvPr>
-            <p:ph idx="1"/>
-          </p:nvPr>
-        </p:nvSpPr>
-        <p:spPr/>
-        <p:txBody>
-          <a:bodyPr>
-            <a:noAutofit/>
-          </a:bodyPr>
-          <a:lstStyle/>
-          <a:p>
-            <a:r>
-              <a:rPr lang="en-GB" sz="2800" dirty="0"/>
-              <a:t>These model the behaviour of the system in response to external and internal events.</a:t>
-            </a:r>
-          </a:p>
-          <a:p>
-            <a:r>
-              <a:rPr lang="en-GB" sz="2800" dirty="0"/>
-              <a:t>They show the system’s responses to stimuli so are often used for modelling real-time systems.</a:t>
-            </a:r>
-          </a:p>
-          <a:p>
-            <a:r>
-              <a:rPr lang="en-GB" sz="2800" dirty="0"/>
-              <a:t>State machine models show system states as nodes and events as arcs between these nodes. When an event occurs, the system moves from one state to another</a:t>
-            </a:r>
-            <a:r>
-              <a:rPr lang="en-GB" sz="2800" dirty="0" smtClean="0"/>
-              <a:t>.</a:t>
-            </a:r>
-            <a:endParaRPr lang="en-GB" sz="2800" dirty="0"/>
-          </a:p>
-        </p:txBody>
-      </p:sp>
-      <p:sp>
-        <p:nvSpPr>
-          <p:cNvPr id="5" name="Footer Placeholder 4"/>
-          <p:cNvSpPr>
-            <a:spLocks noGrp="1"/>
-          </p:cNvSpPr>
-          <p:nvPr>
-            <p:ph type="ftr" sz="quarter" idx="11"/>
-          </p:nvPr>
-        </p:nvSpPr>
-        <p:spPr/>
-        <p:txBody>
-          <a:bodyPr/>
-          <a:lstStyle/>
-          <a:p>
-            <a:pPr>
-              <a:defRPr/>
-            </a:pPr>
-            <a:r>
-              <a:rPr lang="en-US" smtClean="0"/>
-              <a:t>Chapter 5 System modeling</a:t>
-            </a:r>
-            <a:endParaRPr lang="en-US"/>
-          </a:p>
-        </p:txBody>
-      </p:sp>
-      <p:sp>
-        <p:nvSpPr>
-          <p:cNvPr id="4" name="Slide Number Placeholder 3"/>
-          <p:cNvSpPr>
-            <a:spLocks noGrp="1"/>
-          </p:cNvSpPr>
-          <p:nvPr>
-            <p:ph type="sldNum" sz="quarter" idx="12"/>
-          </p:nvPr>
-        </p:nvSpPr>
-        <p:spPr/>
-        <p:txBody>
-          <a:bodyPr/>
-          <a:lstStyle/>
-          <a:p>
-            <a:pPr>
-              <a:defRPr/>
-            </a:pPr>
-            <a:fld id="{DEC9DA09-039A-A841-BA90-58CFCFBF8E01}" type="slidenum">
-              <a:rPr lang="en-US" smtClean="0"/>
-              <a:pPr>
-                <a:defRPr/>
-              </a:pPr>
-              <a:t>33</a:t>
-            </a:fld>
-            <a:endParaRPr lang="en-US"/>
-          </a:p>
-        </p:txBody>
-      </p:sp>
-    </p:spTree>
-  </p:cSld>
-  <p:clrMapOvr>
-    <a:masterClrMapping/>
-  </p:clrMapOvr>
-  <p:timing>
-    <p:tnLst>
-      <p:par>
-        <p:cTn id="1" dur="indefinite" restart="never" nodeType="tmRoot"/>
-      </p:par>
-    </p:tnLst>
-  </p:timing>
-</p:sld>
-</file>
-
-<file path=ppt/slides/slide34.xml><?xml version="1.0" encoding="utf-8"?>
-<p:sld xmlns:a="http://schemas.openxmlformats.org/drawingml/2006/main" xmlns:r="http://schemas.openxmlformats.org/officeDocument/2006/relationships" xmlns:p="http://schemas.openxmlformats.org/presentationml/2006/main">
-  <p:cSld>
-    <p:spTree>
-      <p:nvGrpSpPr>
-        <p:cNvPr id="1" name=""/>
-        <p:cNvGrpSpPr/>
-        <p:nvPr/>
-      </p:nvGrpSpPr>
-      <p:grpSpPr>
-        <a:xfrm>
-          <a:off x="0" y="0"/>
-          <a:ext cx="0" cy="0"/>
-          <a:chOff x="0" y="0"/>
-          <a:chExt cx="0" cy="0"/>
-        </a:xfrm>
-      </p:grpSpPr>
-      <p:sp>
-        <p:nvSpPr>
           <p:cNvPr id="29698" name="Title 1"/>
           <p:cNvSpPr>
             <a:spLocks noGrp="1"/>
@@ -11378,7 +11390,7 @@
               <a:pPr>
                 <a:defRPr/>
               </a:pPr>
-              <a:t>34</a:t>
+              <a:t>33</a:t>
             </a:fld>
             <a:endParaRPr lang="en-US"/>
           </a:p>
@@ -11423,7 +11435,7 @@
 </p:sld>
 </file>
 
-<file path=ppt/slides/slide35.xml><?xml version="1.0" encoding="utf-8"?>
+<file path=ppt/slides/slide34.xml><?xml version="1.0" encoding="utf-8"?>
 <p:sld xmlns:a="http://schemas.openxmlformats.org/drawingml/2006/main" xmlns:r="http://schemas.openxmlformats.org/officeDocument/2006/relationships" xmlns:p="http://schemas.openxmlformats.org/presentationml/2006/main">
   <p:cSld>
     <p:spTree>
@@ -11551,7 +11563,7 @@
               <a:pPr>
                 <a:defRPr/>
               </a:pPr>
-              <a:t>35</a:t>
+              <a:t>34</a:t>
             </a:fld>
             <a:endParaRPr lang="en-US"/>
           </a:p>
@@ -11577,6 +11589,122 @@
 </p:sld>
 </file>
 
+<file path=ppt/slides/slide35.xml><?xml version="1.0" encoding="utf-8"?>
+<p:sld xmlns:a="http://schemas.openxmlformats.org/drawingml/2006/main" xmlns:r="http://schemas.openxmlformats.org/officeDocument/2006/relationships" xmlns:p="http://schemas.openxmlformats.org/presentationml/2006/main">
+  <p:cSld>
+    <p:spTree>
+      <p:nvGrpSpPr>
+        <p:cNvPr id="1" name=""/>
+        <p:cNvGrpSpPr/>
+        <p:nvPr/>
+      </p:nvGrpSpPr>
+      <p:grpSpPr>
+        <a:xfrm>
+          <a:off x="0" y="0"/>
+          <a:ext cx="0" cy="0"/>
+          <a:chOff x="0" y="0"/>
+          <a:chExt cx="0" cy="0"/>
+        </a:xfrm>
+      </p:grpSpPr>
+      <p:sp>
+        <p:nvSpPr>
+          <p:cNvPr id="2" name="Title 1"/>
+          <p:cNvSpPr>
+            <a:spLocks noGrp="1"/>
+          </p:cNvSpPr>
+          <p:nvPr>
+            <p:ph type="title"/>
+          </p:nvPr>
+        </p:nvSpPr>
+        <p:spPr/>
+        <p:txBody>
+          <a:bodyPr/>
+          <a:lstStyle/>
+          <a:p>
+            <a:r>
+              <a:rPr lang="en-CA" dirty="0" smtClean="0">
+                <a:solidFill>
+                  <a:srgbClr val="FF0000"/>
+                </a:solidFill>
+              </a:rPr>
+              <a:t>Reading</a:t>
+            </a:r>
+            <a:endParaRPr lang="en-CA" dirty="0">
+              <a:solidFill>
+                <a:srgbClr val="FF0000"/>
+              </a:solidFill>
+            </a:endParaRPr>
+          </a:p>
+        </p:txBody>
+      </p:sp>
+      <p:sp>
+        <p:nvSpPr>
+          <p:cNvPr id="3" name="Footer Placeholder 2"/>
+          <p:cNvSpPr>
+            <a:spLocks noGrp="1"/>
+          </p:cNvSpPr>
+          <p:nvPr>
+            <p:ph type="ftr" sz="quarter" idx="11"/>
+          </p:nvPr>
+        </p:nvSpPr>
+        <p:spPr/>
+        <p:txBody>
+          <a:bodyPr/>
+          <a:lstStyle/>
+          <a:p>
+            <a:pPr>
+              <a:defRPr/>
+            </a:pPr>
+            <a:r>
+              <a:rPr lang="en-US" smtClean="0"/>
+              <a:t>Chapter 5 System modeling</a:t>
+            </a:r>
+            <a:endParaRPr lang="en-US"/>
+          </a:p>
+        </p:txBody>
+      </p:sp>
+      <p:sp>
+        <p:nvSpPr>
+          <p:cNvPr id="4" name="Slide Number Placeholder 3"/>
+          <p:cNvSpPr>
+            <a:spLocks noGrp="1"/>
+          </p:cNvSpPr>
+          <p:nvPr>
+            <p:ph type="sldNum" sz="quarter" idx="12"/>
+          </p:nvPr>
+        </p:nvSpPr>
+        <p:spPr/>
+        <p:txBody>
+          <a:bodyPr/>
+          <a:lstStyle/>
+          <a:p>
+            <a:pPr>
+              <a:defRPr/>
+            </a:pPr>
+            <a:fld id="{964AD586-7C25-0244-A129-E014CC0A164A}" type="slidenum">
+              <a:rPr lang="en-US" smtClean="0"/>
+              <a:pPr>
+                <a:defRPr/>
+              </a:pPr>
+              <a:t>35</a:t>
+            </a:fld>
+            <a:endParaRPr lang="en-US"/>
+          </a:p>
+        </p:txBody>
+      </p:sp>
+    </p:spTree>
+    <p:extLst>
+      <p:ext uri="{BB962C8B-B14F-4D97-AF65-F5344CB8AC3E}">
+        <p14:creationId xmlns:p14="http://schemas.microsoft.com/office/powerpoint/2010/main" val="4045300314"/>
+      </p:ext>
+    </p:extLst>
+  </p:cSld>
+  <p:clrMapOvr>
+    <a:masterClrMapping/>
+  </p:clrMapOvr>
+</p:sld>
+</file>
+
 <file path=ppt/slides/slide36.xml><?xml version="1.0" encoding="utf-8"?>
 <p:sld xmlns:a="http://schemas.openxmlformats.org/drawingml/2006/main" xmlns:r="http://schemas.openxmlformats.org/officeDocument/2006/relationships" xmlns:p="http://schemas.openxmlformats.org/presentationml/2006/main">
   <p:cSld>
@@ -11610,18 +11738,51 @@
           <a:lstStyle/>
           <a:p>
             <a:r>
-              <a:rPr lang="en-CA" dirty="0" smtClean="0">
-                <a:solidFill>
-                  <a:srgbClr val="FF0000"/>
-                </a:solidFill>
-              </a:rPr>
-              <a:t>Reading</a:t>
-            </a:r>
-            <a:endParaRPr lang="en-CA" dirty="0">
-              <a:solidFill>
-                <a:srgbClr val="FF0000"/>
-              </a:solidFill>
-            </a:endParaRPr>
+              <a:rPr lang="en-US" dirty="0" smtClean="0"/>
+              <a:t>Model-driven engineering</a:t>
+            </a:r>
+            <a:endParaRPr lang="en-US" dirty="0"/>
+          </a:p>
+        </p:txBody>
+      </p:sp>
+      <p:sp>
+        <p:nvSpPr>
+          <p:cNvPr id="5" name="Content Placeholder 4"/>
+          <p:cNvSpPr>
+            <a:spLocks noGrp="1"/>
+          </p:cNvSpPr>
+          <p:nvPr>
+            <p:ph idx="1"/>
+          </p:nvPr>
+        </p:nvSpPr>
+        <p:spPr/>
+        <p:txBody>
+          <a:bodyPr>
+            <a:normAutofit fontScale="77500" lnSpcReduction="20000"/>
+          </a:bodyPr>
+          <a:lstStyle/>
+          <a:p>
+            <a:r>
+              <a:rPr lang="en-US" dirty="0" smtClean="0"/>
+              <a:t>Model-driven engineering (MDE) is an approach to software development where models rather than programs are the principal outputs of the development process. </a:t>
+            </a:r>
+          </a:p>
+          <a:p>
+            <a:r>
+              <a:rPr lang="en-US" dirty="0" smtClean="0"/>
+              <a:t>The programs that execute on a hardware/software platform are then generated automatically from the models. </a:t>
+            </a:r>
+          </a:p>
+          <a:p>
+            <a:r>
+              <a:rPr lang="en-US" dirty="0" smtClean="0"/>
+              <a:t>Proponents of MDE argue that this raises the level of abstraction in software engineering so that engineers no longer have to be concerned with programming language details or the specifics of execution platforms.</a:t>
+            </a:r>
+            <a:r>
+              <a:rPr lang="en-GB" dirty="0" smtClean="0"/>
+              <a:t> </a:t>
+            </a:r>
+            <a:endParaRPr lang="en-US" dirty="0"/>
           </a:p>
         </p:txBody>
       </p:sp>
@@ -11681,15 +11842,17 @@
         </p:txBody>
       </p:sp>
     </p:spTree>
-    <p:extLst>
-      <p:ext uri="{BB962C8B-B14F-4D97-AF65-F5344CB8AC3E}">
-        <p14:creationId xmlns:p14="http://schemas.microsoft.com/office/powerpoint/2010/main" val="4045300314"/>
-      </p:ext>
-    </p:extLst>
   </p:cSld>
   <p:clrMapOvr>
     <a:masterClrMapping/>
   </p:clrMapOvr>
+  <p:timing>
+    <p:tnLst>
+      <p:par>
+        <p:cTn id="1" dur="indefinite" restart="never" nodeType="tmRoot"/>
+      </p:par>
+    </p:tnLst>
+  </p:timing>
 </p:sld>
 </file>
 
@@ -11722,12 +11885,14 @@
         </p:nvSpPr>
         <p:spPr/>
         <p:txBody>
-          <a:bodyPr/>
+          <a:bodyPr>
+            <a:normAutofit fontScale="90000"/>
+          </a:bodyPr>
           <a:lstStyle/>
           <a:p>
             <a:r>
               <a:rPr lang="en-US" dirty="0" smtClean="0"/>
-              <a:t>Model-driven engineering</a:t>
+              <a:t>Usage of model-driven engineering</a:t>
             </a:r>
             <a:endParaRPr lang="en-US" dirty="0"/>
           </a:p>
@@ -11735,7 +11900,7 @@
       </p:sp>
       <p:sp>
         <p:nvSpPr>
-          <p:cNvPr id="5" name="Content Placeholder 4"/>
+          <p:cNvPr id="3" name="Content Placeholder 2"/>
           <p:cNvSpPr>
             <a:spLocks noGrp="1"/>
           </p:cNvSpPr>
@@ -11746,37 +11911,65 @@
         <p:spPr/>
         <p:txBody>
           <a:bodyPr>
-            <a:normAutofit fontScale="77500" lnSpcReduction="20000"/>
+            <a:normAutofit fontScale="70000" lnSpcReduction="20000"/>
           </a:bodyPr>
           <a:lstStyle/>
           <a:p>
             <a:r>
               <a:rPr lang="en-US" dirty="0" smtClean="0"/>
-              <a:t>Model-driven engineering (MDE) is an approach to software development where models rather than programs are the principal outputs of the development process. </a:t>
-            </a:r>
-          </a:p>
-          <a:p>
-            <a:r>
-              <a:rPr lang="en-US" dirty="0" smtClean="0"/>
-              <a:t>The programs that execute on a hardware/software platform are then generated automatically from the models. </a:t>
-            </a:r>
-          </a:p>
-          <a:p>
-            <a:r>
-              <a:rPr lang="en-US" dirty="0" smtClean="0"/>
-              <a:t>Proponents of MDE argue that this raises the level of abstraction in software engineering so that engineers no longer have to be concerned with programming language details or the specifics of execution platforms.</a:t>
+              <a:t>Model-driven engineering is still at an early stage of development, and it is unclear whether or not it will have a significant effect on software engineering practice.</a:t>
             </a:r>
             <a:r>
               <a:rPr lang="en-GB" dirty="0" smtClean="0"/>
               <a:t> </a:t>
             </a:r>
+          </a:p>
+          <a:p>
+            <a:r>
+              <a:rPr lang="en-GB" dirty="0" smtClean="0"/>
+              <a:t>Pros</a:t>
+            </a:r>
+          </a:p>
+          <a:p>
+            <a:pPr lvl="1"/>
+            <a:r>
+              <a:rPr lang="en-GB" dirty="0" smtClean="0"/>
+              <a:t>Allows systems to be considered at higher levels of abstraction</a:t>
+            </a:r>
+          </a:p>
+          <a:p>
+            <a:pPr lvl="1"/>
+            <a:r>
+              <a:rPr lang="en-GB" dirty="0" smtClean="0"/>
+              <a:t>Generating code automatically means that it is cheaper to adapt systems to new platforms.</a:t>
+            </a:r>
+          </a:p>
+          <a:p>
+            <a:r>
+              <a:rPr lang="en-GB" dirty="0" smtClean="0"/>
+              <a:t>Cons</a:t>
+            </a:r>
+          </a:p>
+          <a:p>
+            <a:pPr lvl="1"/>
+            <a:r>
+              <a:rPr lang="en-GB" dirty="0" smtClean="0"/>
+              <a:t>Models for abstraction and not necessarily right for implementation.</a:t>
+            </a:r>
+          </a:p>
+          <a:p>
+            <a:pPr lvl="1"/>
+            <a:r>
+              <a:rPr lang="en-GB" dirty="0" smtClean="0"/>
+              <a:t>Savings from generating code may be outweighed by the costs of developing translators for new platforms.</a:t>
+            </a:r>
             <a:endParaRPr lang="en-US" dirty="0"/>
           </a:p>
         </p:txBody>
       </p:sp>
       <p:sp>
         <p:nvSpPr>
-          <p:cNvPr id="3" name="Footer Placeholder 2"/>
+          <p:cNvPr id="4" name="Footer Placeholder 3"/>
           <p:cNvSpPr>
             <a:spLocks noGrp="1"/>
           </p:cNvSpPr>
@@ -11802,7 +11995,7 @@
       </p:sp>
       <p:sp>
         <p:nvSpPr>
-          <p:cNvPr id="4" name="Slide Number Placeholder 3"/>
+          <p:cNvPr id="5" name="Slide Number Placeholder 4"/>
           <p:cNvSpPr>
             <a:spLocks noGrp="1"/>
           </p:cNvSpPr>
@@ -11818,7 +12011,7 @@
             <a:pPr>
               <a:defRPr/>
             </a:pPr>
-            <a:fld id="{964AD586-7C25-0244-A129-E014CC0A164A}" type="slidenum">
+            <a:fld id="{DEC9DA09-039A-A841-BA90-58CFCFBF8E01}" type="slidenum">
               <a:rPr lang="en-US" smtClean="0"/>
               <a:pPr>
                 <a:defRPr/>
@@ -11880,7 +12073,7 @@
           <a:p>
             <a:r>
               <a:rPr lang="en-US" dirty="0" smtClean="0"/>
-              <a:t>Usage of model-driven engineering</a:t>
+              <a:t>Model driven architecture</a:t>
             </a:r>
             <a:endParaRPr lang="en-US" dirty="0"/>
           </a:p>
@@ -11888,7 +12081,7 @@
       </p:sp>
       <p:sp>
         <p:nvSpPr>
-          <p:cNvPr id="3" name="Content Placeholder 2"/>
+          <p:cNvPr id="5" name="Content Placeholder 4"/>
           <p:cNvSpPr>
             <a:spLocks noGrp="1"/>
           </p:cNvSpPr>
@@ -11899,58 +12092,30 @@
         <p:spPr/>
         <p:txBody>
           <a:bodyPr>
-            <a:normAutofit fontScale="70000" lnSpcReduction="20000"/>
+            <a:normAutofit fontScale="85000" lnSpcReduction="20000"/>
           </a:bodyPr>
           <a:lstStyle/>
           <a:p>
             <a:r>
               <a:rPr lang="en-US" dirty="0" smtClean="0"/>
-              <a:t>Model-driven engineering is still at an early stage of development, and it is unclear whether or not it will have a significant effect on software engineering practice.</a:t>
+              <a:t>Model-driven architecture (MDA) was the precursor of more general model-driven engineering</a:t>
+            </a:r>
+          </a:p>
+          <a:p>
+            <a:r>
+              <a:rPr lang="en-US" dirty="0" smtClean="0"/>
+              <a:t>MDA is a model-focused approach to software design and implementation that uses a subset of UML models to describe a system. </a:t>
+            </a:r>
+          </a:p>
+          <a:p>
+            <a:r>
+              <a:rPr lang="en-US" dirty="0" smtClean="0"/>
+              <a:t>Models at different levels of abstraction are created. From a high-level, platform independent model, it is possible, in principle, to generate a working program without manual intervention.</a:t>
             </a:r>
             <a:r>
               <a:rPr lang="en-GB" dirty="0" smtClean="0"/>
               <a:t> </a:t>
             </a:r>
-          </a:p>
-          <a:p>
-            <a:r>
-              <a:rPr lang="en-GB" dirty="0" smtClean="0"/>
-              <a:t>Pros</a:t>
-            </a:r>
-          </a:p>
-          <a:p>
-            <a:pPr lvl="1"/>
-            <a:r>
-              <a:rPr lang="en-GB" dirty="0" smtClean="0"/>
-              <a:t>Allows systems to be considered at higher levels of abstraction</a:t>
-            </a:r>
-          </a:p>
-          <a:p>
-            <a:pPr lvl="1"/>
-            <a:r>
-              <a:rPr lang="en-GB" dirty="0" smtClean="0"/>
-              <a:t>Generating code automatically means that it is cheaper to adapt systems to new platforms.</a:t>
-            </a:r>
-          </a:p>
-          <a:p>
-            <a:r>
-              <a:rPr lang="en-GB" dirty="0" smtClean="0"/>
-              <a:t>Cons</a:t>
-            </a:r>
-          </a:p>
-          <a:p>
-            <a:pPr lvl="1"/>
-            <a:r>
-              <a:rPr lang="en-GB" dirty="0" smtClean="0"/>
-              <a:t>Models for abstraction and not necessarily right for implementation.</a:t>
-            </a:r>
-          </a:p>
-          <a:p>
-            <a:pPr lvl="1"/>
-            <a:r>
-              <a:rPr lang="en-GB" dirty="0" smtClean="0"/>
-              <a:t>Savings from generating code may be outweighed by the costs of developing translators for new platforms.</a:t>
-            </a:r>
             <a:endParaRPr lang="en-US" dirty="0"/>
           </a:p>
         </p:txBody>
@@ -11983,7 +12148,7 @@
       </p:sp>
       <p:sp>
         <p:nvSpPr>
-          <p:cNvPr id="5" name="Slide Number Placeholder 4"/>
+          <p:cNvPr id="3" name="Slide Number Placeholder 2"/>
           <p:cNvSpPr>
             <a:spLocks noGrp="1"/>
           </p:cNvSpPr>
@@ -11999,7 +12164,7 @@
             <a:pPr>
               <a:defRPr/>
             </a:pPr>
-            <a:fld id="{DEC9DA09-039A-A841-BA90-58CFCFBF8E01}" type="slidenum">
+            <a:fld id="{964AD586-7C25-0244-A129-E014CC0A164A}" type="slidenum">
               <a:rPr lang="en-US" smtClean="0"/>
               <a:pPr>
                 <a:defRPr/>
@@ -12054,14 +12219,91 @@
         </p:nvSpPr>
         <p:spPr/>
         <p:txBody>
+          <a:bodyPr/>
+          <a:lstStyle/>
+          <a:p>
+            <a:r>
+              <a:rPr lang="en-US" dirty="0" smtClean="0"/>
+              <a:t>Types of model</a:t>
+            </a:r>
+            <a:endParaRPr lang="en-US" dirty="0"/>
+          </a:p>
+        </p:txBody>
+      </p:sp>
+      <p:sp>
+        <p:nvSpPr>
+          <p:cNvPr id="3" name="Content Placeholder 2"/>
+          <p:cNvSpPr>
+            <a:spLocks noGrp="1"/>
+          </p:cNvSpPr>
+          <p:nvPr>
+            <p:ph idx="1"/>
+          </p:nvPr>
+        </p:nvSpPr>
+        <p:spPr>
+          <a:xfrm>
+            <a:off x="457200" y="1536700"/>
+            <a:ext cx="8229600" cy="4525963"/>
+          </a:xfrm>
+        </p:spPr>
+        <p:txBody>
           <a:bodyPr>
-            <a:normAutofit fontScale="90000"/>
+            <a:normAutofit fontScale="70000" lnSpcReduction="20000"/>
           </a:bodyPr>
           <a:lstStyle/>
           <a:p>
             <a:r>
               <a:rPr lang="en-US" dirty="0" smtClean="0"/>
-              <a:t>Model driven architecture</a:t>
+              <a:t>A computation independent model (CIM) </a:t>
+            </a:r>
+          </a:p>
+          <a:p>
+            <a:pPr lvl="1"/>
+            <a:r>
+              <a:rPr lang="en-US" dirty="0" smtClean="0"/>
+              <a:t>These model the important domain abstractions used in a system. </a:t>
+            </a:r>
+            <a:r>
+              <a:rPr lang="en-US" dirty="0" err="1" smtClean="0"/>
+              <a:t>CIMs</a:t>
+            </a:r>
+            <a:r>
+              <a:rPr lang="en-US" dirty="0" smtClean="0"/>
+              <a:t> are sometimes called domain models. </a:t>
+            </a:r>
+          </a:p>
+          <a:p>
+            <a:r>
+              <a:rPr lang="en-US" dirty="0" smtClean="0"/>
+              <a:t>A platform independent model (PIM) </a:t>
+            </a:r>
+          </a:p>
+          <a:p>
+            <a:pPr lvl="1"/>
+            <a:r>
+              <a:rPr lang="en-US" dirty="0" smtClean="0"/>
+              <a:t>These model the operation of the system without reference to its implementation. The PIM is usually described using UML models that show the static system structure and how it responds to external and internal events.</a:t>
+            </a:r>
+          </a:p>
+          <a:p>
+            <a:r>
+              <a:rPr lang="en-US" i="1" dirty="0" smtClean="0"/>
+              <a:t>Platform specific models (PSM)</a:t>
+            </a:r>
+            <a:r>
+              <a:rPr lang="en-US" dirty="0" smtClean="0"/>
+              <a:t> </a:t>
+            </a:r>
+          </a:p>
+          <a:p>
+            <a:pPr lvl="1"/>
+            <a:r>
+              <a:rPr lang="en-US" dirty="0" smtClean="0"/>
+              <a:t>These are transformations of the platform-independent model with a separate PSM for each application platform. In principle, there may be layers of PSM, with each layer adding some platform-specific detail.</a:t>
+            </a:r>
+            <a:r>
+              <a:rPr lang="en-GB" dirty="0" smtClean="0"/>
+              <a:t>  </a:t>
             </a:r>
             <a:endParaRPr lang="en-US" dirty="0"/>
           </a:p>
@@ -12069,47 +12311,6 @@
       </p:sp>
       <p:sp>
         <p:nvSpPr>
-          <p:cNvPr id="5" name="Content Placeholder 4"/>
-          <p:cNvSpPr>
-            <a:spLocks noGrp="1"/>
-          </p:cNvSpPr>
-          <p:nvPr>
-            <p:ph idx="1"/>
-          </p:nvPr>
-        </p:nvSpPr>
-        <p:spPr/>
-        <p:txBody>
-          <a:bodyPr>
-            <a:normAutofit fontScale="85000" lnSpcReduction="20000"/>
-          </a:bodyPr>
-          <a:lstStyle/>
-          <a:p>
-            <a:r>
-              <a:rPr lang="en-US" dirty="0" smtClean="0"/>
-              <a:t>Model-driven architecture (MDA) was the precursor of more general model-driven engineering</a:t>
-            </a:r>
-          </a:p>
-          <a:p>
-            <a:r>
-              <a:rPr lang="en-US" dirty="0" smtClean="0"/>
-              <a:t>MDA is a model-focused approach to software design and implementation that uses a subset of UML models to describe a system. </a:t>
-            </a:r>
-          </a:p>
-          <a:p>
-            <a:r>
-              <a:rPr lang="en-US" dirty="0" smtClean="0"/>
-              <a:t>Models at different levels of abstraction are created. From a high-level, platform independent model, it is possible, in principle, to generate a working program without manual intervention.</a:t>
-            </a:r>
-            <a:r>
-              <a:rPr lang="en-GB" dirty="0" smtClean="0"/>
-              <a:t> </a:t>
-            </a:r>
-            <a:endParaRPr lang="en-US" dirty="0"/>
-          </a:p>
-        </p:txBody>
-      </p:sp>
-      <p:sp>
-        <p:nvSpPr>
           <p:cNvPr id="4" name="Footer Placeholder 3"/>
           <p:cNvSpPr>
             <a:spLocks noGrp="1"/>
@@ -12136,7 +12337,7 @@
       </p:sp>
       <p:sp>
         <p:nvSpPr>
-          <p:cNvPr id="3" name="Slide Number Placeholder 2"/>
+          <p:cNvPr id="5" name="Slide Number Placeholder 4"/>
           <p:cNvSpPr>
             <a:spLocks noGrp="1"/>
           </p:cNvSpPr>
@@ -12152,7 +12353,7 @@
             <a:pPr>
               <a:defRPr/>
             </a:pPr>
-            <a:fld id="{964AD586-7C25-0244-A129-E014CC0A164A}" type="slidenum">
+            <a:fld id="{DEC9DA09-039A-A841-BA90-58CFCFBF8E01}" type="slidenum">
               <a:rPr lang="en-US" smtClean="0"/>
               <a:pPr>
                 <a:defRPr/>
@@ -12212,7 +12413,7 @@
           <a:p>
             <a:r>
               <a:rPr lang="en-US" dirty="0" smtClean="0"/>
-              <a:t>System modeling</a:t>
+              <a:t>UML diagram types</a:t>
             </a:r>
             <a:endParaRPr lang="en-US" dirty="0"/>
           </a:p>
@@ -12275,30 +12476,18 @@
       </p:sp>
       <p:sp>
         <p:nvSpPr>
-          <p:cNvPr id="12" name="Rectangle 11"/>
+          <p:cNvPr id="7" name="Rounded Rectangle 6"/>
           <p:cNvSpPr/>
           <p:nvPr/>
         </p:nvSpPr>
         <p:spPr>
           <a:xfrm>
-            <a:off x="510989" y="2200523"/>
-            <a:ext cx="2330824" cy="3173505"/>
+            <a:off x="851646" y="2205318"/>
+            <a:ext cx="2357719" cy="1712258"/>
           </a:xfrm>
-          <a:prstGeom prst="rect">
+          <a:prstGeom prst="roundRect">
             <a:avLst/>
           </a:prstGeom>
-          <a:solidFill>
-            <a:schemeClr val="accent1">
-              <a:lumMod val="75000"/>
-            </a:schemeClr>
-          </a:solidFill>
-          <a:effectLst>
-            <a:outerShdw blurRad="50800" dist="38100" algn="l" rotWithShape="0">
-              <a:prstClr val="black">
-                <a:alpha val="40000"/>
-              </a:prstClr>
-            </a:outerShdw>
-          </a:effectLst>
         </p:spPr>
         <p:style>
           <a:lnRef idx="2">
@@ -12322,42 +12511,39 @@
           <a:p>
             <a:pPr algn="ctr"/>
             <a:r>
+              <a:rPr lang="en-US" b="1" dirty="0">
+                <a:solidFill>
+                  <a:srgbClr val="FFFF00"/>
+                </a:solidFill>
+              </a:rPr>
+              <a:t>Activity diagrams</a:t>
+            </a:r>
+            <a:r>
               <a:rPr lang="en-US" dirty="0"/>
-              <a:t>System modeling is the process of developing abstract models of a system, with each model presenting a different view or perspective of that system. </a:t>
-            </a:r>
-          </a:p>
-          <a:p>
-            <a:pPr algn="ctr"/>
-            <a:endParaRPr lang="en-CA" dirty="0"/>
-          </a:p>
-        </p:txBody>
-      </p:sp>
-      <p:sp>
-        <p:nvSpPr>
-          <p:cNvPr id="13" name="Rectangle 12"/>
+              <a:t>, which show the activities involved in a process or in data processing </a:t>
+            </a:r>
+            <a:r>
+              <a:rPr lang="en-US" dirty="0" smtClean="0"/>
+              <a:t>.</a:t>
+            </a:r>
+            <a:endParaRPr lang="en-GB" dirty="0"/>
+          </a:p>
+        </p:txBody>
+      </p:sp>
+      <p:sp>
+        <p:nvSpPr>
+          <p:cNvPr id="8" name="Rounded Rectangle 7"/>
           <p:cNvSpPr/>
           <p:nvPr/>
         </p:nvSpPr>
         <p:spPr>
           <a:xfrm>
-            <a:off x="3146615" y="2200523"/>
-            <a:ext cx="2330824" cy="3173505"/>
+            <a:off x="3523128" y="2205318"/>
+            <a:ext cx="2366684" cy="1712258"/>
           </a:xfrm>
-          <a:prstGeom prst="rect">
+          <a:prstGeom prst="roundRect">
             <a:avLst/>
           </a:prstGeom>
-          <a:solidFill>
-            <a:schemeClr val="accent1">
-              <a:lumMod val="75000"/>
-            </a:schemeClr>
-          </a:solidFill>
-          <a:effectLst>
-            <a:outerShdw blurRad="50800" dist="38100" algn="l" rotWithShape="0">
-              <a:prstClr val="black">
-                <a:alpha val="40000"/>
-              </a:prstClr>
-            </a:outerShdw>
-          </a:effectLst>
         </p:spPr>
         <p:style>
           <a:lnRef idx="2">
@@ -12381,38 +12567,35 @@
           <a:p>
             <a:pPr algn="ctr"/>
             <a:r>
+              <a:rPr lang="en-US" b="1" dirty="0">
+                <a:solidFill>
+                  <a:srgbClr val="FFFF00"/>
+                </a:solidFill>
+              </a:rPr>
+              <a:t>Use case diagrams</a:t>
+            </a:r>
+            <a:r>
               <a:rPr lang="en-US" dirty="0"/>
-              <a:t>System modeling has now come to mean representing a system using some kind of graphical notation, which is now almost always based on notations in the Unified Modeling Language (UML). </a:t>
-            </a:r>
-          </a:p>
-        </p:txBody>
-      </p:sp>
-      <p:sp>
-        <p:nvSpPr>
-          <p:cNvPr id="14" name="Rectangle 13"/>
+              <a:t>, which show the interactions between a system and its environment. </a:t>
+            </a:r>
+            <a:endParaRPr lang="en-GB" dirty="0"/>
+          </a:p>
+        </p:txBody>
+      </p:sp>
+      <p:sp>
+        <p:nvSpPr>
+          <p:cNvPr id="9" name="Rounded Rectangle 8"/>
           <p:cNvSpPr/>
           <p:nvPr/>
         </p:nvSpPr>
         <p:spPr>
           <a:xfrm>
-            <a:off x="5871886" y="2200523"/>
-            <a:ext cx="2330824" cy="3173505"/>
+            <a:off x="6248399" y="2205318"/>
+            <a:ext cx="2501154" cy="1712258"/>
           </a:xfrm>
-          <a:prstGeom prst="rect">
+          <a:prstGeom prst="roundRect">
             <a:avLst/>
           </a:prstGeom>
-          <a:solidFill>
-            <a:schemeClr val="accent1">
-              <a:lumMod val="75000"/>
-            </a:schemeClr>
-          </a:solidFill>
-          <a:effectLst>
-            <a:outerShdw blurRad="50800" dist="38100" algn="l" rotWithShape="0">
-              <a:prstClr val="black">
-                <a:alpha val="40000"/>
-              </a:prstClr>
-            </a:outerShdw>
-          </a:effectLst>
         </p:spPr>
         <p:style>
           <a:lnRef idx="2">
@@ -12436,9 +12619,122 @@
           <a:p>
             <a:pPr algn="ctr"/>
             <a:r>
-              <a:rPr lang="en-GB" dirty="0"/>
-              <a:t>System modelling helps the analyst to understand the functionality of the system and models are used to communicate with customers.</a:t>
-            </a:r>
+              <a:rPr lang="en-US" b="1" dirty="0">
+                <a:solidFill>
+                  <a:srgbClr val="FFFF00"/>
+                </a:solidFill>
+              </a:rPr>
+              <a:t>Sequence diagrams</a:t>
+            </a:r>
+            <a:r>
+              <a:rPr lang="en-US" dirty="0"/>
+              <a:t>, which show interactions between actors and the system and between system components.</a:t>
+            </a:r>
+            <a:endParaRPr lang="en-GB" dirty="0"/>
+          </a:p>
+        </p:txBody>
+      </p:sp>
+      <p:sp>
+        <p:nvSpPr>
+          <p:cNvPr id="10" name="Rounded Rectangle 9"/>
+          <p:cNvSpPr/>
+          <p:nvPr/>
+        </p:nvSpPr>
+        <p:spPr>
+          <a:xfrm>
+            <a:off x="1918446" y="4177553"/>
+            <a:ext cx="2537013" cy="1712258"/>
+          </a:xfrm>
+          <a:prstGeom prst="roundRect">
+            <a:avLst/>
+          </a:prstGeom>
+        </p:spPr>
+        <p:style>
+          <a:lnRef idx="2">
+            <a:schemeClr val="accent1">
+              <a:shade val="50000"/>
+            </a:schemeClr>
+          </a:lnRef>
+          <a:fillRef idx="1">
+            <a:schemeClr val="accent1"/>
+          </a:fillRef>
+          <a:effectRef idx="0">
+            <a:schemeClr val="accent1"/>
+          </a:effectRef>
+          <a:fontRef idx="minor">
+            <a:schemeClr val="lt1"/>
+          </a:fontRef>
+        </p:style>
+        <p:txBody>
+          <a:bodyPr rtlCol="0" anchor="ctr"/>
+          <a:lstStyle/>
+          <a:p>
+            <a:pPr algn="ctr"/>
+            <a:r>
+              <a:rPr lang="en-US" b="1" dirty="0">
+                <a:solidFill>
+                  <a:srgbClr val="FFFF00"/>
+                </a:solidFill>
+              </a:rPr>
+              <a:t>Class diagrams</a:t>
+            </a:r>
+            <a:r>
+              <a:rPr lang="en-US" dirty="0"/>
+              <a:t>, which show the object classes in the system and the associations between these classes.</a:t>
+            </a:r>
+            <a:endParaRPr lang="en-GB" dirty="0"/>
+          </a:p>
+        </p:txBody>
+      </p:sp>
+      <p:sp>
+        <p:nvSpPr>
+          <p:cNvPr id="11" name="Rounded Rectangle 10"/>
+          <p:cNvSpPr/>
+          <p:nvPr/>
+        </p:nvSpPr>
+        <p:spPr>
+          <a:xfrm>
+            <a:off x="4846543" y="4177553"/>
+            <a:ext cx="2537013" cy="1712258"/>
+          </a:xfrm>
+          <a:prstGeom prst="roundRect">
+            <a:avLst/>
+          </a:prstGeom>
+        </p:spPr>
+        <p:style>
+          <a:lnRef idx="2">
+            <a:schemeClr val="accent1">
+              <a:shade val="50000"/>
+            </a:schemeClr>
+          </a:lnRef>
+          <a:fillRef idx="1">
+            <a:schemeClr val="accent1"/>
+          </a:fillRef>
+          <a:effectRef idx="0">
+            <a:schemeClr val="accent1"/>
+          </a:effectRef>
+          <a:fontRef idx="minor">
+            <a:schemeClr val="lt1"/>
+          </a:fontRef>
+        </p:style>
+        <p:txBody>
+          <a:bodyPr rtlCol="0" anchor="ctr"/>
+          <a:lstStyle/>
+          <a:p>
+            <a:pPr algn="ctr"/>
+            <a:r>
+              <a:rPr lang="en-US" b="1" dirty="0">
+                <a:solidFill>
+                  <a:srgbClr val="FFFF00"/>
+                </a:solidFill>
+              </a:rPr>
+              <a:t>State diagrams</a:t>
+            </a:r>
+            <a:r>
+              <a:rPr lang="en-US" dirty="0"/>
+              <a:t>, which show how the system reacts to internal and external events. </a:t>
+            </a:r>
+            <a:endParaRPr lang="en-GB" dirty="0"/>
           </a:p>
         </p:txBody>
       </p:sp>
@@ -12476,7 +12772,7 @@
       </p:grpSpPr>
       <p:sp>
         <p:nvSpPr>
-          <p:cNvPr id="2" name="Title 1"/>
+          <p:cNvPr id="33794" name="Title 1"/>
           <p:cNvSpPr>
             <a:spLocks noGrp="1"/>
           </p:cNvSpPr>
@@ -12489,96 +12785,17 @@
           <a:bodyPr/>
           <a:lstStyle/>
           <a:p>
+            <a:pPr algn="ctr"/>
             <a:r>
               <a:rPr lang="en-US" dirty="0" smtClean="0"/>
-              <a:t>Types of model</a:t>
-            </a:r>
-            <a:endParaRPr lang="en-US" dirty="0"/>
-          </a:p>
-        </p:txBody>
-      </p:sp>
-      <p:sp>
-        <p:nvSpPr>
-          <p:cNvPr id="3" name="Content Placeholder 2"/>
-          <p:cNvSpPr>
-            <a:spLocks noGrp="1"/>
-          </p:cNvSpPr>
-          <p:nvPr>
-            <p:ph idx="1"/>
-          </p:nvPr>
-        </p:nvSpPr>
-        <p:spPr>
-          <a:xfrm>
-            <a:off x="457200" y="1536700"/>
-            <a:ext cx="8229600" cy="4525963"/>
-          </a:xfrm>
-        </p:spPr>
-        <p:txBody>
-          <a:bodyPr>
-            <a:normAutofit fontScale="70000" lnSpcReduction="20000"/>
-          </a:bodyPr>
-          <a:lstStyle/>
-          <a:p>
-            <a:r>
-              <a:rPr lang="en-US" dirty="0" smtClean="0"/>
-              <a:t>A computation independent model (CIM) </a:t>
-            </a:r>
-          </a:p>
-          <a:p>
-            <a:pPr lvl="1"/>
-            <a:r>
-              <a:rPr lang="en-US" dirty="0" smtClean="0"/>
-              <a:t>These model the important domain abstractions used in a system. </a:t>
-            </a:r>
-            <a:r>
-              <a:rPr lang="en-US" dirty="0" err="1" smtClean="0"/>
-              <a:t>CIMs</a:t>
-            </a:r>
-            <a:r>
-              <a:rPr lang="en-US" dirty="0" smtClean="0"/>
-              <a:t> are sometimes called domain models. </a:t>
-            </a:r>
-          </a:p>
-          <a:p>
-            <a:r>
-              <a:rPr lang="en-US" dirty="0" smtClean="0"/>
-              <a:t>A platform independent model (PIM) </a:t>
-            </a:r>
-          </a:p>
-          <a:p>
-            <a:pPr lvl="1"/>
-            <a:r>
-              <a:rPr lang="en-US" dirty="0" smtClean="0"/>
-              <a:t>These model the operation of the system without reference to its implementation. The PIM is usually described using UML models that show the static system structure and how it responds to external and internal events.</a:t>
-            </a:r>
-          </a:p>
-          <a:p>
-            <a:r>
-              <a:rPr lang="en-US" i="1" dirty="0" smtClean="0"/>
-              <a:t>Platform specific models (PSM)</a:t>
-            </a:r>
-            <a:r>
-              <a:rPr lang="en-US" dirty="0" smtClean="0"/>
-              <a:t> </a:t>
-            </a:r>
-          </a:p>
-          <a:p>
-            <a:pPr lvl="1"/>
-            <a:r>
-              <a:rPr lang="en-US" dirty="0" smtClean="0"/>
-              <a:t>These are transformations of the platform-independent model with a separate PSM for each application platform. In principle, there may be layers of PSM, with each layer adding some platform-specific detail.</a:t>
-            </a:r>
-            <a:r>
-              <a:rPr lang="en-GB" dirty="0" smtClean="0"/>
-              <a:t>  </a:t>
-            </a:r>
-            <a:endParaRPr lang="en-US" dirty="0"/>
-          </a:p>
-        </p:txBody>
-      </p:sp>
-      <p:sp>
-        <p:nvSpPr>
-          <p:cNvPr id="4" name="Footer Placeholder 3"/>
+              <a:t>MDA transformations</a:t>
+            </a:r>
+          </a:p>
+        </p:txBody>
+      </p:sp>
+      <p:sp>
+        <p:nvSpPr>
+          <p:cNvPr id="6" name="Footer Placeholder 5"/>
           <p:cNvSpPr>
             <a:spLocks noGrp="1"/>
           </p:cNvSpPr>
@@ -12620,122 +12837,12 @@
             <a:pPr>
               <a:defRPr/>
             </a:pPr>
-            <a:fld id="{DEC9DA09-039A-A841-BA90-58CFCFBF8E01}" type="slidenum">
+            <a:fld id="{964AD586-7C25-0244-A129-E014CC0A164A}" type="slidenum">
               <a:rPr lang="en-US" smtClean="0"/>
               <a:pPr>
                 <a:defRPr/>
               </a:pPr>
               <a:t>40</a:t>
-            </a:fld>
-            <a:endParaRPr lang="en-US"/>
-          </a:p>
-        </p:txBody>
-      </p:sp>
-    </p:spTree>
-  </p:cSld>
-  <p:clrMapOvr>
-    <a:masterClrMapping/>
-  </p:clrMapOvr>
-  <p:timing>
-    <p:tnLst>
-      <p:par>
-        <p:cTn id="1" dur="indefinite" restart="never" nodeType="tmRoot"/>
-      </p:par>
-    </p:tnLst>
-  </p:timing>
-</p:sld>
-</file>
-
-<file path=ppt/slides/slide41.xml><?xml version="1.0" encoding="utf-8"?>
-<p:sld xmlns:a="http://schemas.openxmlformats.org/drawingml/2006/main" xmlns:r="http://schemas.openxmlformats.org/officeDocument/2006/relationships" xmlns:p="http://schemas.openxmlformats.org/presentationml/2006/main">
-  <p:cSld>
-    <p:spTree>
-      <p:nvGrpSpPr>
-        <p:cNvPr id="1" name=""/>
-        <p:cNvGrpSpPr/>
-        <p:nvPr/>
-      </p:nvGrpSpPr>
-      <p:grpSpPr>
-        <a:xfrm>
-          <a:off x="0" y="0"/>
-          <a:ext cx="0" cy="0"/>
-          <a:chOff x="0" y="0"/>
-          <a:chExt cx="0" cy="0"/>
-        </a:xfrm>
-      </p:grpSpPr>
-      <p:sp>
-        <p:nvSpPr>
-          <p:cNvPr id="33794" name="Title 1"/>
-          <p:cNvSpPr>
-            <a:spLocks noGrp="1"/>
-          </p:cNvSpPr>
-          <p:nvPr>
-            <p:ph type="title"/>
-          </p:nvPr>
-        </p:nvSpPr>
-        <p:spPr/>
-        <p:txBody>
-          <a:bodyPr/>
-          <a:lstStyle/>
-          <a:p>
-            <a:pPr algn="ctr"/>
-            <a:r>
-              <a:rPr lang="en-US" dirty="0" smtClean="0"/>
-              <a:t>MDA transformations</a:t>
-            </a:r>
-          </a:p>
-        </p:txBody>
-      </p:sp>
-      <p:sp>
-        <p:nvSpPr>
-          <p:cNvPr id="6" name="Footer Placeholder 5"/>
-          <p:cNvSpPr>
-            <a:spLocks noGrp="1"/>
-          </p:cNvSpPr>
-          <p:nvPr>
-            <p:ph type="ftr" sz="quarter" idx="11"/>
-          </p:nvPr>
-        </p:nvSpPr>
-        <p:spPr/>
-        <p:txBody>
-          <a:bodyPr/>
-          <a:lstStyle/>
-          <a:p>
-            <a:pPr>
-              <a:defRPr/>
-            </a:pPr>
-            <a:r>
-              <a:rPr lang="en-US" smtClean="0"/>
-              <a:t>Chapter 5 System modeling</a:t>
-            </a:r>
-            <a:endParaRPr lang="en-US"/>
-          </a:p>
-        </p:txBody>
-      </p:sp>
-      <p:sp>
-        <p:nvSpPr>
-          <p:cNvPr id="5" name="Slide Number Placeholder 4"/>
-          <p:cNvSpPr>
-            <a:spLocks noGrp="1"/>
-          </p:cNvSpPr>
-          <p:nvPr>
-            <p:ph type="sldNum" sz="quarter" idx="12"/>
-          </p:nvPr>
-        </p:nvSpPr>
-        <p:spPr/>
-        <p:txBody>
-          <a:bodyPr/>
-          <a:lstStyle/>
-          <a:p>
-            <a:pPr>
-              <a:defRPr/>
-            </a:pPr>
-            <a:fld id="{964AD586-7C25-0244-A129-E014CC0A164A}" type="slidenum">
-              <a:rPr lang="en-US" smtClean="0"/>
-              <a:pPr>
-                <a:defRPr/>
-              </a:pPr>
-              <a:t>41</a:t>
             </a:fld>
             <a:endParaRPr lang="en-US"/>
           </a:p>
@@ -12780,7 +12887,7 @@
 </p:sld>
 </file>
 
-<file path=ppt/slides/slide42.xml><?xml version="1.0" encoding="utf-8"?>
+<file path=ppt/slides/slide41.xml><?xml version="1.0" encoding="utf-8"?>
 <p:sld xmlns:a="http://schemas.openxmlformats.org/drawingml/2006/main" xmlns:r="http://schemas.openxmlformats.org/officeDocument/2006/relationships" xmlns:p="http://schemas.openxmlformats.org/presentationml/2006/main">
   <p:cSld>
     <p:spTree>
@@ -12876,7 +12983,7 @@
               <a:pPr>
                 <a:defRPr/>
               </a:pPr>
-              <a:t>42</a:t>
+              <a:t>41</a:t>
             </a:fld>
             <a:endParaRPr lang="en-US"/>
           </a:p>
@@ -12921,6 +13028,153 @@
 </p:sld>
 </file>
 
+<file path=ppt/slides/slide42.xml><?xml version="1.0" encoding="utf-8"?>
+<p:sld xmlns:a="http://schemas.openxmlformats.org/drawingml/2006/main" xmlns:r="http://schemas.openxmlformats.org/officeDocument/2006/relationships" xmlns:p="http://schemas.openxmlformats.org/presentationml/2006/main">
+  <p:cSld>
+    <p:spTree>
+      <p:nvGrpSpPr>
+        <p:cNvPr id="1" name=""/>
+        <p:cNvGrpSpPr/>
+        <p:nvPr/>
+      </p:nvGrpSpPr>
+      <p:grpSpPr>
+        <a:xfrm>
+          <a:off x="0" y="0"/>
+          <a:ext cx="0" cy="0"/>
+          <a:chOff x="0" y="0"/>
+          <a:chExt cx="0" cy="0"/>
+        </a:xfrm>
+      </p:grpSpPr>
+      <p:sp>
+        <p:nvSpPr>
+          <p:cNvPr id="2" name="Title 1"/>
+          <p:cNvSpPr>
+            <a:spLocks noGrp="1"/>
+          </p:cNvSpPr>
+          <p:nvPr>
+            <p:ph type="title"/>
+          </p:nvPr>
+        </p:nvSpPr>
+        <p:spPr/>
+        <p:txBody>
+          <a:bodyPr/>
+          <a:lstStyle/>
+          <a:p>
+            <a:r>
+              <a:rPr lang="en-US" dirty="0" smtClean="0"/>
+              <a:t>Agile methods and MDA</a:t>
+            </a:r>
+            <a:endParaRPr lang="en-US" dirty="0"/>
+          </a:p>
+        </p:txBody>
+      </p:sp>
+      <p:sp>
+        <p:nvSpPr>
+          <p:cNvPr id="5" name="Content Placeholder 4"/>
+          <p:cNvSpPr>
+            <a:spLocks noGrp="1"/>
+          </p:cNvSpPr>
+          <p:nvPr>
+            <p:ph idx="1"/>
+          </p:nvPr>
+        </p:nvSpPr>
+        <p:spPr/>
+        <p:txBody>
+          <a:bodyPr>
+            <a:normAutofit fontScale="70000" lnSpcReduction="20000"/>
+          </a:bodyPr>
+          <a:lstStyle/>
+          <a:p>
+            <a:r>
+              <a:rPr lang="en-US" dirty="0" smtClean="0"/>
+              <a:t>The developers of MDA claim that it is intended to support an iterative approach to development and so can be used within agile methods. </a:t>
+            </a:r>
+          </a:p>
+          <a:p>
+            <a:r>
+              <a:rPr lang="en-US" dirty="0" smtClean="0"/>
+              <a:t>The notion of extensive up-front modeling contradicts the fundamental ideas in the agile manifesto and I suspect that few agile developers feel comfortable with model-driven engineering.  </a:t>
+            </a:r>
+          </a:p>
+          <a:p>
+            <a:r>
+              <a:rPr lang="en-US" dirty="0" smtClean="0"/>
+              <a:t>If transformations can be completely automated and a complete program generated from a PIM, then, in principle, MDA could be used in an agile development process as no separate coding would be required. </a:t>
+            </a:r>
+            <a:endParaRPr lang="en-US" dirty="0"/>
+          </a:p>
+        </p:txBody>
+      </p:sp>
+      <p:sp>
+        <p:nvSpPr>
+          <p:cNvPr id="3" name="Footer Placeholder 2"/>
+          <p:cNvSpPr>
+            <a:spLocks noGrp="1"/>
+          </p:cNvSpPr>
+          <p:nvPr>
+            <p:ph type="ftr" sz="quarter" idx="11"/>
+          </p:nvPr>
+        </p:nvSpPr>
+        <p:spPr/>
+        <p:txBody>
+          <a:bodyPr/>
+          <a:lstStyle/>
+          <a:p>
+            <a:pPr>
+              <a:defRPr/>
+            </a:pPr>
+            <a:r>
+              <a:rPr lang="en-US" smtClean="0"/>
+              <a:t>Chapter 5 System modeling</a:t>
+            </a:r>
+            <a:endParaRPr lang="en-US"/>
+          </a:p>
+        </p:txBody>
+      </p:sp>
+      <p:sp>
+        <p:nvSpPr>
+          <p:cNvPr id="4" name="Slide Number Placeholder 3"/>
+          <p:cNvSpPr>
+            <a:spLocks noGrp="1"/>
+          </p:cNvSpPr>
+          <p:nvPr>
+            <p:ph type="sldNum" sz="quarter" idx="12"/>
+          </p:nvPr>
+        </p:nvSpPr>
+        <p:spPr/>
+        <p:txBody>
+          <a:bodyPr/>
+          <a:lstStyle/>
+          <a:p>
+            <a:pPr>
+              <a:defRPr/>
+            </a:pPr>
+            <a:fld id="{964AD586-7C25-0244-A129-E014CC0A164A}" type="slidenum">
+              <a:rPr lang="en-US" smtClean="0"/>
+              <a:pPr>
+                <a:defRPr/>
+              </a:pPr>
+              <a:t>42</a:t>
+            </a:fld>
+            <a:endParaRPr lang="en-US"/>
+          </a:p>
+        </p:txBody>
+      </p:sp>
+    </p:spTree>
+  </p:cSld>
+  <p:clrMapOvr>
+    <a:masterClrMapping/>
+  </p:clrMapOvr>
+  <p:timing>
+    <p:tnLst>
+      <p:par>
+        <p:cTn id="1" dur="indefinite" restart="never" nodeType="tmRoot"/>
+      </p:par>
+    </p:tnLst>
+  </p:timing>
+</p:sld>
+</file>
+
 <file path=ppt/slides/slide43.xml><?xml version="1.0" encoding="utf-8"?>
 <p:sld xmlns:a="http://schemas.openxmlformats.org/drawingml/2006/main" xmlns:r="http://schemas.openxmlformats.org/officeDocument/2006/relationships" xmlns:p="http://schemas.openxmlformats.org/presentationml/2006/main">
   <p:cSld>
@@ -12955,7 +13209,7 @@
           <a:p>
             <a:r>
               <a:rPr lang="en-US" dirty="0" smtClean="0"/>
-              <a:t>Agile methods and MDA</a:t>
+              <a:t>Executable UML</a:t>
             </a:r>
             <a:endParaRPr lang="en-US" dirty="0"/>
           </a:p>
@@ -12963,7 +13217,7 @@
       </p:sp>
       <p:sp>
         <p:nvSpPr>
-          <p:cNvPr id="5" name="Content Placeholder 4"/>
+          <p:cNvPr id="3" name="Content Placeholder 2"/>
           <p:cNvSpPr>
             <a:spLocks noGrp="1"/>
           </p:cNvSpPr>
@@ -12973,34 +13227,36 @@
         </p:nvSpPr>
         <p:spPr/>
         <p:txBody>
-          <a:bodyPr>
-            <a:normAutofit fontScale="70000" lnSpcReduction="20000"/>
-          </a:bodyPr>
+          <a:bodyPr/>
           <a:lstStyle/>
           <a:p>
             <a:r>
               <a:rPr lang="en-US" dirty="0" smtClean="0"/>
-              <a:t>The developers of MDA claim that it is intended to support an iterative approach to development and so can be used within agile methods. </a:t>
+              <a:t>The fundamental notion behind model-driven engineering is that completely automated transformation of models to code should be possible. </a:t>
             </a:r>
           </a:p>
           <a:p>
             <a:r>
               <a:rPr lang="en-US" dirty="0" smtClean="0"/>
-              <a:t>The notion of extensive up-front modeling contradicts the fundamental ideas in the agile manifesto and I suspect that few agile developers feel comfortable with model-driven engineering.  </a:t>
-            </a:r>
-          </a:p>
-          <a:p>
-            <a:r>
-              <a:rPr lang="en-US" dirty="0" smtClean="0"/>
-              <a:t>If transformations can be completely automated and a complete program generated from a PIM, then, in principle, MDA could be used in an agile development process as no separate coding would be required. </a:t>
-            </a:r>
+              <a:t>This is possible using a subset of UML 2, called Executable UML or </a:t>
+            </a:r>
+            <a:r>
+              <a:rPr lang="en-US" dirty="0" err="1" smtClean="0"/>
+              <a:t>xUML</a:t>
+            </a:r>
+            <a:r>
+              <a:rPr lang="en-GB" dirty="0" smtClean="0"/>
+              <a:t>.</a:t>
+            </a:r>
+          </a:p>
+          <a:p>
             <a:endParaRPr lang="en-US" dirty="0"/>
           </a:p>
         </p:txBody>
       </p:sp>
       <p:sp>
         <p:nvSpPr>
-          <p:cNvPr id="3" name="Footer Placeholder 2"/>
+          <p:cNvPr id="4" name="Footer Placeholder 3"/>
           <p:cNvSpPr>
             <a:spLocks noGrp="1"/>
           </p:cNvSpPr>
@@ -13026,7 +13282,7 @@
       </p:sp>
       <p:sp>
         <p:nvSpPr>
-          <p:cNvPr id="4" name="Slide Number Placeholder 3"/>
+          <p:cNvPr id="5" name="Slide Number Placeholder 4"/>
           <p:cNvSpPr>
             <a:spLocks noGrp="1"/>
           </p:cNvSpPr>
@@ -13042,7 +13298,7 @@
             <a:pPr>
               <a:defRPr/>
             </a:pPr>
-            <a:fld id="{964AD586-7C25-0244-A129-E014CC0A164A}" type="slidenum">
+            <a:fld id="{DEC9DA09-039A-A841-BA90-58CFCFBF8E01}" type="slidenum">
               <a:rPr lang="en-US" smtClean="0"/>
               <a:pPr>
                 <a:defRPr/>
@@ -13097,12 +13353,14 @@
         </p:nvSpPr>
         <p:spPr/>
         <p:txBody>
-          <a:bodyPr/>
+          <a:bodyPr>
+            <a:normAutofit fontScale="90000"/>
+          </a:bodyPr>
           <a:lstStyle/>
           <a:p>
             <a:r>
               <a:rPr lang="en-US" dirty="0" smtClean="0"/>
-              <a:t>Executable UML</a:t>
+              <a:t>Features of executable UML</a:t>
             </a:r>
             <a:endParaRPr lang="en-US" dirty="0"/>
           </a:p>
@@ -13120,29 +13378,61 @@
         </p:nvSpPr>
         <p:spPr/>
         <p:txBody>
-          <a:bodyPr/>
+          <a:bodyPr>
+            <a:normAutofit fontScale="70000" lnSpcReduction="20000"/>
+          </a:bodyPr>
           <a:lstStyle/>
           <a:p>
             <a:r>
               <a:rPr lang="en-US" dirty="0" smtClean="0"/>
-              <a:t>The fundamental notion behind model-driven engineering is that completely automated transformation of models to code should be possible. </a:t>
-            </a:r>
-          </a:p>
-          <a:p>
+              <a:t>To create an executable subset of UML, the number of model types has therefore been dramatically reduced to these 3 key types:</a:t>
+            </a:r>
+            <a:endParaRPr lang="en-GB" dirty="0" smtClean="0"/>
+          </a:p>
+          <a:p>
+            <a:pPr lvl="1"/>
             <a:r>
               <a:rPr lang="en-US" dirty="0" smtClean="0"/>
-              <a:t>This is possible using a subset of UML 2, called Executable UML or </a:t>
-            </a:r>
-            <a:r>
-              <a:rPr lang="en-US" dirty="0" err="1" smtClean="0"/>
-              <a:t>xUML</a:t>
-            </a:r>
+              <a:t>Domain models that identify the principal concerns in a system. They are defined using UML class diagrams and include objects, attributes and associations. </a:t>
+            </a:r>
+            <a:endParaRPr lang="en-GB" dirty="0" smtClean="0"/>
+          </a:p>
+          <a:p>
+            <a:pPr lvl="1"/>
+            <a:r>
+              <a:rPr lang="en-US" dirty="0" smtClean="0"/>
+              <a:t>Class models in which classes are defined, along with their attributes and operations.</a:t>
+            </a:r>
+            <a:endParaRPr lang="en-GB" dirty="0" smtClean="0"/>
+          </a:p>
+          <a:p>
+            <a:pPr lvl="1"/>
             <a:r>
               <a:rPr lang="en-GB" dirty="0" smtClean="0"/>
-              <a:t>.</a:t>
-            </a:r>
-          </a:p>
-          <a:p>
+              <a:t>State models in which a state diagram is associated with each class and is used to describe the life cycle of the class. </a:t>
+            </a:r>
+          </a:p>
+          <a:p>
+            <a:r>
+              <a:rPr lang="en-GB" dirty="0" smtClean="0"/>
+              <a:t>The dynamic </a:t>
+            </a:r>
+            <a:r>
+              <a:rPr lang="en-GB" dirty="0" err="1" smtClean="0"/>
+              <a:t>behavior</a:t>
+            </a:r>
+            <a:r>
+              <a:rPr lang="en-GB" dirty="0" smtClean="0"/>
+              <a:t> of the system may be specified declaratively using the object constraint language (OCL), or may be expressed using </a:t>
+            </a:r>
+            <a:r>
+              <a:rPr lang="en-GB" dirty="0" err="1" smtClean="0"/>
+              <a:t>UML’s</a:t>
+            </a:r>
+            <a:r>
+              <a:rPr lang="en-GB" dirty="0" smtClean="0"/>
+              <a:t> action language. </a:t>
+            </a:r>
             <a:endParaRPr lang="en-US" dirty="0"/>
           </a:p>
         </p:txBody>
@@ -13246,87 +13536,39 @@
         </p:nvSpPr>
         <p:spPr/>
         <p:txBody>
+          <a:bodyPr/>
+          <a:lstStyle/>
+          <a:p>
+            <a:r>
+              <a:rPr lang="en-US" smtClean="0"/>
+              <a:t>Key points</a:t>
+            </a:r>
+            <a:endParaRPr lang="en-US"/>
+          </a:p>
+        </p:txBody>
+      </p:sp>
+      <p:sp>
+        <p:nvSpPr>
+          <p:cNvPr id="5" name="Content Placeholder 4"/>
+          <p:cNvSpPr>
+            <a:spLocks noGrp="1"/>
+          </p:cNvSpPr>
+          <p:nvPr>
+            <p:ph idx="1"/>
+          </p:nvPr>
+        </p:nvSpPr>
+        <p:spPr/>
+        <p:txBody>
           <a:bodyPr>
-            <a:normAutofit fontScale="90000"/>
+            <a:normAutofit/>
           </a:bodyPr>
           <a:lstStyle/>
           <a:p>
             <a:r>
-              <a:rPr lang="en-US" dirty="0" smtClean="0"/>
-              <a:t>Features of executable UML</a:t>
-            </a:r>
-            <a:endParaRPr lang="en-US" dirty="0"/>
-          </a:p>
-        </p:txBody>
-      </p:sp>
-      <p:sp>
-        <p:nvSpPr>
-          <p:cNvPr id="3" name="Content Placeholder 2"/>
-          <p:cNvSpPr>
-            <a:spLocks noGrp="1"/>
-          </p:cNvSpPr>
-          <p:nvPr>
-            <p:ph idx="1"/>
-          </p:nvPr>
-        </p:nvSpPr>
-        <p:spPr/>
-        <p:txBody>
-          <a:bodyPr>
-            <a:normAutofit fontScale="70000" lnSpcReduction="20000"/>
-          </a:bodyPr>
-          <a:lstStyle/>
-          <a:p>
-            <a:r>
-              <a:rPr lang="en-US" dirty="0" smtClean="0"/>
-              <a:t>To create an executable subset of UML, the number of model types has therefore been dramatically reduced to these 3 key types:</a:t>
-            </a:r>
-            <a:endParaRPr lang="en-GB" dirty="0" smtClean="0"/>
-          </a:p>
-          <a:p>
-            <a:pPr lvl="1"/>
-            <a:r>
-              <a:rPr lang="en-US" dirty="0" smtClean="0"/>
-              <a:t>Domain models that identify the principal concerns in a system. They are defined using UML class diagrams and include objects, attributes and associations. </a:t>
-            </a:r>
-            <a:endParaRPr lang="en-GB" dirty="0" smtClean="0"/>
-          </a:p>
-          <a:p>
-            <a:pPr lvl="1"/>
-            <a:r>
-              <a:rPr lang="en-US" dirty="0" smtClean="0"/>
-              <a:t>Class models in which classes are defined, along with their attributes and operations.</a:t>
-            </a:r>
-            <a:endParaRPr lang="en-GB" dirty="0" smtClean="0"/>
-          </a:p>
-          <a:p>
-            <a:pPr lvl="1"/>
-            <a:r>
-              <a:rPr lang="en-GB" dirty="0" smtClean="0"/>
-              <a:t>State models in which a state diagram is associated with each class and is used to describe the life cycle of the class. </a:t>
-            </a:r>
-          </a:p>
-          <a:p>
-            <a:r>
-              <a:rPr lang="en-GB" dirty="0" smtClean="0"/>
-              <a:t>The dynamic </a:t>
-            </a:r>
-            <a:r>
-              <a:rPr lang="en-GB" dirty="0" err="1" smtClean="0"/>
-              <a:t>behavior</a:t>
-            </a:r>
-            <a:r>
-              <a:rPr lang="en-GB" dirty="0" smtClean="0"/>
-              <a:t> of the system may be specified declaratively using the object constraint language (OCL), or may be expressed using </a:t>
-            </a:r>
-            <a:r>
-              <a:rPr lang="en-GB" dirty="0" err="1" smtClean="0"/>
-              <a:t>UML’s</a:t>
-            </a:r>
-            <a:r>
-              <a:rPr lang="en-GB" dirty="0" smtClean="0"/>
-              <a:t> action language. </a:t>
-            </a:r>
-            <a:endParaRPr lang="en-US" dirty="0"/>
+              <a:rPr lang="en-US" sz="2800" dirty="0" smtClean="0"/>
+              <a:t>Model-driven engineering is an approach to software development in which a system is represented as a set of models that can be automatically transformed to executable code. </a:t>
+            </a:r>
+            <a:endParaRPr lang="en-US" sz="2800" dirty="0"/>
           </a:p>
         </p:txBody>
       </p:sp>
@@ -13358,7 +13600,7 @@
       </p:sp>
       <p:sp>
         <p:nvSpPr>
-          <p:cNvPr id="5" name="Slide Number Placeholder 4"/>
+          <p:cNvPr id="3" name="Slide Number Placeholder 2"/>
           <p:cNvSpPr>
             <a:spLocks noGrp="1"/>
           </p:cNvSpPr>
@@ -13374,147 +13616,12 @@
             <a:pPr>
               <a:defRPr/>
             </a:pPr>
-            <a:fld id="{DEC9DA09-039A-A841-BA90-58CFCFBF8E01}" type="slidenum">
+            <a:fld id="{964AD586-7C25-0244-A129-E014CC0A164A}" type="slidenum">
               <a:rPr lang="en-US" smtClean="0"/>
               <a:pPr>
                 <a:defRPr/>
               </a:pPr>
               <a:t>45</a:t>
-            </a:fld>
-            <a:endParaRPr lang="en-US"/>
-          </a:p>
-        </p:txBody>
-      </p:sp>
-    </p:spTree>
-  </p:cSld>
-  <p:clrMapOvr>
-    <a:masterClrMapping/>
-  </p:clrMapOvr>
-  <p:timing>
-    <p:tnLst>
-      <p:par>
-        <p:cTn id="1" dur="indefinite" restart="never" nodeType="tmRoot"/>
-      </p:par>
-    </p:tnLst>
-  </p:timing>
-</p:sld>
-</file>
-
-<file path=ppt/slides/slide46.xml><?xml version="1.0" encoding="utf-8"?>
-<p:sld xmlns:a="http://schemas.openxmlformats.org/drawingml/2006/main" xmlns:r="http://schemas.openxmlformats.org/officeDocument/2006/relationships" xmlns:p="http://schemas.openxmlformats.org/presentationml/2006/main">
-  <p:cSld>
-    <p:spTree>
-      <p:nvGrpSpPr>
-        <p:cNvPr id="1" name=""/>
-        <p:cNvGrpSpPr/>
-        <p:nvPr/>
-      </p:nvGrpSpPr>
-      <p:grpSpPr>
-        <a:xfrm>
-          <a:off x="0" y="0"/>
-          <a:ext cx="0" cy="0"/>
-          <a:chOff x="0" y="0"/>
-          <a:chExt cx="0" cy="0"/>
-        </a:xfrm>
-      </p:grpSpPr>
-      <p:sp>
-        <p:nvSpPr>
-          <p:cNvPr id="2" name="Title 1"/>
-          <p:cNvSpPr>
-            <a:spLocks noGrp="1"/>
-          </p:cNvSpPr>
-          <p:nvPr>
-            <p:ph type="title"/>
-          </p:nvPr>
-        </p:nvSpPr>
-        <p:spPr/>
-        <p:txBody>
-          <a:bodyPr/>
-          <a:lstStyle/>
-          <a:p>
-            <a:r>
-              <a:rPr lang="en-US" smtClean="0"/>
-              <a:t>Key points</a:t>
-            </a:r>
-            <a:endParaRPr lang="en-US"/>
-          </a:p>
-        </p:txBody>
-      </p:sp>
-      <p:sp>
-        <p:nvSpPr>
-          <p:cNvPr id="5" name="Content Placeholder 4"/>
-          <p:cNvSpPr>
-            <a:spLocks noGrp="1"/>
-          </p:cNvSpPr>
-          <p:nvPr>
-            <p:ph idx="1"/>
-          </p:nvPr>
-        </p:nvSpPr>
-        <p:spPr/>
-        <p:txBody>
-          <a:bodyPr>
-            <a:normAutofit/>
-          </a:bodyPr>
-          <a:lstStyle/>
-          <a:p>
-            <a:r>
-              <a:rPr lang="en-US" sz="2800" dirty="0" smtClean="0"/>
-              <a:t>Model-driven engineering is an approach to software development in which a system is represented as a set of models that can be automatically transformed to executable code. </a:t>
-            </a:r>
-            <a:endParaRPr lang="en-US" sz="2800" dirty="0"/>
-          </a:p>
-        </p:txBody>
-      </p:sp>
-      <p:sp>
-        <p:nvSpPr>
-          <p:cNvPr id="4" name="Footer Placeholder 3"/>
-          <p:cNvSpPr>
-            <a:spLocks noGrp="1"/>
-          </p:cNvSpPr>
-          <p:nvPr>
-            <p:ph type="ftr" sz="quarter" idx="11"/>
-          </p:nvPr>
-        </p:nvSpPr>
-        <p:spPr/>
-        <p:txBody>
-          <a:bodyPr/>
-          <a:lstStyle/>
-          <a:p>
-            <a:pPr>
-              <a:defRPr/>
-            </a:pPr>
-            <a:r>
-              <a:rPr lang="en-US" smtClean="0"/>
-              <a:t>Chapter 5 System modeling</a:t>
-            </a:r>
-            <a:endParaRPr lang="en-US"/>
-          </a:p>
-        </p:txBody>
-      </p:sp>
-      <p:sp>
-        <p:nvSpPr>
-          <p:cNvPr id="3" name="Slide Number Placeholder 2"/>
-          <p:cNvSpPr>
-            <a:spLocks noGrp="1"/>
-          </p:cNvSpPr>
-          <p:nvPr>
-            <p:ph type="sldNum" sz="quarter" idx="12"/>
-          </p:nvPr>
-        </p:nvSpPr>
-        <p:spPr/>
-        <p:txBody>
-          <a:bodyPr/>
-          <a:lstStyle/>
-          <a:p>
-            <a:pPr>
-              <a:defRPr/>
-            </a:pPr>
-            <a:fld id="{964AD586-7C25-0244-A129-E014CC0A164A}" type="slidenum">
-              <a:rPr lang="en-US" smtClean="0"/>
-              <a:pPr>
-                <a:defRPr/>
-              </a:pPr>
-              <a:t>46</a:t>
             </a:fld>
             <a:endParaRPr lang="en-US"/>
           </a:p>
@@ -13569,8 +13676,83 @@
           <a:p>
             <a:r>
               <a:rPr lang="en-US" dirty="0" smtClean="0"/>
-              <a:t>UML diagram types</a:t>
-            </a:r>
+              <a:t>Use of graphical models</a:t>
+            </a:r>
+            <a:endParaRPr lang="en-US" dirty="0"/>
+          </a:p>
+        </p:txBody>
+      </p:sp>
+      <p:sp>
+        <p:nvSpPr>
+          <p:cNvPr id="3" name="Content Placeholder 2"/>
+          <p:cNvSpPr>
+            <a:spLocks noGrp="1"/>
+          </p:cNvSpPr>
+          <p:nvPr>
+            <p:ph idx="1"/>
+          </p:nvPr>
+        </p:nvSpPr>
+        <p:spPr/>
+        <p:txBody>
+          <a:bodyPr>
+            <a:normAutofit fontScale="85000" lnSpcReduction="20000"/>
+          </a:bodyPr>
+          <a:lstStyle/>
+          <a:p>
+            <a:r>
+              <a:rPr lang="en-US" dirty="0" smtClean="0">
+                <a:solidFill>
+                  <a:srgbClr val="C00000"/>
+                </a:solidFill>
+              </a:rPr>
+              <a:t>As a means of facilitating discussion about an existing or proposed system</a:t>
+            </a:r>
+          </a:p>
+          <a:p>
+            <a:pPr lvl="1"/>
+            <a:r>
+              <a:rPr lang="en-US" dirty="0" smtClean="0"/>
+              <a:t>Incomplete and incorrect models are OK as their role is to support discussion.</a:t>
+            </a:r>
+            <a:endParaRPr lang="en-GB" dirty="0" smtClean="0"/>
+          </a:p>
+          <a:p>
+            <a:r>
+              <a:rPr lang="en-US" dirty="0" smtClean="0">
+                <a:solidFill>
+                  <a:srgbClr val="C00000"/>
+                </a:solidFill>
+              </a:rPr>
+              <a:t>As a way of documenting an existing system</a:t>
+            </a:r>
+          </a:p>
+          <a:p>
+            <a:pPr lvl="1"/>
+            <a:r>
+              <a:rPr lang="en-US" dirty="0" smtClean="0"/>
+              <a:t>Models should be an accurate representation of the system but need not be complete.</a:t>
+            </a:r>
+            <a:endParaRPr lang="en-GB" dirty="0" smtClean="0"/>
+          </a:p>
+          <a:p>
+            <a:r>
+              <a:rPr lang="en-US" dirty="0" smtClean="0">
+                <a:solidFill>
+                  <a:srgbClr val="C00000"/>
+                </a:solidFill>
+              </a:rPr>
+              <a:t>As a detailed system description that can be used to generate a system implementation</a:t>
+            </a:r>
+          </a:p>
+          <a:p>
+            <a:pPr lvl="1"/>
+            <a:r>
+              <a:rPr lang="en-US" dirty="0" smtClean="0"/>
+              <a:t>Models have to be both correct and complete.</a:t>
+            </a:r>
+            <a:endParaRPr lang="en-GB" dirty="0" smtClean="0"/>
+          </a:p>
+          <a:p>
             <a:endParaRPr lang="en-US" dirty="0"/>
           </a:p>
         </p:txBody>
@@ -13627,270 +13809,6 @@
               <a:t>5</a:t>
             </a:fld>
             <a:endParaRPr lang="en-US"/>
-          </a:p>
-        </p:txBody>
-      </p:sp>
-      <p:sp>
-        <p:nvSpPr>
-          <p:cNvPr id="7" name="Rounded Rectangle 6"/>
-          <p:cNvSpPr/>
-          <p:nvPr/>
-        </p:nvSpPr>
-        <p:spPr>
-          <a:xfrm>
-            <a:off x="851646" y="2205318"/>
-            <a:ext cx="2357719" cy="1712258"/>
-          </a:xfrm>
-          <a:prstGeom prst="roundRect">
-            <a:avLst/>
-          </a:prstGeom>
-        </p:spPr>
-        <p:style>
-          <a:lnRef idx="2">
-            <a:schemeClr val="accent1">
-              <a:shade val="50000"/>
-            </a:schemeClr>
-          </a:lnRef>
-          <a:fillRef idx="1">
-            <a:schemeClr val="accent1"/>
-          </a:fillRef>
-          <a:effectRef idx="0">
-            <a:schemeClr val="accent1"/>
-          </a:effectRef>
-          <a:fontRef idx="minor">
-            <a:schemeClr val="lt1"/>
-          </a:fontRef>
-        </p:style>
-        <p:txBody>
-          <a:bodyPr rtlCol="0" anchor="ctr"/>
-          <a:lstStyle/>
-          <a:p>
-            <a:pPr algn="ctr"/>
-            <a:r>
-              <a:rPr lang="en-US" b="1" dirty="0">
-                <a:solidFill>
-                  <a:srgbClr val="FFFF00"/>
-                </a:solidFill>
-              </a:rPr>
-              <a:t>Activity diagrams</a:t>
-            </a:r>
-            <a:r>
-              <a:rPr lang="en-US" dirty="0"/>
-              <a:t>, which show the activities involved in a process or in data processing </a:t>
-            </a:r>
-            <a:r>
-              <a:rPr lang="en-US" dirty="0" smtClean="0"/>
-              <a:t>.</a:t>
-            </a:r>
-            <a:endParaRPr lang="en-GB" dirty="0"/>
-          </a:p>
-        </p:txBody>
-      </p:sp>
-      <p:sp>
-        <p:nvSpPr>
-          <p:cNvPr id="8" name="Rounded Rectangle 7"/>
-          <p:cNvSpPr/>
-          <p:nvPr/>
-        </p:nvSpPr>
-        <p:spPr>
-          <a:xfrm>
-            <a:off x="3523128" y="2205318"/>
-            <a:ext cx="2366684" cy="1712258"/>
-          </a:xfrm>
-          <a:prstGeom prst="roundRect">
-            <a:avLst/>
-          </a:prstGeom>
-        </p:spPr>
-        <p:style>
-          <a:lnRef idx="2">
-            <a:schemeClr val="accent1">
-              <a:shade val="50000"/>
-            </a:schemeClr>
-          </a:lnRef>
-          <a:fillRef idx="1">
-            <a:schemeClr val="accent1"/>
-          </a:fillRef>
-          <a:effectRef idx="0">
-            <a:schemeClr val="accent1"/>
-          </a:effectRef>
-          <a:fontRef idx="minor">
-            <a:schemeClr val="lt1"/>
-          </a:fontRef>
-        </p:style>
-        <p:txBody>
-          <a:bodyPr rtlCol="0" anchor="ctr"/>
-          <a:lstStyle/>
-          <a:p>
-            <a:pPr algn="ctr"/>
-            <a:r>
-              <a:rPr lang="en-US" b="1" dirty="0">
-                <a:solidFill>
-                  <a:srgbClr val="FFFF00"/>
-                </a:solidFill>
-              </a:rPr>
-              <a:t>Use case diagrams</a:t>
-            </a:r>
-            <a:r>
-              <a:rPr lang="en-US" dirty="0"/>
-              <a:t>, which show the interactions between a system and its environment. </a:t>
-            </a:r>
-            <a:endParaRPr lang="en-GB" dirty="0"/>
-          </a:p>
-        </p:txBody>
-      </p:sp>
-      <p:sp>
-        <p:nvSpPr>
-          <p:cNvPr id="9" name="Rounded Rectangle 8"/>
-          <p:cNvSpPr/>
-          <p:nvPr/>
-        </p:nvSpPr>
-        <p:spPr>
-          <a:xfrm>
-            <a:off x="6248399" y="2205318"/>
-            <a:ext cx="2501154" cy="1712258"/>
-          </a:xfrm>
-          <a:prstGeom prst="roundRect">
-            <a:avLst/>
-          </a:prstGeom>
-        </p:spPr>
-        <p:style>
-          <a:lnRef idx="2">
-            <a:schemeClr val="accent1">
-              <a:shade val="50000"/>
-            </a:schemeClr>
-          </a:lnRef>
-          <a:fillRef idx="1">
-            <a:schemeClr val="accent1"/>
-          </a:fillRef>
-          <a:effectRef idx="0">
-            <a:schemeClr val="accent1"/>
-          </a:effectRef>
-          <a:fontRef idx="minor">
-            <a:schemeClr val="lt1"/>
-          </a:fontRef>
-        </p:style>
-        <p:txBody>
-          <a:bodyPr rtlCol="0" anchor="ctr"/>
-          <a:lstStyle/>
-          <a:p>
-            <a:pPr algn="ctr"/>
-            <a:r>
-              <a:rPr lang="en-US" b="1" dirty="0">
-                <a:solidFill>
-                  <a:srgbClr val="FFFF00"/>
-                </a:solidFill>
-              </a:rPr>
-              <a:t>Sequence diagrams</a:t>
-            </a:r>
-            <a:r>
-              <a:rPr lang="en-US" dirty="0"/>
-              <a:t>, which show interactions between actors and the system and between system components.</a:t>
-            </a:r>
-            <a:endParaRPr lang="en-GB" dirty="0"/>
-          </a:p>
-        </p:txBody>
-      </p:sp>
-      <p:sp>
-        <p:nvSpPr>
-          <p:cNvPr id="10" name="Rounded Rectangle 9"/>
-          <p:cNvSpPr/>
-          <p:nvPr/>
-        </p:nvSpPr>
-        <p:spPr>
-          <a:xfrm>
-            <a:off x="1918446" y="4177553"/>
-            <a:ext cx="2537013" cy="1712258"/>
-          </a:xfrm>
-          <a:prstGeom prst="roundRect">
-            <a:avLst/>
-          </a:prstGeom>
-        </p:spPr>
-        <p:style>
-          <a:lnRef idx="2">
-            <a:schemeClr val="accent1">
-              <a:shade val="50000"/>
-            </a:schemeClr>
-          </a:lnRef>
-          <a:fillRef idx="1">
-            <a:schemeClr val="accent1"/>
-          </a:fillRef>
-          <a:effectRef idx="0">
-            <a:schemeClr val="accent1"/>
-          </a:effectRef>
-          <a:fontRef idx="minor">
-            <a:schemeClr val="lt1"/>
-          </a:fontRef>
-        </p:style>
-        <p:txBody>
-          <a:bodyPr rtlCol="0" anchor="ctr"/>
-          <a:lstStyle/>
-          <a:p>
-            <a:pPr algn="ctr"/>
-            <a:r>
-              <a:rPr lang="en-US" b="1" dirty="0">
-                <a:solidFill>
-                  <a:srgbClr val="FFFF00"/>
-                </a:solidFill>
-              </a:rPr>
-              <a:t>Class diagrams</a:t>
-            </a:r>
-            <a:r>
-              <a:rPr lang="en-US" dirty="0"/>
-              <a:t>, which show the object classes in the system and the associations between these classes.</a:t>
-            </a:r>
-            <a:endParaRPr lang="en-GB" dirty="0"/>
-          </a:p>
-        </p:txBody>
-      </p:sp>
-      <p:sp>
-        <p:nvSpPr>
-          <p:cNvPr id="11" name="Rounded Rectangle 10"/>
-          <p:cNvSpPr/>
-          <p:nvPr/>
-        </p:nvSpPr>
-        <p:spPr>
-          <a:xfrm>
-            <a:off x="4846543" y="4177553"/>
-            <a:ext cx="2537013" cy="1712258"/>
-          </a:xfrm>
-          <a:prstGeom prst="roundRect">
-            <a:avLst/>
-          </a:prstGeom>
-        </p:spPr>
-        <p:style>
-          <a:lnRef idx="2">
-            <a:schemeClr val="accent1">
-              <a:shade val="50000"/>
-            </a:schemeClr>
-          </a:lnRef>
-          <a:fillRef idx="1">
-            <a:schemeClr val="accent1"/>
-          </a:fillRef>
-          <a:effectRef idx="0">
-            <a:schemeClr val="accent1"/>
-          </a:effectRef>
-          <a:fontRef idx="minor">
-            <a:schemeClr val="lt1"/>
-          </a:fontRef>
-        </p:style>
-        <p:txBody>
-          <a:bodyPr rtlCol="0" anchor="ctr"/>
-          <a:lstStyle/>
-          <a:p>
-            <a:pPr algn="ctr"/>
-            <a:r>
-              <a:rPr lang="en-US" b="1" dirty="0">
-                <a:solidFill>
-                  <a:srgbClr val="FFFF00"/>
-                </a:solidFill>
-              </a:rPr>
-              <a:t>State diagrams</a:t>
-            </a:r>
-            <a:r>
-              <a:rPr lang="en-US" dirty="0"/>
-              <a:t>, which show how the system reacts to internal and external events. </a:t>
-            </a:r>
-            <a:endParaRPr lang="en-GB" dirty="0"/>
           </a:p>
         </p:txBody>
       </p:sp>
@@ -13928,9 +13846,9 @@
       </p:grpSpPr>
       <p:sp>
         <p:nvSpPr>
-          <p:cNvPr id="2" name="Title 1"/>
-          <p:cNvSpPr>
-            <a:spLocks noGrp="1"/>
+          <p:cNvPr id="35842" name="Rectangle 2"/>
+          <p:cNvSpPr>
+            <a:spLocks noGrp="1" noChangeArrowheads="1"/>
           </p:cNvSpPr>
           <p:nvPr>
             <p:ph type="title"/>
@@ -13942,18 +13860,17 @@
           <a:lstStyle/>
           <a:p>
             <a:r>
-              <a:rPr lang="en-US" dirty="0" smtClean="0"/>
-              <a:t>Use of graphical models</a:t>
-            </a:r>
-            <a:endParaRPr lang="en-US" dirty="0"/>
-          </a:p>
-        </p:txBody>
-      </p:sp>
-      <p:sp>
-        <p:nvSpPr>
-          <p:cNvPr id="3" name="Content Placeholder 2"/>
-          <p:cNvSpPr>
-            <a:spLocks noGrp="1"/>
+              <a:rPr lang="en-GB"/>
+              <a:t>Context models</a:t>
+            </a:r>
+          </a:p>
+        </p:txBody>
+      </p:sp>
+      <p:sp>
+        <p:nvSpPr>
+          <p:cNvPr id="35843" name="Rectangle 3"/>
+          <p:cNvSpPr>
+            <a:spLocks noGrp="1" noChangeArrowheads="1"/>
           </p:cNvSpPr>
           <p:nvPr>
             <p:ph idx="1"/>
@@ -13962,65 +13879,26 @@
         <p:spPr/>
         <p:txBody>
           <a:bodyPr>
-            <a:normAutofit fontScale="85000" lnSpcReduction="20000"/>
+            <a:normAutofit fontScale="92500" lnSpcReduction="10000"/>
           </a:bodyPr>
           <a:lstStyle/>
           <a:p>
             <a:r>
-              <a:rPr lang="en-US" dirty="0" smtClean="0">
-                <a:solidFill>
-                  <a:srgbClr val="C00000"/>
-                </a:solidFill>
-              </a:rPr>
-              <a:t>As a means of facilitating discussion about an existing or proposed system</a:t>
-            </a:r>
-          </a:p>
-          <a:p>
-            <a:pPr lvl="1"/>
-            <a:r>
-              <a:rPr lang="en-US" dirty="0" smtClean="0"/>
-              <a:t>Incomplete and incorrect models are OK as their role is to support discussion.</a:t>
-            </a:r>
-            <a:endParaRPr lang="en-GB" dirty="0" smtClean="0"/>
-          </a:p>
-          <a:p>
-            <a:r>
-              <a:rPr lang="en-US" dirty="0" smtClean="0">
-                <a:solidFill>
-                  <a:srgbClr val="C00000"/>
-                </a:solidFill>
-              </a:rPr>
-              <a:t>As a way of documenting an existing system</a:t>
-            </a:r>
-          </a:p>
-          <a:p>
-            <a:pPr lvl="1"/>
-            <a:r>
-              <a:rPr lang="en-US" dirty="0" smtClean="0"/>
-              <a:t>Models should be an accurate representation of the system but need not be complete.</a:t>
-            </a:r>
-            <a:endParaRPr lang="en-GB" dirty="0" smtClean="0"/>
-          </a:p>
-          <a:p>
-            <a:r>
-              <a:rPr lang="en-US" dirty="0" smtClean="0">
-                <a:solidFill>
-                  <a:srgbClr val="C00000"/>
-                </a:solidFill>
-              </a:rPr>
-              <a:t>As a detailed system description that can be used to generate a system implementation</a:t>
-            </a:r>
-          </a:p>
-          <a:p>
-            <a:pPr lvl="1"/>
-            <a:r>
-              <a:rPr lang="en-US" dirty="0" smtClean="0"/>
-              <a:t>Models have to be both correct and complete.</a:t>
-            </a:r>
-            <a:endParaRPr lang="en-GB" dirty="0" smtClean="0"/>
-          </a:p>
-          <a:p>
-            <a:endParaRPr lang="en-US" dirty="0"/>
+              <a:rPr lang="en-GB"/>
+              <a:t>Context models are used to illustrate the operational context of a system - they show what lies outside the system boundaries.</a:t>
+            </a:r>
+          </a:p>
+          <a:p>
+            <a:r>
+              <a:rPr lang="en-GB"/>
+              <a:t>Social and organisational concerns may affect the decision on where to position system boundaries.</a:t>
+            </a:r>
+          </a:p>
+          <a:p>
+            <a:r>
+              <a:rPr lang="en-GB"/>
+              <a:t>Architectural models show the system and its relationship with other systems.</a:t>
+            </a:r>
           </a:p>
         </p:txBody>
       </p:sp>
@@ -14113,9 +13991,9 @@
       </p:grpSpPr>
       <p:sp>
         <p:nvSpPr>
-          <p:cNvPr id="35842" name="Rectangle 2"/>
-          <p:cNvSpPr>
-            <a:spLocks noGrp="1" noChangeArrowheads="1"/>
+          <p:cNvPr id="14338" name="Title 1"/>
+          <p:cNvSpPr>
+            <a:spLocks noGrp="1"/>
           </p:cNvSpPr>
           <p:nvPr>
             <p:ph type="title"/>
@@ -14123,55 +14001,26 @@
         </p:nvSpPr>
         <p:spPr/>
         <p:txBody>
-          <a:bodyPr/>
-          <a:lstStyle/>
-          <a:p>
-            <a:r>
-              <a:rPr lang="en-GB"/>
-              <a:t>Context models</a:t>
-            </a:r>
-          </a:p>
-        </p:txBody>
-      </p:sp>
-      <p:sp>
-        <p:nvSpPr>
-          <p:cNvPr id="35843" name="Rectangle 3"/>
-          <p:cNvSpPr>
-            <a:spLocks noGrp="1" noChangeArrowheads="1"/>
-          </p:cNvSpPr>
-          <p:nvPr>
-            <p:ph idx="1"/>
-          </p:nvPr>
-        </p:nvSpPr>
-        <p:spPr/>
-        <p:txBody>
           <a:bodyPr>
-            <a:normAutofit fontScale="92500" lnSpcReduction="10000"/>
+            <a:normAutofit fontScale="90000"/>
           </a:bodyPr>
           <a:lstStyle/>
           <a:p>
             <a:r>
-              <a:rPr lang="en-GB"/>
-              <a:t>Context models are used to illustrate the operational context of a system - they show what lies outside the system boundaries.</a:t>
-            </a:r>
-          </a:p>
-          <a:p>
-            <a:r>
-              <a:rPr lang="en-GB"/>
-              <a:t>Social and organisational concerns may affect the decision on where to position system boundaries.</a:t>
-            </a:r>
-          </a:p>
-          <a:p>
-            <a:r>
-              <a:rPr lang="en-GB"/>
-              <a:t>Architectural models show the system and its relationship with other systems.</a:t>
-            </a:r>
-          </a:p>
-        </p:txBody>
-      </p:sp>
-      <p:sp>
-        <p:nvSpPr>
-          <p:cNvPr id="5" name="Footer Placeholder 4"/>
+              <a:rPr lang="en-US" dirty="0" smtClean="0"/>
+              <a:t>The context of the MHC-PMS</a:t>
+            </a:r>
+            <a:r>
+              <a:rPr lang="en-GB" dirty="0" smtClean="0"/>
+              <a:t> </a:t>
+            </a:r>
+            <a:endParaRPr lang="en-US" dirty="0" smtClean="0"/>
+          </a:p>
+        </p:txBody>
+      </p:sp>
+      <p:sp>
+        <p:nvSpPr>
+          <p:cNvPr id="6" name="Footer Placeholder 5"/>
           <p:cNvSpPr>
             <a:spLocks noGrp="1"/>
           </p:cNvSpPr>
@@ -14197,7 +14046,7 @@
       </p:sp>
       <p:sp>
         <p:nvSpPr>
-          <p:cNvPr id="4" name="Slide Number Placeholder 3"/>
+          <p:cNvPr id="5" name="Slide Number Placeholder 4"/>
           <p:cNvSpPr>
             <a:spLocks noGrp="1"/>
           </p:cNvSpPr>
@@ -14213,128 +14062,12 @@
             <a:pPr>
               <a:defRPr/>
             </a:pPr>
-            <a:fld id="{DEC9DA09-039A-A841-BA90-58CFCFBF8E01}" type="slidenum">
+            <a:fld id="{964AD586-7C25-0244-A129-E014CC0A164A}" type="slidenum">
               <a:rPr lang="en-US" smtClean="0"/>
               <a:pPr>
                 <a:defRPr/>
               </a:pPr>
               <a:t>7</a:t>
-            </a:fld>
-            <a:endParaRPr lang="en-US"/>
-          </a:p>
-        </p:txBody>
-      </p:sp>
-    </p:spTree>
-  </p:cSld>
-  <p:clrMapOvr>
-    <a:masterClrMapping/>
-  </p:clrMapOvr>
-  <p:timing>
-    <p:tnLst>
-      <p:par>
-        <p:cTn id="1" dur="indefinite" restart="never" nodeType="tmRoot"/>
-      </p:par>
-    </p:tnLst>
-  </p:timing>
-</p:sld>
-</file>
-
-<file path=ppt/slides/slide8.xml><?xml version="1.0" encoding="utf-8"?>
-<p:sld xmlns:a="http://schemas.openxmlformats.org/drawingml/2006/main" xmlns:r="http://schemas.openxmlformats.org/officeDocument/2006/relationships" xmlns:p="http://schemas.openxmlformats.org/presentationml/2006/main">
-  <p:cSld>
-    <p:spTree>
-      <p:nvGrpSpPr>
-        <p:cNvPr id="1" name=""/>
-        <p:cNvGrpSpPr/>
-        <p:nvPr/>
-      </p:nvGrpSpPr>
-      <p:grpSpPr>
-        <a:xfrm>
-          <a:off x="0" y="0"/>
-          <a:ext cx="0" cy="0"/>
-          <a:chOff x="0" y="0"/>
-          <a:chExt cx="0" cy="0"/>
-        </a:xfrm>
-      </p:grpSpPr>
-      <p:sp>
-        <p:nvSpPr>
-          <p:cNvPr id="14338" name="Title 1"/>
-          <p:cNvSpPr>
-            <a:spLocks noGrp="1"/>
-          </p:cNvSpPr>
-          <p:nvPr>
-            <p:ph type="title"/>
-          </p:nvPr>
-        </p:nvSpPr>
-        <p:spPr/>
-        <p:txBody>
-          <a:bodyPr>
-            <a:normAutofit fontScale="90000"/>
-          </a:bodyPr>
-          <a:lstStyle/>
-          <a:p>
-            <a:r>
-              <a:rPr lang="en-US" dirty="0" smtClean="0"/>
-              <a:t>The context of the MHC-PMS</a:t>
-            </a:r>
-            <a:r>
-              <a:rPr lang="en-GB" dirty="0" smtClean="0"/>
-              <a:t> </a:t>
-            </a:r>
-            <a:endParaRPr lang="en-US" dirty="0" smtClean="0"/>
-          </a:p>
-        </p:txBody>
-      </p:sp>
-      <p:sp>
-        <p:nvSpPr>
-          <p:cNvPr id="6" name="Footer Placeholder 5"/>
-          <p:cNvSpPr>
-            <a:spLocks noGrp="1"/>
-          </p:cNvSpPr>
-          <p:nvPr>
-            <p:ph type="ftr" sz="quarter" idx="11"/>
-          </p:nvPr>
-        </p:nvSpPr>
-        <p:spPr/>
-        <p:txBody>
-          <a:bodyPr/>
-          <a:lstStyle/>
-          <a:p>
-            <a:pPr>
-              <a:defRPr/>
-            </a:pPr>
-            <a:r>
-              <a:rPr lang="en-US" smtClean="0"/>
-              <a:t>Chapter 5 System modeling</a:t>
-            </a:r>
-            <a:endParaRPr lang="en-US"/>
-          </a:p>
-        </p:txBody>
-      </p:sp>
-      <p:sp>
-        <p:nvSpPr>
-          <p:cNvPr id="5" name="Slide Number Placeholder 4"/>
-          <p:cNvSpPr>
-            <a:spLocks noGrp="1"/>
-          </p:cNvSpPr>
-          <p:nvPr>
-            <p:ph type="sldNum" sz="quarter" idx="12"/>
-          </p:nvPr>
-        </p:nvSpPr>
-        <p:spPr/>
-        <p:txBody>
-          <a:bodyPr/>
-          <a:lstStyle/>
-          <a:p>
-            <a:pPr>
-              <a:defRPr/>
-            </a:pPr>
-            <a:fld id="{964AD586-7C25-0244-A129-E014CC0A164A}" type="slidenum">
-              <a:rPr lang="en-US" smtClean="0"/>
-              <a:pPr>
-                <a:defRPr/>
-              </a:pPr>
-              <a:t>8</a:t>
             </a:fld>
             <a:endParaRPr lang="en-US"/>
           </a:p>
@@ -14379,6 +14112,165 @@
 </p:sld>
 </file>
 
+<file path=ppt/slides/slide8.xml><?xml version="1.0" encoding="utf-8"?>
+<p:sld xmlns:a="http://schemas.openxmlformats.org/drawingml/2006/main" xmlns:r="http://schemas.openxmlformats.org/officeDocument/2006/relationships" xmlns:p="http://schemas.openxmlformats.org/presentationml/2006/main">
+  <p:cSld>
+    <p:spTree>
+      <p:nvGrpSpPr>
+        <p:cNvPr id="1" name=""/>
+        <p:cNvGrpSpPr/>
+        <p:nvPr/>
+      </p:nvGrpSpPr>
+      <p:grpSpPr>
+        <a:xfrm>
+          <a:off x="0" y="0"/>
+          <a:ext cx="0" cy="0"/>
+          <a:chOff x="0" y="0"/>
+          <a:chExt cx="0" cy="0"/>
+        </a:xfrm>
+      </p:grpSpPr>
+      <p:sp>
+        <p:nvSpPr>
+          <p:cNvPr id="2" name="Title 1"/>
+          <p:cNvSpPr>
+            <a:spLocks noGrp="1"/>
+          </p:cNvSpPr>
+          <p:nvPr>
+            <p:ph type="title"/>
+          </p:nvPr>
+        </p:nvSpPr>
+        <p:spPr/>
+        <p:txBody>
+          <a:bodyPr/>
+          <a:lstStyle/>
+          <a:p>
+            <a:r>
+              <a:rPr lang="en-US" dirty="0" smtClean="0"/>
+              <a:t>Interaction models</a:t>
+            </a:r>
+            <a:endParaRPr lang="en-US" dirty="0"/>
+          </a:p>
+        </p:txBody>
+      </p:sp>
+      <p:sp>
+        <p:nvSpPr>
+          <p:cNvPr id="3" name="Content Placeholder 2"/>
+          <p:cNvSpPr>
+            <a:spLocks noGrp="1"/>
+          </p:cNvSpPr>
+          <p:nvPr>
+            <p:ph idx="1"/>
+          </p:nvPr>
+        </p:nvSpPr>
+        <p:spPr/>
+        <p:txBody>
+          <a:bodyPr>
+            <a:normAutofit fontScale="85000" lnSpcReduction="20000"/>
+          </a:bodyPr>
+          <a:lstStyle/>
+          <a:p>
+            <a:r>
+              <a:rPr lang="en-US" dirty="0" smtClean="0"/>
+              <a:t>Modeling user interaction is important as it helps to identify user requirements. </a:t>
+            </a:r>
+          </a:p>
+          <a:p>
+            <a:r>
+              <a:rPr lang="en-US" dirty="0" smtClean="0"/>
+              <a:t>Modeling system-to-system interaction highlights the communication problems that may arise. </a:t>
+            </a:r>
+          </a:p>
+          <a:p>
+            <a:r>
+              <a:rPr lang="en-US" dirty="0" smtClean="0"/>
+              <a:t>Modeling component interaction helps us understand if a proposed system structure is likely to deliver the required system performance and dependability.</a:t>
+            </a:r>
+            <a:r>
+              <a:rPr lang="en-GB" dirty="0" smtClean="0"/>
+              <a:t> </a:t>
+            </a:r>
+          </a:p>
+          <a:p>
+            <a:r>
+              <a:rPr lang="en-GB" dirty="0" smtClean="0"/>
+              <a:t>Use case diagrams and sequence diagrams may be used for interaction modelling.</a:t>
+            </a:r>
+          </a:p>
+          <a:p>
+            <a:endParaRPr lang="en-US" dirty="0"/>
+          </a:p>
+        </p:txBody>
+      </p:sp>
+      <p:sp>
+        <p:nvSpPr>
+          <p:cNvPr id="5" name="Footer Placeholder 4"/>
+          <p:cNvSpPr>
+            <a:spLocks noGrp="1"/>
+          </p:cNvSpPr>
+          <p:nvPr>
+            <p:ph type="ftr" sz="quarter" idx="11"/>
+          </p:nvPr>
+        </p:nvSpPr>
+        <p:spPr/>
+        <p:txBody>
+          <a:bodyPr/>
+          <a:lstStyle/>
+          <a:p>
+            <a:pPr>
+              <a:defRPr/>
+            </a:pPr>
+            <a:r>
+              <a:rPr lang="en-US" smtClean="0"/>
+              <a:t>Chapter 5 System modeling</a:t>
+            </a:r>
+            <a:endParaRPr lang="en-US"/>
+          </a:p>
+        </p:txBody>
+      </p:sp>
+      <p:sp>
+        <p:nvSpPr>
+          <p:cNvPr id="4" name="Slide Number Placeholder 3"/>
+          <p:cNvSpPr>
+            <a:spLocks noGrp="1"/>
+          </p:cNvSpPr>
+          <p:nvPr>
+            <p:ph type="sldNum" sz="quarter" idx="12"/>
+          </p:nvPr>
+        </p:nvSpPr>
+        <p:spPr/>
+        <p:txBody>
+          <a:bodyPr/>
+          <a:lstStyle/>
+          <a:p>
+            <a:pPr>
+              <a:defRPr/>
+            </a:pPr>
+            <a:fld id="{DEC9DA09-039A-A841-BA90-58CFCFBF8E01}" type="slidenum">
+              <a:rPr lang="en-US" smtClean="0"/>
+              <a:pPr>
+                <a:defRPr/>
+              </a:pPr>
+              <a:t>8</a:t>
+            </a:fld>
+            <a:endParaRPr lang="en-US"/>
+          </a:p>
+        </p:txBody>
+      </p:sp>
+    </p:spTree>
+  </p:cSld>
+  <p:clrMapOvr>
+    <a:masterClrMapping/>
+  </p:clrMapOvr>
+  <p:timing>
+    <p:tnLst>
+      <p:par>
+        <p:cTn id="1" dur="indefinite" restart="never" nodeType="tmRoot"/>
+      </p:par>
+    </p:tnLst>
+  </p:timing>
+</p:sld>
+</file>
+
 <file path=ppt/slides/slide9.xml><?xml version="1.0" encoding="utf-8"?>
 <p:sld xmlns:a="http://schemas.openxmlformats.org/drawingml/2006/main" xmlns:r="http://schemas.openxmlformats.org/officeDocument/2006/relationships" xmlns:p="http://schemas.openxmlformats.org/presentationml/2006/main">
   <p:cSld>
@@ -14411,9 +14303,10 @@
           <a:bodyPr/>
           <a:lstStyle/>
           <a:p>
+            <a:pPr algn="ctr"/>
             <a:r>
               <a:rPr lang="en-US" dirty="0" smtClean="0"/>
-              <a:t>Interaction models</a:t>
+              <a:t>Use case modeling</a:t>
             </a:r>
             <a:endParaRPr lang="en-US" dirty="0"/>
           </a:p>
@@ -14432,38 +14325,52 @@
         <p:spPr/>
         <p:txBody>
           <a:bodyPr>
-            <a:normAutofit fontScale="85000" lnSpcReduction="20000"/>
+            <a:normAutofit fontScale="92500" lnSpcReduction="20000"/>
           </a:bodyPr>
           <a:lstStyle/>
           <a:p>
             <a:r>
               <a:rPr lang="en-US" dirty="0" smtClean="0"/>
-              <a:t>Modeling user interaction is important as it helps to identify user requirements. </a:t>
+              <a:t>Use cases were developed originally to support requirements elicitation and now incorporated into the UML.</a:t>
             </a:r>
           </a:p>
           <a:p>
             <a:r>
               <a:rPr lang="en-US" dirty="0" smtClean="0"/>
-              <a:t>Modeling system-to-system interaction highlights the communication problems that may arise. </a:t>
-            </a:r>
-          </a:p>
-          <a:p>
+              <a:t>Each use case represents a discrete task that involves </a:t>
+            </a:r>
+            <a:r>
+              <a:rPr lang="en-US" b="1" dirty="0" smtClean="0">
+                <a:solidFill>
+                  <a:srgbClr val="C00000"/>
+                </a:solidFill>
+              </a:rPr>
+              <a:t>external</a:t>
+            </a:r>
+            <a:r>
+              <a:rPr lang="en-US" dirty="0" smtClean="0">
+                <a:solidFill>
+                  <a:srgbClr val="C00000"/>
+                </a:solidFill>
+              </a:rPr>
+              <a:t> </a:t>
+            </a:r>
             <a:r>
               <a:rPr lang="en-US" dirty="0" smtClean="0"/>
-              <a:t>Modeling component interaction helps us understand if a proposed system structure is likely to deliver the required system performance and dependability.</a:t>
-            </a:r>
-            <a:r>
-              <a:rPr lang="en-GB" dirty="0" smtClean="0"/>
-              <a:t> </a:t>
-            </a:r>
-          </a:p>
-          <a:p>
-            <a:r>
-              <a:rPr lang="en-GB" dirty="0" smtClean="0"/>
-              <a:t>Use case diagrams and sequence diagrams may be used for interaction modelling.</a:t>
-            </a:r>
-          </a:p>
-          <a:p>
+              <a:t>interaction with a system.</a:t>
+            </a:r>
+          </a:p>
+          <a:p>
+            <a:r>
+              <a:rPr lang="en-US" dirty="0" smtClean="0"/>
+              <a:t>Actors in a use case may be people or other systems.</a:t>
+            </a:r>
+          </a:p>
+          <a:p>
+            <a:r>
+              <a:rPr lang="en-US" dirty="0" smtClean="0"/>
+              <a:t>Represented diagrammatically to provide an overview of the use case and in a more detailed textual form.</a:t>
+            </a:r>
             <a:endParaRPr lang="en-US" dirty="0"/>
           </a:p>
         </p:txBody>
